--- a/docs/_static/pedal-overview.pptx
+++ b/docs/_static/pedal-overview.pptx
@@ -270,7 +270,7 @@
           <a:p>
             <a:fld id="{3A979BF9-124F-4BB9-ADB5-5719B90CB8FD}" type="datetimeFigureOut">
               <a:rPr lang="en-US" smtClean="0"/>
-              <a:t>7/22/2018</a:t>
+              <a:t>8/10/2018</a:t>
             </a:fld>
             <a:endParaRPr lang="en-US"/>
           </a:p>
@@ -468,7 +468,7 @@
           <a:p>
             <a:fld id="{3A979BF9-124F-4BB9-ADB5-5719B90CB8FD}" type="datetimeFigureOut">
               <a:rPr lang="en-US" smtClean="0"/>
-              <a:t>7/22/2018</a:t>
+              <a:t>8/10/2018</a:t>
             </a:fld>
             <a:endParaRPr lang="en-US"/>
           </a:p>
@@ -676,7 +676,7 @@
           <a:p>
             <a:fld id="{3A979BF9-124F-4BB9-ADB5-5719B90CB8FD}" type="datetimeFigureOut">
               <a:rPr lang="en-US" smtClean="0"/>
-              <a:t>7/22/2018</a:t>
+              <a:t>8/10/2018</a:t>
             </a:fld>
             <a:endParaRPr lang="en-US"/>
           </a:p>
@@ -874,7 +874,7 @@
           <a:p>
             <a:fld id="{3A979BF9-124F-4BB9-ADB5-5719B90CB8FD}" type="datetimeFigureOut">
               <a:rPr lang="en-US" smtClean="0"/>
-              <a:t>7/22/2018</a:t>
+              <a:t>8/10/2018</a:t>
             </a:fld>
             <a:endParaRPr lang="en-US"/>
           </a:p>
@@ -1149,7 +1149,7 @@
           <a:p>
             <a:fld id="{3A979BF9-124F-4BB9-ADB5-5719B90CB8FD}" type="datetimeFigureOut">
               <a:rPr lang="en-US" smtClean="0"/>
-              <a:t>7/22/2018</a:t>
+              <a:t>8/10/2018</a:t>
             </a:fld>
             <a:endParaRPr lang="en-US"/>
           </a:p>
@@ -1414,7 +1414,7 @@
           <a:p>
             <a:fld id="{3A979BF9-124F-4BB9-ADB5-5719B90CB8FD}" type="datetimeFigureOut">
               <a:rPr lang="en-US" smtClean="0"/>
-              <a:t>7/22/2018</a:t>
+              <a:t>8/10/2018</a:t>
             </a:fld>
             <a:endParaRPr lang="en-US"/>
           </a:p>
@@ -1826,7 +1826,7 @@
           <a:p>
             <a:fld id="{3A979BF9-124F-4BB9-ADB5-5719B90CB8FD}" type="datetimeFigureOut">
               <a:rPr lang="en-US" smtClean="0"/>
-              <a:t>7/22/2018</a:t>
+              <a:t>8/10/2018</a:t>
             </a:fld>
             <a:endParaRPr lang="en-US"/>
           </a:p>
@@ -1967,7 +1967,7 @@
           <a:p>
             <a:fld id="{3A979BF9-124F-4BB9-ADB5-5719B90CB8FD}" type="datetimeFigureOut">
               <a:rPr lang="en-US" smtClean="0"/>
-              <a:t>7/22/2018</a:t>
+              <a:t>8/10/2018</a:t>
             </a:fld>
             <a:endParaRPr lang="en-US"/>
           </a:p>
@@ -2080,7 +2080,7 @@
           <a:p>
             <a:fld id="{3A979BF9-124F-4BB9-ADB5-5719B90CB8FD}" type="datetimeFigureOut">
               <a:rPr lang="en-US" smtClean="0"/>
-              <a:t>7/22/2018</a:t>
+              <a:t>8/10/2018</a:t>
             </a:fld>
             <a:endParaRPr lang="en-US"/>
           </a:p>
@@ -2391,7 +2391,7 @@
           <a:p>
             <a:fld id="{3A979BF9-124F-4BB9-ADB5-5719B90CB8FD}" type="datetimeFigureOut">
               <a:rPr lang="en-US" smtClean="0"/>
-              <a:t>7/22/2018</a:t>
+              <a:t>8/10/2018</a:t>
             </a:fld>
             <a:endParaRPr lang="en-US"/>
           </a:p>
@@ -2679,7 +2679,7 @@
           <a:p>
             <a:fld id="{3A979BF9-124F-4BB9-ADB5-5719B90CB8FD}" type="datetimeFigureOut">
               <a:rPr lang="en-US" smtClean="0"/>
-              <a:t>7/22/2018</a:t>
+              <a:t>8/10/2018</a:t>
             </a:fld>
             <a:endParaRPr lang="en-US"/>
           </a:p>
@@ -2920,7 +2920,7 @@
           <a:p>
             <a:fld id="{3A979BF9-124F-4BB9-ADB5-5719B90CB8FD}" type="datetimeFigureOut">
               <a:rPr lang="en-US" smtClean="0"/>
-              <a:t>7/22/2018</a:t>
+              <a:t>8/10/2018</a:t>
             </a:fld>
             <a:endParaRPr lang="en-US"/>
           </a:p>
@@ -3641,10 +3641,9 @@
           <a:lstStyle/>
           <a:p>
             <a:r>
-              <a:rPr lang="en-US" dirty="0" err="1"/>
-              <a:t>FirstComeFirstServe</a:t>
-            </a:r>
-            <a:endParaRPr lang="en-US" dirty="0"/>
+              <a:rPr lang="en-US" dirty="0"/>
+              <a:t>Simple</a:t>
+            </a:r>
           </a:p>
           <a:p>
             <a:r>
@@ -4541,58 +4540,6 @@
       </p:sp>
       <p:sp>
         <p:nvSpPr>
-          <p:cNvPr id="71" name="Rectangle 70">
-            <a:extLst>
-              <a:ext uri="{FF2B5EF4-FFF2-40B4-BE49-F238E27FC236}">
-                <a16:creationId xmlns:a16="http://schemas.microsoft.com/office/drawing/2014/main" id="{FF97123C-3CB7-481B-8B46-273E7E16D4F5}"/>
-              </a:ext>
-            </a:extLst>
-          </p:cNvPr>
-          <p:cNvSpPr/>
-          <p:nvPr/>
-        </p:nvSpPr>
-        <p:spPr>
-          <a:xfrm>
-            <a:off x="8590422" y="1763066"/>
-            <a:ext cx="6096000" cy="1200329"/>
-          </a:xfrm>
-          <a:prstGeom prst="rect">
-            <a:avLst/>
-          </a:prstGeom>
-        </p:spPr>
-        <p:txBody>
-          <a:bodyPr>
-            <a:spAutoFit/>
-          </a:bodyPr>
-          <a:lstStyle/>
-          <a:p>
-            <a:r>
-              <a:rPr lang="en-US" dirty="0"/>
-              <a:t> Message: str</a:t>
-            </a:r>
-          </a:p>
-          <a:p>
-            <a:r>
-              <a:rPr lang="en-US" dirty="0"/>
-              <a:t>  Priority: message</a:t>
-            </a:r>
-          </a:p>
-          <a:p>
-            <a:r>
-              <a:rPr lang="en-US" dirty="0"/>
-              <a:t>  Line/Column/Position/Range: int?</a:t>
-            </a:r>
-          </a:p>
-          <a:p>
-            <a:r>
-              <a:rPr lang="en-US" dirty="0"/>
-              <a:t>  …?</a:t>
-            </a:r>
-          </a:p>
-        </p:txBody>
-      </p:sp>
-      <p:sp>
-        <p:nvSpPr>
           <p:cNvPr id="72" name="Rectangle 71">
             <a:extLst>
               <a:ext uri="{FF2B5EF4-FFF2-40B4-BE49-F238E27FC236}">
@@ -4873,8 +4820,13 @@
           <a:p>
             <a:r>
               <a:rPr lang="en-US" dirty="0"/>
-              <a:t>    where: position</a:t>
-            </a:r>
+              <a:t>    position: </a:t>
+            </a:r>
+            <a:r>
+              <a:rPr lang="en-US" dirty="0" err="1"/>
+              <a:t>dict</a:t>
+            </a:r>
+            <a:endParaRPr lang="en-US" dirty="0"/>
           </a:p>
         </p:txBody>
       </p:sp>

--- a/docs/_static/pedal-overview.pptx
+++ b/docs/_static/pedal-overview.pptx
@@ -2,18 +2,19 @@
 <file path=ppt/presentation.xml><?xml version="1.0" encoding="utf-8"?>
 <p:presentation xmlns:a="http://schemas.openxmlformats.org/drawingml/2006/main" xmlns:r="http://schemas.openxmlformats.org/officeDocument/2006/relationships" xmlns:p="http://schemas.openxmlformats.org/presentationml/2006/main" saveSubsetFonts="1">
   <p:sldMasterIdLst>
-    <p:sldMasterId id="2147483648" r:id="rId1"/>
+    <p:sldMasterId id="2147483660" r:id="rId1"/>
   </p:sldMasterIdLst>
   <p:sldIdLst>
     <p:sldId id="256" r:id="rId2"/>
+    <p:sldId id="257" r:id="rId3"/>
   </p:sldIdLst>
-  <p:sldSz cx="12192000" cy="6858000"/>
+  <p:sldSz cx="6858000" cy="9144000" type="letter"/>
   <p:notesSz cx="6858000" cy="9144000"/>
   <p:defaultTextStyle>
     <a:defPPr>
       <a:defRPr lang="en-US"/>
     </a:defPPr>
-    <a:lvl1pPr marL="0" algn="l" defTabSz="914400" rtl="0" eaLnBrk="1" latinLnBrk="0" hangingPunct="1">
+    <a:lvl1pPr marL="0" algn="l" defTabSz="457200" rtl="0" eaLnBrk="1" latinLnBrk="0" hangingPunct="1">
       <a:defRPr sz="1800" kern="1200">
         <a:solidFill>
           <a:schemeClr val="tx1"/>
@@ -23,7 +24,7 @@
         <a:cs typeface="+mn-cs"/>
       </a:defRPr>
     </a:lvl1pPr>
-    <a:lvl2pPr marL="457200" algn="l" defTabSz="914400" rtl="0" eaLnBrk="1" latinLnBrk="0" hangingPunct="1">
+    <a:lvl2pPr marL="457200" algn="l" defTabSz="457200" rtl="0" eaLnBrk="1" latinLnBrk="0" hangingPunct="1">
       <a:defRPr sz="1800" kern="1200">
         <a:solidFill>
           <a:schemeClr val="tx1"/>
@@ -33,7 +34,7 @@
         <a:cs typeface="+mn-cs"/>
       </a:defRPr>
     </a:lvl2pPr>
-    <a:lvl3pPr marL="914400" algn="l" defTabSz="914400" rtl="0" eaLnBrk="1" latinLnBrk="0" hangingPunct="1">
+    <a:lvl3pPr marL="914400" algn="l" defTabSz="457200" rtl="0" eaLnBrk="1" latinLnBrk="0" hangingPunct="1">
       <a:defRPr sz="1800" kern="1200">
         <a:solidFill>
           <a:schemeClr val="tx1"/>
@@ -43,7 +44,7 @@
         <a:cs typeface="+mn-cs"/>
       </a:defRPr>
     </a:lvl3pPr>
-    <a:lvl4pPr marL="1371600" algn="l" defTabSz="914400" rtl="0" eaLnBrk="1" latinLnBrk="0" hangingPunct="1">
+    <a:lvl4pPr marL="1371600" algn="l" defTabSz="457200" rtl="0" eaLnBrk="1" latinLnBrk="0" hangingPunct="1">
       <a:defRPr sz="1800" kern="1200">
         <a:solidFill>
           <a:schemeClr val="tx1"/>
@@ -53,7 +54,7 @@
         <a:cs typeface="+mn-cs"/>
       </a:defRPr>
     </a:lvl4pPr>
-    <a:lvl5pPr marL="1828800" algn="l" defTabSz="914400" rtl="0" eaLnBrk="1" latinLnBrk="0" hangingPunct="1">
+    <a:lvl5pPr marL="1828800" algn="l" defTabSz="457200" rtl="0" eaLnBrk="1" latinLnBrk="0" hangingPunct="1">
       <a:defRPr sz="1800" kern="1200">
         <a:solidFill>
           <a:schemeClr val="tx1"/>
@@ -63,7 +64,7 @@
         <a:cs typeface="+mn-cs"/>
       </a:defRPr>
     </a:lvl5pPr>
-    <a:lvl6pPr marL="2286000" algn="l" defTabSz="914400" rtl="0" eaLnBrk="1" latinLnBrk="0" hangingPunct="1">
+    <a:lvl6pPr marL="2286000" algn="l" defTabSz="457200" rtl="0" eaLnBrk="1" latinLnBrk="0" hangingPunct="1">
       <a:defRPr sz="1800" kern="1200">
         <a:solidFill>
           <a:schemeClr val="tx1"/>
@@ -73,7 +74,7 @@
         <a:cs typeface="+mn-cs"/>
       </a:defRPr>
     </a:lvl6pPr>
-    <a:lvl7pPr marL="2743200" algn="l" defTabSz="914400" rtl="0" eaLnBrk="1" latinLnBrk="0" hangingPunct="1">
+    <a:lvl7pPr marL="2743200" algn="l" defTabSz="457200" rtl="0" eaLnBrk="1" latinLnBrk="0" hangingPunct="1">
       <a:defRPr sz="1800" kern="1200">
         <a:solidFill>
           <a:schemeClr val="tx1"/>
@@ -83,7 +84,7 @@
         <a:cs typeface="+mn-cs"/>
       </a:defRPr>
     </a:lvl7pPr>
-    <a:lvl8pPr marL="3200400" algn="l" defTabSz="914400" rtl="0" eaLnBrk="1" latinLnBrk="0" hangingPunct="1">
+    <a:lvl8pPr marL="3200400" algn="l" defTabSz="457200" rtl="0" eaLnBrk="1" latinLnBrk="0" hangingPunct="1">
       <a:defRPr sz="1800" kern="1200">
         <a:solidFill>
           <a:schemeClr val="tx1"/>
@@ -93,7 +94,7 @@
         <a:cs typeface="+mn-cs"/>
       </a:defRPr>
     </a:lvl8pPr>
-    <a:lvl9pPr marL="3657600" algn="l" defTabSz="914400" rtl="0" eaLnBrk="1" latinLnBrk="0" hangingPunct="1">
+    <a:lvl9pPr marL="3657600" algn="l" defTabSz="457200" rtl="0" eaLnBrk="1" latinLnBrk="0" hangingPunct="1">
       <a:defRPr sz="1800" kern="1200">
         <a:solidFill>
           <a:schemeClr val="tx1"/>
@@ -107,12 +108,12 @@
   <p:extLst>
     <p:ext uri="{EFAFB233-063F-42B5-8137-9DF3F51BA10A}">
       <p15:sldGuideLst xmlns:p15="http://schemas.microsoft.com/office/powerpoint/2012/main">
-        <p15:guide id="1" orient="horz" pos="2160" userDrawn="1">
+        <p15:guide id="1" orient="horz" pos="2856" userDrawn="1">
           <p15:clr>
             <a:srgbClr val="A4A3A4"/>
           </p15:clr>
         </p15:guide>
-        <p15:guide id="2" pos="3840" userDrawn="1">
+        <p15:guide id="2" pos="2160" userDrawn="1">
           <p15:clr>
             <a:srgbClr val="A4A3A4"/>
           </p15:clr>
@@ -142,13 +143,7 @@
       </p:grpSpPr>
       <p:sp>
         <p:nvSpPr>
-          <p:cNvPr id="2" name="Title 1">
-            <a:extLst>
-              <a:ext uri="{FF2B5EF4-FFF2-40B4-BE49-F238E27FC236}">
-                <a16:creationId xmlns:a16="http://schemas.microsoft.com/office/drawing/2014/main" id="{DCA905C5-3703-4C5C-B246-673EB9D8D039}"/>
-              </a:ext>
-            </a:extLst>
-          </p:cNvPr>
+          <p:cNvPr id="2" name="Title 1"/>
           <p:cNvSpPr>
             <a:spLocks noGrp="1"/>
           </p:cNvSpPr>
@@ -158,15 +153,15 @@
         </p:nvSpPr>
         <p:spPr>
           <a:xfrm>
-            <a:off x="1524000" y="1122363"/>
-            <a:ext cx="9144000" cy="2387600"/>
+            <a:off x="514350" y="1496484"/>
+            <a:ext cx="5829300" cy="3183467"/>
           </a:xfrm>
         </p:spPr>
         <p:txBody>
           <a:bodyPr anchor="b"/>
           <a:lstStyle>
             <a:lvl1pPr algn="ctr">
-              <a:defRPr sz="6000"/>
+              <a:defRPr sz="4500"/>
             </a:lvl1pPr>
           </a:lstStyle>
           <a:p>
@@ -174,18 +169,13 @@
               <a:rPr lang="en-US"/>
               <a:t>Click to edit Master title style</a:t>
             </a:r>
-          </a:p>
-        </p:txBody>
-      </p:sp>
-      <p:sp>
-        <p:nvSpPr>
-          <p:cNvPr id="3" name="Subtitle 2">
-            <a:extLst>
-              <a:ext uri="{FF2B5EF4-FFF2-40B4-BE49-F238E27FC236}">
-                <a16:creationId xmlns:a16="http://schemas.microsoft.com/office/drawing/2014/main" id="{0C6A2107-6A00-4CA2-B510-DA9969544932}"/>
-              </a:ext>
-            </a:extLst>
-          </p:cNvPr>
+            <a:endParaRPr lang="en-US" dirty="0"/>
+          </a:p>
+        </p:txBody>
+      </p:sp>
+      <p:sp>
+        <p:nvSpPr>
+          <p:cNvPr id="3" name="Subtitle 2"/>
           <p:cNvSpPr>
             <a:spLocks noGrp="1"/>
           </p:cNvSpPr>
@@ -195,8 +185,8 @@
         </p:nvSpPr>
         <p:spPr>
           <a:xfrm>
-            <a:off x="1524000" y="3602038"/>
-            <a:ext cx="9144000" cy="1655762"/>
+            <a:off x="857250" y="4802717"/>
+            <a:ext cx="5143500" cy="2207683"/>
           </a:xfrm>
         </p:spPr>
         <p:txBody>
@@ -204,39 +194,39 @@
           <a:lstStyle>
             <a:lvl1pPr marL="0" indent="0" algn="ctr">
               <a:buNone/>
-              <a:defRPr sz="2400"/>
+              <a:defRPr sz="1800"/>
             </a:lvl1pPr>
-            <a:lvl2pPr marL="457200" indent="0" algn="ctr">
-              <a:buNone/>
-              <a:defRPr sz="2000"/>
+            <a:lvl2pPr marL="342900" indent="0" algn="ctr">
+              <a:buNone/>
+              <a:defRPr sz="1500"/>
             </a:lvl2pPr>
-            <a:lvl3pPr marL="914400" indent="0" algn="ctr">
-              <a:buNone/>
-              <a:defRPr sz="1800"/>
+            <a:lvl3pPr marL="685800" indent="0" algn="ctr">
+              <a:buNone/>
+              <a:defRPr sz="1350"/>
             </a:lvl3pPr>
-            <a:lvl4pPr marL="1371600" indent="0" algn="ctr">
-              <a:buNone/>
-              <a:defRPr sz="1600"/>
+            <a:lvl4pPr marL="1028700" indent="0" algn="ctr">
+              <a:buNone/>
+              <a:defRPr sz="1200"/>
             </a:lvl4pPr>
-            <a:lvl5pPr marL="1828800" indent="0" algn="ctr">
-              <a:buNone/>
-              <a:defRPr sz="1600"/>
+            <a:lvl5pPr marL="1371600" indent="0" algn="ctr">
+              <a:buNone/>
+              <a:defRPr sz="1200"/>
             </a:lvl5pPr>
-            <a:lvl6pPr marL="2286000" indent="0" algn="ctr">
-              <a:buNone/>
-              <a:defRPr sz="1600"/>
+            <a:lvl6pPr marL="1714500" indent="0" algn="ctr">
+              <a:buNone/>
+              <a:defRPr sz="1200"/>
             </a:lvl6pPr>
-            <a:lvl7pPr marL="2743200" indent="0" algn="ctr">
-              <a:buNone/>
-              <a:defRPr sz="1600"/>
+            <a:lvl7pPr marL="2057400" indent="0" algn="ctr">
+              <a:buNone/>
+              <a:defRPr sz="1200"/>
             </a:lvl7pPr>
-            <a:lvl8pPr marL="3200400" indent="0" algn="ctr">
-              <a:buNone/>
-              <a:defRPr sz="1600"/>
+            <a:lvl8pPr marL="2400300" indent="0" algn="ctr">
+              <a:buNone/>
+              <a:defRPr sz="1200"/>
             </a:lvl8pPr>
-            <a:lvl9pPr marL="3657600" indent="0" algn="ctr">
-              <a:buNone/>
-              <a:defRPr sz="1600"/>
+            <a:lvl9pPr marL="2743200" indent="0" algn="ctr">
+              <a:buNone/>
+              <a:defRPr sz="1200"/>
             </a:lvl9pPr>
           </a:lstStyle>
           <a:p>
@@ -244,18 +234,13 @@
               <a:rPr lang="en-US"/>
               <a:t>Click to edit Master subtitle style</a:t>
             </a:r>
-          </a:p>
-        </p:txBody>
-      </p:sp>
-      <p:sp>
-        <p:nvSpPr>
-          <p:cNvPr id="4" name="Date Placeholder 3">
-            <a:extLst>
-              <a:ext uri="{FF2B5EF4-FFF2-40B4-BE49-F238E27FC236}">
-                <a16:creationId xmlns:a16="http://schemas.microsoft.com/office/drawing/2014/main" id="{61767A29-A10D-49BD-93ED-06FBB4B8206E}"/>
-              </a:ext>
-            </a:extLst>
-          </p:cNvPr>
+            <a:endParaRPr lang="en-US" dirty="0"/>
+          </a:p>
+        </p:txBody>
+      </p:sp>
+      <p:sp>
+        <p:nvSpPr>
+          <p:cNvPr id="4" name="Date Placeholder 3"/>
           <p:cNvSpPr>
             <a:spLocks noGrp="1"/>
           </p:cNvSpPr>
@@ -270,7 +255,7 @@
           <a:p>
             <a:fld id="{3A979BF9-124F-4BB9-ADB5-5719B90CB8FD}" type="datetimeFigureOut">
               <a:rPr lang="en-US" smtClean="0"/>
-              <a:t>8/10/2018</a:t>
+              <a:t>1/4/2019</a:t>
             </a:fld>
             <a:endParaRPr lang="en-US"/>
           </a:p>
@@ -278,13 +263,7 @@
       </p:sp>
       <p:sp>
         <p:nvSpPr>
-          <p:cNvPr id="5" name="Footer Placeholder 4">
-            <a:extLst>
-              <a:ext uri="{FF2B5EF4-FFF2-40B4-BE49-F238E27FC236}">
-                <a16:creationId xmlns:a16="http://schemas.microsoft.com/office/drawing/2014/main" id="{B74B55FC-CDD9-4951-9960-FA903950E58D}"/>
-              </a:ext>
-            </a:extLst>
-          </p:cNvPr>
+          <p:cNvPr id="5" name="Footer Placeholder 4"/>
           <p:cNvSpPr>
             <a:spLocks noGrp="1"/>
           </p:cNvSpPr>
@@ -303,13 +282,7 @@
       </p:sp>
       <p:sp>
         <p:nvSpPr>
-          <p:cNvPr id="6" name="Slide Number Placeholder 5">
-            <a:extLst>
-              <a:ext uri="{FF2B5EF4-FFF2-40B4-BE49-F238E27FC236}">
-                <a16:creationId xmlns:a16="http://schemas.microsoft.com/office/drawing/2014/main" id="{04BBC024-BD20-48D2-8344-52C85B209840}"/>
-              </a:ext>
-            </a:extLst>
-          </p:cNvPr>
+          <p:cNvPr id="6" name="Slide Number Placeholder 5"/>
           <p:cNvSpPr>
             <a:spLocks noGrp="1"/>
           </p:cNvSpPr>
@@ -333,7 +306,7 @@
     </p:spTree>
     <p:extLst>
       <p:ext uri="{BB962C8B-B14F-4D97-AF65-F5344CB8AC3E}">
-        <p14:creationId xmlns:p14="http://schemas.microsoft.com/office/powerpoint/2010/main" val="3856490897"/>
+        <p14:creationId xmlns:p14="http://schemas.microsoft.com/office/powerpoint/2010/main" val="4053803963"/>
       </p:ext>
     </p:extLst>
   </p:cSld>
@@ -362,13 +335,7 @@
       </p:grpSpPr>
       <p:sp>
         <p:nvSpPr>
-          <p:cNvPr id="2" name="Title 1">
-            <a:extLst>
-              <a:ext uri="{FF2B5EF4-FFF2-40B4-BE49-F238E27FC236}">
-                <a16:creationId xmlns:a16="http://schemas.microsoft.com/office/drawing/2014/main" id="{D1F02932-4409-4FBA-BBED-000F25261D5B}"/>
-              </a:ext>
-            </a:extLst>
-          </p:cNvPr>
+          <p:cNvPr id="2" name="Title 1"/>
           <p:cNvSpPr>
             <a:spLocks noGrp="1"/>
           </p:cNvSpPr>
@@ -385,18 +352,13 @@
               <a:rPr lang="en-US"/>
               <a:t>Click to edit Master title style</a:t>
             </a:r>
-          </a:p>
-        </p:txBody>
-      </p:sp>
-      <p:sp>
-        <p:nvSpPr>
-          <p:cNvPr id="3" name="Vertical Text Placeholder 2">
-            <a:extLst>
-              <a:ext uri="{FF2B5EF4-FFF2-40B4-BE49-F238E27FC236}">
-                <a16:creationId xmlns:a16="http://schemas.microsoft.com/office/drawing/2014/main" id="{DB7EEBF5-792D-46ED-81D9-8C2F7C0BA424}"/>
-              </a:ext>
-            </a:extLst>
-          </p:cNvPr>
+            <a:endParaRPr lang="en-US" dirty="0"/>
+          </a:p>
+        </p:txBody>
+      </p:sp>
+      <p:sp>
+        <p:nvSpPr>
+          <p:cNvPr id="3" name="Vertical Text Placeholder 2"/>
           <p:cNvSpPr>
             <a:spLocks noGrp="1"/>
           </p:cNvSpPr>
@@ -442,18 +404,13 @@
               <a:rPr lang="en-US"/>
               <a:t>Fifth level</a:t>
             </a:r>
-          </a:p>
-        </p:txBody>
-      </p:sp>
-      <p:sp>
-        <p:nvSpPr>
-          <p:cNvPr id="4" name="Date Placeholder 3">
-            <a:extLst>
-              <a:ext uri="{FF2B5EF4-FFF2-40B4-BE49-F238E27FC236}">
-                <a16:creationId xmlns:a16="http://schemas.microsoft.com/office/drawing/2014/main" id="{0A624D2F-C769-4AB8-BDA4-470B12F40F90}"/>
-              </a:ext>
-            </a:extLst>
-          </p:cNvPr>
+            <a:endParaRPr lang="en-US" dirty="0"/>
+          </a:p>
+        </p:txBody>
+      </p:sp>
+      <p:sp>
+        <p:nvSpPr>
+          <p:cNvPr id="4" name="Date Placeholder 3"/>
           <p:cNvSpPr>
             <a:spLocks noGrp="1"/>
           </p:cNvSpPr>
@@ -468,7 +425,7 @@
           <a:p>
             <a:fld id="{3A979BF9-124F-4BB9-ADB5-5719B90CB8FD}" type="datetimeFigureOut">
               <a:rPr lang="en-US" smtClean="0"/>
-              <a:t>8/10/2018</a:t>
+              <a:t>1/4/2019</a:t>
             </a:fld>
             <a:endParaRPr lang="en-US"/>
           </a:p>
@@ -476,13 +433,7 @@
       </p:sp>
       <p:sp>
         <p:nvSpPr>
-          <p:cNvPr id="5" name="Footer Placeholder 4">
-            <a:extLst>
-              <a:ext uri="{FF2B5EF4-FFF2-40B4-BE49-F238E27FC236}">
-                <a16:creationId xmlns:a16="http://schemas.microsoft.com/office/drawing/2014/main" id="{C5273211-F95A-42A3-A4FB-D155244F54F9}"/>
-              </a:ext>
-            </a:extLst>
-          </p:cNvPr>
+          <p:cNvPr id="5" name="Footer Placeholder 4"/>
           <p:cNvSpPr>
             <a:spLocks noGrp="1"/>
           </p:cNvSpPr>
@@ -501,13 +452,7 @@
       </p:sp>
       <p:sp>
         <p:nvSpPr>
-          <p:cNvPr id="6" name="Slide Number Placeholder 5">
-            <a:extLst>
-              <a:ext uri="{FF2B5EF4-FFF2-40B4-BE49-F238E27FC236}">
-                <a16:creationId xmlns:a16="http://schemas.microsoft.com/office/drawing/2014/main" id="{869ACD86-4DCE-4AC5-8B96-3AC80F650DEF}"/>
-              </a:ext>
-            </a:extLst>
-          </p:cNvPr>
+          <p:cNvPr id="6" name="Slide Number Placeholder 5"/>
           <p:cNvSpPr>
             <a:spLocks noGrp="1"/>
           </p:cNvSpPr>
@@ -531,7 +476,7 @@
     </p:spTree>
     <p:extLst>
       <p:ext uri="{BB962C8B-B14F-4D97-AF65-F5344CB8AC3E}">
-        <p14:creationId xmlns:p14="http://schemas.microsoft.com/office/powerpoint/2010/main" val="1577183299"/>
+        <p14:creationId xmlns:p14="http://schemas.microsoft.com/office/powerpoint/2010/main" val="3118686977"/>
       </p:ext>
     </p:extLst>
   </p:cSld>
@@ -560,13 +505,7 @@
       </p:grpSpPr>
       <p:sp>
         <p:nvSpPr>
-          <p:cNvPr id="2" name="Vertical Title 1">
-            <a:extLst>
-              <a:ext uri="{FF2B5EF4-FFF2-40B4-BE49-F238E27FC236}">
-                <a16:creationId xmlns:a16="http://schemas.microsoft.com/office/drawing/2014/main" id="{D01FA9F6-B126-4BE1-ABB6-28E83B9DB73E}"/>
-              </a:ext>
-            </a:extLst>
-          </p:cNvPr>
+          <p:cNvPr id="2" name="Vertical Title 1"/>
           <p:cNvSpPr>
             <a:spLocks noGrp="1"/>
           </p:cNvSpPr>
@@ -576,8 +515,8 @@
         </p:nvSpPr>
         <p:spPr>
           <a:xfrm>
-            <a:off x="8724900" y="365125"/>
-            <a:ext cx="2628900" cy="5811838"/>
+            <a:off x="4907757" y="486834"/>
+            <a:ext cx="1478756" cy="7749117"/>
           </a:xfrm>
         </p:spPr>
         <p:txBody>
@@ -588,18 +527,13 @@
               <a:rPr lang="en-US"/>
               <a:t>Click to edit Master title style</a:t>
             </a:r>
-          </a:p>
-        </p:txBody>
-      </p:sp>
-      <p:sp>
-        <p:nvSpPr>
-          <p:cNvPr id="3" name="Vertical Text Placeholder 2">
-            <a:extLst>
-              <a:ext uri="{FF2B5EF4-FFF2-40B4-BE49-F238E27FC236}">
-                <a16:creationId xmlns:a16="http://schemas.microsoft.com/office/drawing/2014/main" id="{B4FE2960-391E-4C69-89E8-5CB20F1EB856}"/>
-              </a:ext>
-            </a:extLst>
-          </p:cNvPr>
+            <a:endParaRPr lang="en-US" dirty="0"/>
+          </a:p>
+        </p:txBody>
+      </p:sp>
+      <p:sp>
+        <p:nvSpPr>
+          <p:cNvPr id="3" name="Vertical Text Placeholder 2"/>
           <p:cNvSpPr>
             <a:spLocks noGrp="1"/>
           </p:cNvSpPr>
@@ -609,8 +543,8 @@
         </p:nvSpPr>
         <p:spPr>
           <a:xfrm>
-            <a:off x="838200" y="365125"/>
-            <a:ext cx="7734300" cy="5811838"/>
+            <a:off x="471488" y="486834"/>
+            <a:ext cx="4350544" cy="7749117"/>
           </a:xfrm>
         </p:spPr>
         <p:txBody>
@@ -650,18 +584,13 @@
               <a:rPr lang="en-US"/>
               <a:t>Fifth level</a:t>
             </a:r>
-          </a:p>
-        </p:txBody>
-      </p:sp>
-      <p:sp>
-        <p:nvSpPr>
-          <p:cNvPr id="4" name="Date Placeholder 3">
-            <a:extLst>
-              <a:ext uri="{FF2B5EF4-FFF2-40B4-BE49-F238E27FC236}">
-                <a16:creationId xmlns:a16="http://schemas.microsoft.com/office/drawing/2014/main" id="{7BD256FC-BE3A-496E-9CDD-527633FB4BC8}"/>
-              </a:ext>
-            </a:extLst>
-          </p:cNvPr>
+            <a:endParaRPr lang="en-US" dirty="0"/>
+          </a:p>
+        </p:txBody>
+      </p:sp>
+      <p:sp>
+        <p:nvSpPr>
+          <p:cNvPr id="4" name="Date Placeholder 3"/>
           <p:cNvSpPr>
             <a:spLocks noGrp="1"/>
           </p:cNvSpPr>
@@ -676,7 +605,7 @@
           <a:p>
             <a:fld id="{3A979BF9-124F-4BB9-ADB5-5719B90CB8FD}" type="datetimeFigureOut">
               <a:rPr lang="en-US" smtClean="0"/>
-              <a:t>8/10/2018</a:t>
+              <a:t>1/4/2019</a:t>
             </a:fld>
             <a:endParaRPr lang="en-US"/>
           </a:p>
@@ -684,13 +613,7 @@
       </p:sp>
       <p:sp>
         <p:nvSpPr>
-          <p:cNvPr id="5" name="Footer Placeholder 4">
-            <a:extLst>
-              <a:ext uri="{FF2B5EF4-FFF2-40B4-BE49-F238E27FC236}">
-                <a16:creationId xmlns:a16="http://schemas.microsoft.com/office/drawing/2014/main" id="{A70C68F7-0BA5-49E2-BE6F-B79CD174FA0A}"/>
-              </a:ext>
-            </a:extLst>
-          </p:cNvPr>
+          <p:cNvPr id="5" name="Footer Placeholder 4"/>
           <p:cNvSpPr>
             <a:spLocks noGrp="1"/>
           </p:cNvSpPr>
@@ -709,13 +632,7 @@
       </p:sp>
       <p:sp>
         <p:nvSpPr>
-          <p:cNvPr id="6" name="Slide Number Placeholder 5">
-            <a:extLst>
-              <a:ext uri="{FF2B5EF4-FFF2-40B4-BE49-F238E27FC236}">
-                <a16:creationId xmlns:a16="http://schemas.microsoft.com/office/drawing/2014/main" id="{AD5FE2C8-810D-4F03-8E26-7CB4CC47FA85}"/>
-              </a:ext>
-            </a:extLst>
-          </p:cNvPr>
+          <p:cNvPr id="6" name="Slide Number Placeholder 5"/>
           <p:cNvSpPr>
             <a:spLocks noGrp="1"/>
           </p:cNvSpPr>
@@ -739,7 +656,7 @@
     </p:spTree>
     <p:extLst>
       <p:ext uri="{BB962C8B-B14F-4D97-AF65-F5344CB8AC3E}">
-        <p14:creationId xmlns:p14="http://schemas.microsoft.com/office/powerpoint/2010/main" val="207507821"/>
+        <p14:creationId xmlns:p14="http://schemas.microsoft.com/office/powerpoint/2010/main" val="1834345209"/>
       </p:ext>
     </p:extLst>
   </p:cSld>
@@ -768,13 +685,7 @@
       </p:grpSpPr>
       <p:sp>
         <p:nvSpPr>
-          <p:cNvPr id="2" name="Title 1">
-            <a:extLst>
-              <a:ext uri="{FF2B5EF4-FFF2-40B4-BE49-F238E27FC236}">
-                <a16:creationId xmlns:a16="http://schemas.microsoft.com/office/drawing/2014/main" id="{4D27C732-C0EF-49D4-B222-C437A2C591FD}"/>
-              </a:ext>
-            </a:extLst>
-          </p:cNvPr>
+          <p:cNvPr id="2" name="Title 1"/>
           <p:cNvSpPr>
             <a:spLocks noGrp="1"/>
           </p:cNvSpPr>
@@ -791,18 +702,13 @@
               <a:rPr lang="en-US"/>
               <a:t>Click to edit Master title style</a:t>
             </a:r>
-          </a:p>
-        </p:txBody>
-      </p:sp>
-      <p:sp>
-        <p:nvSpPr>
-          <p:cNvPr id="3" name="Content Placeholder 2">
-            <a:extLst>
-              <a:ext uri="{FF2B5EF4-FFF2-40B4-BE49-F238E27FC236}">
-                <a16:creationId xmlns:a16="http://schemas.microsoft.com/office/drawing/2014/main" id="{D0D3DD58-E441-48F9-8440-B28511197290}"/>
-              </a:ext>
-            </a:extLst>
-          </p:cNvPr>
+            <a:endParaRPr lang="en-US" dirty="0"/>
+          </a:p>
+        </p:txBody>
+      </p:sp>
+      <p:sp>
+        <p:nvSpPr>
+          <p:cNvPr id="3" name="Content Placeholder 2"/>
           <p:cNvSpPr>
             <a:spLocks noGrp="1"/>
           </p:cNvSpPr>
@@ -848,18 +754,13 @@
               <a:rPr lang="en-US"/>
               <a:t>Fifth level</a:t>
             </a:r>
-          </a:p>
-        </p:txBody>
-      </p:sp>
-      <p:sp>
-        <p:nvSpPr>
-          <p:cNvPr id="4" name="Date Placeholder 3">
-            <a:extLst>
-              <a:ext uri="{FF2B5EF4-FFF2-40B4-BE49-F238E27FC236}">
-                <a16:creationId xmlns:a16="http://schemas.microsoft.com/office/drawing/2014/main" id="{4CFDA796-D454-4906-9061-533D942CCB6C}"/>
-              </a:ext>
-            </a:extLst>
-          </p:cNvPr>
+            <a:endParaRPr lang="en-US" dirty="0"/>
+          </a:p>
+        </p:txBody>
+      </p:sp>
+      <p:sp>
+        <p:nvSpPr>
+          <p:cNvPr id="4" name="Date Placeholder 3"/>
           <p:cNvSpPr>
             <a:spLocks noGrp="1"/>
           </p:cNvSpPr>
@@ -874,7 +775,7 @@
           <a:p>
             <a:fld id="{3A979BF9-124F-4BB9-ADB5-5719B90CB8FD}" type="datetimeFigureOut">
               <a:rPr lang="en-US" smtClean="0"/>
-              <a:t>8/10/2018</a:t>
+              <a:t>1/4/2019</a:t>
             </a:fld>
             <a:endParaRPr lang="en-US"/>
           </a:p>
@@ -882,13 +783,7 @@
       </p:sp>
       <p:sp>
         <p:nvSpPr>
-          <p:cNvPr id="5" name="Footer Placeholder 4">
-            <a:extLst>
-              <a:ext uri="{FF2B5EF4-FFF2-40B4-BE49-F238E27FC236}">
-                <a16:creationId xmlns:a16="http://schemas.microsoft.com/office/drawing/2014/main" id="{E40B7600-F603-40EB-A2A0-B839498857EC}"/>
-              </a:ext>
-            </a:extLst>
-          </p:cNvPr>
+          <p:cNvPr id="5" name="Footer Placeholder 4"/>
           <p:cNvSpPr>
             <a:spLocks noGrp="1"/>
           </p:cNvSpPr>
@@ -907,13 +802,7 @@
       </p:sp>
       <p:sp>
         <p:nvSpPr>
-          <p:cNvPr id="6" name="Slide Number Placeholder 5">
-            <a:extLst>
-              <a:ext uri="{FF2B5EF4-FFF2-40B4-BE49-F238E27FC236}">
-                <a16:creationId xmlns:a16="http://schemas.microsoft.com/office/drawing/2014/main" id="{2F6CC5FB-927C-406E-8D94-319E03E1C630}"/>
-              </a:ext>
-            </a:extLst>
-          </p:cNvPr>
+          <p:cNvPr id="6" name="Slide Number Placeholder 5"/>
           <p:cNvSpPr>
             <a:spLocks noGrp="1"/>
           </p:cNvSpPr>
@@ -937,7 +826,7 @@
     </p:spTree>
     <p:extLst>
       <p:ext uri="{BB962C8B-B14F-4D97-AF65-F5344CB8AC3E}">
-        <p14:creationId xmlns:p14="http://schemas.microsoft.com/office/powerpoint/2010/main" val="3940054244"/>
+        <p14:creationId xmlns:p14="http://schemas.microsoft.com/office/powerpoint/2010/main" val="122112412"/>
       </p:ext>
     </p:extLst>
   </p:cSld>
@@ -966,13 +855,7 @@
       </p:grpSpPr>
       <p:sp>
         <p:nvSpPr>
-          <p:cNvPr id="2" name="Title 1">
-            <a:extLst>
-              <a:ext uri="{FF2B5EF4-FFF2-40B4-BE49-F238E27FC236}">
-                <a16:creationId xmlns:a16="http://schemas.microsoft.com/office/drawing/2014/main" id="{9254BB7D-759F-4196-BF69-23D53BB9B4F9}"/>
-              </a:ext>
-            </a:extLst>
-          </p:cNvPr>
+          <p:cNvPr id="2" name="Title 1"/>
           <p:cNvSpPr>
             <a:spLocks noGrp="1"/>
           </p:cNvSpPr>
@@ -982,15 +865,15 @@
         </p:nvSpPr>
         <p:spPr>
           <a:xfrm>
-            <a:off x="831850" y="1709738"/>
-            <a:ext cx="10515600" cy="2852737"/>
+            <a:off x="467916" y="2279653"/>
+            <a:ext cx="5915025" cy="3803649"/>
           </a:xfrm>
         </p:spPr>
         <p:txBody>
           <a:bodyPr anchor="b"/>
           <a:lstStyle>
             <a:lvl1pPr>
-              <a:defRPr sz="6000"/>
+              <a:defRPr sz="4500"/>
             </a:lvl1pPr>
           </a:lstStyle>
           <a:p>
@@ -998,18 +881,13 @@
               <a:rPr lang="en-US"/>
               <a:t>Click to edit Master title style</a:t>
             </a:r>
-          </a:p>
-        </p:txBody>
-      </p:sp>
-      <p:sp>
-        <p:nvSpPr>
-          <p:cNvPr id="3" name="Text Placeholder 2">
-            <a:extLst>
-              <a:ext uri="{FF2B5EF4-FFF2-40B4-BE49-F238E27FC236}">
-                <a16:creationId xmlns:a16="http://schemas.microsoft.com/office/drawing/2014/main" id="{96D18FEE-B1B6-46A3-B4D6-79FE8BDCEA7D}"/>
-              </a:ext>
-            </a:extLst>
-          </p:cNvPr>
+            <a:endParaRPr lang="en-US" dirty="0"/>
+          </a:p>
+        </p:txBody>
+      </p:sp>
+      <p:sp>
+        <p:nvSpPr>
+          <p:cNvPr id="3" name="Text Placeholder 2"/>
           <p:cNvSpPr>
             <a:spLocks noGrp="1"/>
           </p:cNvSpPr>
@@ -1019,8 +897,8 @@
         </p:nvSpPr>
         <p:spPr>
           <a:xfrm>
-            <a:off x="831850" y="4589463"/>
-            <a:ext cx="10515600" cy="1500187"/>
+            <a:off x="467916" y="6119286"/>
+            <a:ext cx="5915025" cy="2000249"/>
           </a:xfrm>
         </p:spPr>
         <p:txBody>
@@ -1028,17 +906,15 @@
           <a:lstStyle>
             <a:lvl1pPr marL="0" indent="0">
               <a:buNone/>
-              <a:defRPr sz="2400">
+              <a:defRPr sz="1800">
                 <a:solidFill>
-                  <a:schemeClr val="tx1">
-                    <a:tint val="75000"/>
-                  </a:schemeClr>
+                  <a:schemeClr val="tx1"/>
                 </a:solidFill>
               </a:defRPr>
             </a:lvl1pPr>
-            <a:lvl2pPr marL="457200" indent="0">
-              <a:buNone/>
-              <a:defRPr sz="2000">
+            <a:lvl2pPr marL="342900" indent="0">
+              <a:buNone/>
+              <a:defRPr sz="1500">
                 <a:solidFill>
                   <a:schemeClr val="tx1">
                     <a:tint val="75000"/>
@@ -1046,9 +922,9 @@
                 </a:solidFill>
               </a:defRPr>
             </a:lvl2pPr>
-            <a:lvl3pPr marL="914400" indent="0">
-              <a:buNone/>
-              <a:defRPr sz="1800">
+            <a:lvl3pPr marL="685800" indent="0">
+              <a:buNone/>
+              <a:defRPr sz="1350">
                 <a:solidFill>
                   <a:schemeClr val="tx1">
                     <a:tint val="75000"/>
@@ -1056,9 +932,9 @@
                 </a:solidFill>
               </a:defRPr>
             </a:lvl3pPr>
-            <a:lvl4pPr marL="1371600" indent="0">
-              <a:buNone/>
-              <a:defRPr sz="1600">
+            <a:lvl4pPr marL="1028700" indent="0">
+              <a:buNone/>
+              <a:defRPr sz="1200">
                 <a:solidFill>
                   <a:schemeClr val="tx1">
                     <a:tint val="75000"/>
@@ -1066,9 +942,9 @@
                 </a:solidFill>
               </a:defRPr>
             </a:lvl4pPr>
-            <a:lvl5pPr marL="1828800" indent="0">
-              <a:buNone/>
-              <a:defRPr sz="1600">
+            <a:lvl5pPr marL="1371600" indent="0">
+              <a:buNone/>
+              <a:defRPr sz="1200">
                 <a:solidFill>
                   <a:schemeClr val="tx1">
                     <a:tint val="75000"/>
@@ -1076,9 +952,9 @@
                 </a:solidFill>
               </a:defRPr>
             </a:lvl5pPr>
-            <a:lvl6pPr marL="2286000" indent="0">
-              <a:buNone/>
-              <a:defRPr sz="1600">
+            <a:lvl6pPr marL="1714500" indent="0">
+              <a:buNone/>
+              <a:defRPr sz="1200">
                 <a:solidFill>
                   <a:schemeClr val="tx1">
                     <a:tint val="75000"/>
@@ -1086,9 +962,9 @@
                 </a:solidFill>
               </a:defRPr>
             </a:lvl6pPr>
-            <a:lvl7pPr marL="2743200" indent="0">
-              <a:buNone/>
-              <a:defRPr sz="1600">
+            <a:lvl7pPr marL="2057400" indent="0">
+              <a:buNone/>
+              <a:defRPr sz="1200">
                 <a:solidFill>
                   <a:schemeClr val="tx1">
                     <a:tint val="75000"/>
@@ -1096,9 +972,9 @@
                 </a:solidFill>
               </a:defRPr>
             </a:lvl7pPr>
-            <a:lvl8pPr marL="3200400" indent="0">
-              <a:buNone/>
-              <a:defRPr sz="1600">
+            <a:lvl8pPr marL="2400300" indent="0">
+              <a:buNone/>
+              <a:defRPr sz="1200">
                 <a:solidFill>
                   <a:schemeClr val="tx1">
                     <a:tint val="75000"/>
@@ -1106,9 +982,9 @@
                 </a:solidFill>
               </a:defRPr>
             </a:lvl8pPr>
-            <a:lvl9pPr marL="3657600" indent="0">
-              <a:buNone/>
-              <a:defRPr sz="1600">
+            <a:lvl9pPr marL="2743200" indent="0">
+              <a:buNone/>
+              <a:defRPr sz="1200">
                 <a:solidFill>
                   <a:schemeClr val="tx1">
                     <a:tint val="75000"/>
@@ -1128,13 +1004,7 @@
       </p:sp>
       <p:sp>
         <p:nvSpPr>
-          <p:cNvPr id="4" name="Date Placeholder 3">
-            <a:extLst>
-              <a:ext uri="{FF2B5EF4-FFF2-40B4-BE49-F238E27FC236}">
-                <a16:creationId xmlns:a16="http://schemas.microsoft.com/office/drawing/2014/main" id="{16560696-65B5-4DE1-95E6-F6473AACC2C0}"/>
-              </a:ext>
-            </a:extLst>
-          </p:cNvPr>
+          <p:cNvPr id="4" name="Date Placeholder 3"/>
           <p:cNvSpPr>
             <a:spLocks noGrp="1"/>
           </p:cNvSpPr>
@@ -1149,7 +1019,7 @@
           <a:p>
             <a:fld id="{3A979BF9-124F-4BB9-ADB5-5719B90CB8FD}" type="datetimeFigureOut">
               <a:rPr lang="en-US" smtClean="0"/>
-              <a:t>8/10/2018</a:t>
+              <a:t>1/4/2019</a:t>
             </a:fld>
             <a:endParaRPr lang="en-US"/>
           </a:p>
@@ -1157,13 +1027,7 @@
       </p:sp>
       <p:sp>
         <p:nvSpPr>
-          <p:cNvPr id="5" name="Footer Placeholder 4">
-            <a:extLst>
-              <a:ext uri="{FF2B5EF4-FFF2-40B4-BE49-F238E27FC236}">
-                <a16:creationId xmlns:a16="http://schemas.microsoft.com/office/drawing/2014/main" id="{380D8DA5-CC40-4EDA-8231-08FBDD85E51F}"/>
-              </a:ext>
-            </a:extLst>
-          </p:cNvPr>
+          <p:cNvPr id="5" name="Footer Placeholder 4"/>
           <p:cNvSpPr>
             <a:spLocks noGrp="1"/>
           </p:cNvSpPr>
@@ -1182,13 +1046,7 @@
       </p:sp>
       <p:sp>
         <p:nvSpPr>
-          <p:cNvPr id="6" name="Slide Number Placeholder 5">
-            <a:extLst>
-              <a:ext uri="{FF2B5EF4-FFF2-40B4-BE49-F238E27FC236}">
-                <a16:creationId xmlns:a16="http://schemas.microsoft.com/office/drawing/2014/main" id="{81982EE3-F2F5-48BC-BD5A-AA1BE0560518}"/>
-              </a:ext>
-            </a:extLst>
-          </p:cNvPr>
+          <p:cNvPr id="6" name="Slide Number Placeholder 5"/>
           <p:cNvSpPr>
             <a:spLocks noGrp="1"/>
           </p:cNvSpPr>
@@ -1212,7 +1070,7 @@
     </p:spTree>
     <p:extLst>
       <p:ext uri="{BB962C8B-B14F-4D97-AF65-F5344CB8AC3E}">
-        <p14:creationId xmlns:p14="http://schemas.microsoft.com/office/powerpoint/2010/main" val="2108640973"/>
+        <p14:creationId xmlns:p14="http://schemas.microsoft.com/office/powerpoint/2010/main" val="3327397896"/>
       </p:ext>
     </p:extLst>
   </p:cSld>
@@ -1241,13 +1099,7 @@
       </p:grpSpPr>
       <p:sp>
         <p:nvSpPr>
-          <p:cNvPr id="2" name="Title 1">
-            <a:extLst>
-              <a:ext uri="{FF2B5EF4-FFF2-40B4-BE49-F238E27FC236}">
-                <a16:creationId xmlns:a16="http://schemas.microsoft.com/office/drawing/2014/main" id="{4058676A-06D3-49BB-A20D-3D01160634BC}"/>
-              </a:ext>
-            </a:extLst>
-          </p:cNvPr>
+          <p:cNvPr id="2" name="Title 1"/>
           <p:cNvSpPr>
             <a:spLocks noGrp="1"/>
           </p:cNvSpPr>
@@ -1264,18 +1116,13 @@
               <a:rPr lang="en-US"/>
               <a:t>Click to edit Master title style</a:t>
             </a:r>
-          </a:p>
-        </p:txBody>
-      </p:sp>
-      <p:sp>
-        <p:nvSpPr>
-          <p:cNvPr id="3" name="Content Placeholder 2">
-            <a:extLst>
-              <a:ext uri="{FF2B5EF4-FFF2-40B4-BE49-F238E27FC236}">
-                <a16:creationId xmlns:a16="http://schemas.microsoft.com/office/drawing/2014/main" id="{E5A6DA21-8B54-4884-9F11-BD06AB1A9CB6}"/>
-              </a:ext>
-            </a:extLst>
-          </p:cNvPr>
+            <a:endParaRPr lang="en-US" dirty="0"/>
+          </a:p>
+        </p:txBody>
+      </p:sp>
+      <p:sp>
+        <p:nvSpPr>
+          <p:cNvPr id="3" name="Content Placeholder 2"/>
           <p:cNvSpPr>
             <a:spLocks noGrp="1"/>
           </p:cNvSpPr>
@@ -1285,8 +1132,8 @@
         </p:nvSpPr>
         <p:spPr>
           <a:xfrm>
-            <a:off x="838200" y="1825625"/>
-            <a:ext cx="5181600" cy="4351338"/>
+            <a:off x="471488" y="2434167"/>
+            <a:ext cx="2914650" cy="5801784"/>
           </a:xfrm>
         </p:spPr>
         <p:txBody>
@@ -1326,18 +1173,13 @@
               <a:rPr lang="en-US"/>
               <a:t>Fifth level</a:t>
             </a:r>
-          </a:p>
-        </p:txBody>
-      </p:sp>
-      <p:sp>
-        <p:nvSpPr>
-          <p:cNvPr id="4" name="Content Placeholder 3">
-            <a:extLst>
-              <a:ext uri="{FF2B5EF4-FFF2-40B4-BE49-F238E27FC236}">
-                <a16:creationId xmlns:a16="http://schemas.microsoft.com/office/drawing/2014/main" id="{D391C93C-B9C0-4020-821B-9461D83F1D84}"/>
-              </a:ext>
-            </a:extLst>
-          </p:cNvPr>
+            <a:endParaRPr lang="en-US" dirty="0"/>
+          </a:p>
+        </p:txBody>
+      </p:sp>
+      <p:sp>
+        <p:nvSpPr>
+          <p:cNvPr id="4" name="Content Placeholder 3"/>
           <p:cNvSpPr>
             <a:spLocks noGrp="1"/>
           </p:cNvSpPr>
@@ -1347,8 +1189,8 @@
         </p:nvSpPr>
         <p:spPr>
           <a:xfrm>
-            <a:off x="6172200" y="1825625"/>
-            <a:ext cx="5181600" cy="4351338"/>
+            <a:off x="3471863" y="2434167"/>
+            <a:ext cx="2914650" cy="5801784"/>
           </a:xfrm>
         </p:spPr>
         <p:txBody>
@@ -1388,18 +1230,13 @@
               <a:rPr lang="en-US"/>
               <a:t>Fifth level</a:t>
             </a:r>
-          </a:p>
-        </p:txBody>
-      </p:sp>
-      <p:sp>
-        <p:nvSpPr>
-          <p:cNvPr id="5" name="Date Placeholder 4">
-            <a:extLst>
-              <a:ext uri="{FF2B5EF4-FFF2-40B4-BE49-F238E27FC236}">
-                <a16:creationId xmlns:a16="http://schemas.microsoft.com/office/drawing/2014/main" id="{064DF014-4F7F-4249-9D06-1BBA70426FD2}"/>
-              </a:ext>
-            </a:extLst>
-          </p:cNvPr>
+            <a:endParaRPr lang="en-US" dirty="0"/>
+          </a:p>
+        </p:txBody>
+      </p:sp>
+      <p:sp>
+        <p:nvSpPr>
+          <p:cNvPr id="5" name="Date Placeholder 4"/>
           <p:cNvSpPr>
             <a:spLocks noGrp="1"/>
           </p:cNvSpPr>
@@ -1414,7 +1251,7 @@
           <a:p>
             <a:fld id="{3A979BF9-124F-4BB9-ADB5-5719B90CB8FD}" type="datetimeFigureOut">
               <a:rPr lang="en-US" smtClean="0"/>
-              <a:t>8/10/2018</a:t>
+              <a:t>1/4/2019</a:t>
             </a:fld>
             <a:endParaRPr lang="en-US"/>
           </a:p>
@@ -1422,13 +1259,7 @@
       </p:sp>
       <p:sp>
         <p:nvSpPr>
-          <p:cNvPr id="6" name="Footer Placeholder 5">
-            <a:extLst>
-              <a:ext uri="{FF2B5EF4-FFF2-40B4-BE49-F238E27FC236}">
-                <a16:creationId xmlns:a16="http://schemas.microsoft.com/office/drawing/2014/main" id="{D4FB8D16-CA66-4B3B-B2D8-4D0D0FA9021C}"/>
-              </a:ext>
-            </a:extLst>
-          </p:cNvPr>
+          <p:cNvPr id="6" name="Footer Placeholder 5"/>
           <p:cNvSpPr>
             <a:spLocks noGrp="1"/>
           </p:cNvSpPr>
@@ -1447,13 +1278,7 @@
       </p:sp>
       <p:sp>
         <p:nvSpPr>
-          <p:cNvPr id="7" name="Slide Number Placeholder 6">
-            <a:extLst>
-              <a:ext uri="{FF2B5EF4-FFF2-40B4-BE49-F238E27FC236}">
-                <a16:creationId xmlns:a16="http://schemas.microsoft.com/office/drawing/2014/main" id="{F90A69ED-B22F-4CE3-AA17-F4DF865E01E0}"/>
-              </a:ext>
-            </a:extLst>
-          </p:cNvPr>
+          <p:cNvPr id="7" name="Slide Number Placeholder 6"/>
           <p:cNvSpPr>
             <a:spLocks noGrp="1"/>
           </p:cNvSpPr>
@@ -1477,7 +1302,7 @@
     </p:spTree>
     <p:extLst>
       <p:ext uri="{BB962C8B-B14F-4D97-AF65-F5344CB8AC3E}">
-        <p14:creationId xmlns:p14="http://schemas.microsoft.com/office/powerpoint/2010/main" val="472159591"/>
+        <p14:creationId xmlns:p14="http://schemas.microsoft.com/office/powerpoint/2010/main" val="307529336"/>
       </p:ext>
     </p:extLst>
   </p:cSld>
@@ -1506,13 +1331,7 @@
       </p:grpSpPr>
       <p:sp>
         <p:nvSpPr>
-          <p:cNvPr id="2" name="Title 1">
-            <a:extLst>
-              <a:ext uri="{FF2B5EF4-FFF2-40B4-BE49-F238E27FC236}">
-                <a16:creationId xmlns:a16="http://schemas.microsoft.com/office/drawing/2014/main" id="{DCE192F1-240F-4B5C-AD97-48C7F4BFA3AE}"/>
-              </a:ext>
-            </a:extLst>
-          </p:cNvPr>
+          <p:cNvPr id="2" name="Title 1"/>
           <p:cNvSpPr>
             <a:spLocks noGrp="1"/>
           </p:cNvSpPr>
@@ -1522,8 +1341,8 @@
         </p:nvSpPr>
         <p:spPr>
           <a:xfrm>
-            <a:off x="839788" y="365125"/>
-            <a:ext cx="10515600" cy="1325563"/>
+            <a:off x="472381" y="486836"/>
+            <a:ext cx="5915025" cy="1767417"/>
           </a:xfrm>
         </p:spPr>
         <p:txBody>
@@ -1534,18 +1353,13 @@
               <a:rPr lang="en-US"/>
               <a:t>Click to edit Master title style</a:t>
             </a:r>
-          </a:p>
-        </p:txBody>
-      </p:sp>
-      <p:sp>
-        <p:nvSpPr>
-          <p:cNvPr id="3" name="Text Placeholder 2">
-            <a:extLst>
-              <a:ext uri="{FF2B5EF4-FFF2-40B4-BE49-F238E27FC236}">
-                <a16:creationId xmlns:a16="http://schemas.microsoft.com/office/drawing/2014/main" id="{B0B25227-395F-4909-B28D-4A78F4BACDB0}"/>
-              </a:ext>
-            </a:extLst>
-          </p:cNvPr>
+            <a:endParaRPr lang="en-US" dirty="0"/>
+          </a:p>
+        </p:txBody>
+      </p:sp>
+      <p:sp>
+        <p:nvSpPr>
+          <p:cNvPr id="3" name="Text Placeholder 2"/>
           <p:cNvSpPr>
             <a:spLocks noGrp="1"/>
           </p:cNvSpPr>
@@ -1555,8 +1369,8 @@
         </p:nvSpPr>
         <p:spPr>
           <a:xfrm>
-            <a:off x="839788" y="1681163"/>
-            <a:ext cx="5157787" cy="823912"/>
+            <a:off x="472381" y="2241551"/>
+            <a:ext cx="2901255" cy="1098549"/>
           </a:xfrm>
         </p:spPr>
         <p:txBody>
@@ -1564,39 +1378,39 @@
           <a:lstStyle>
             <a:lvl1pPr marL="0" indent="0">
               <a:buNone/>
-              <a:defRPr sz="2400" b="1"/>
+              <a:defRPr sz="1800" b="1"/>
             </a:lvl1pPr>
-            <a:lvl2pPr marL="457200" indent="0">
-              <a:buNone/>
-              <a:defRPr sz="2000" b="1"/>
+            <a:lvl2pPr marL="342900" indent="0">
+              <a:buNone/>
+              <a:defRPr sz="1500" b="1"/>
             </a:lvl2pPr>
-            <a:lvl3pPr marL="914400" indent="0">
-              <a:buNone/>
-              <a:defRPr sz="1800" b="1"/>
+            <a:lvl3pPr marL="685800" indent="0">
+              <a:buNone/>
+              <a:defRPr sz="1350" b="1"/>
             </a:lvl3pPr>
-            <a:lvl4pPr marL="1371600" indent="0">
-              <a:buNone/>
-              <a:defRPr sz="1600" b="1"/>
+            <a:lvl4pPr marL="1028700" indent="0">
+              <a:buNone/>
+              <a:defRPr sz="1200" b="1"/>
             </a:lvl4pPr>
-            <a:lvl5pPr marL="1828800" indent="0">
-              <a:buNone/>
-              <a:defRPr sz="1600" b="1"/>
+            <a:lvl5pPr marL="1371600" indent="0">
+              <a:buNone/>
+              <a:defRPr sz="1200" b="1"/>
             </a:lvl5pPr>
-            <a:lvl6pPr marL="2286000" indent="0">
-              <a:buNone/>
-              <a:defRPr sz="1600" b="1"/>
+            <a:lvl6pPr marL="1714500" indent="0">
+              <a:buNone/>
+              <a:defRPr sz="1200" b="1"/>
             </a:lvl6pPr>
-            <a:lvl7pPr marL="2743200" indent="0">
-              <a:buNone/>
-              <a:defRPr sz="1600" b="1"/>
+            <a:lvl7pPr marL="2057400" indent="0">
+              <a:buNone/>
+              <a:defRPr sz="1200" b="1"/>
             </a:lvl7pPr>
-            <a:lvl8pPr marL="3200400" indent="0">
-              <a:buNone/>
-              <a:defRPr sz="1600" b="1"/>
+            <a:lvl8pPr marL="2400300" indent="0">
+              <a:buNone/>
+              <a:defRPr sz="1200" b="1"/>
             </a:lvl8pPr>
-            <a:lvl9pPr marL="3657600" indent="0">
-              <a:buNone/>
-              <a:defRPr sz="1600" b="1"/>
+            <a:lvl9pPr marL="2743200" indent="0">
+              <a:buNone/>
+              <a:defRPr sz="1200" b="1"/>
             </a:lvl9pPr>
           </a:lstStyle>
           <a:p>
@@ -1610,13 +1424,7 @@
       </p:sp>
       <p:sp>
         <p:nvSpPr>
-          <p:cNvPr id="4" name="Content Placeholder 3">
-            <a:extLst>
-              <a:ext uri="{FF2B5EF4-FFF2-40B4-BE49-F238E27FC236}">
-                <a16:creationId xmlns:a16="http://schemas.microsoft.com/office/drawing/2014/main" id="{E5267290-BD27-4F9C-81D9-BB9C6B340D6E}"/>
-              </a:ext>
-            </a:extLst>
-          </p:cNvPr>
+          <p:cNvPr id="4" name="Content Placeholder 3"/>
           <p:cNvSpPr>
             <a:spLocks noGrp="1"/>
           </p:cNvSpPr>
@@ -1626,8 +1434,8 @@
         </p:nvSpPr>
         <p:spPr>
           <a:xfrm>
-            <a:off x="839788" y="2505075"/>
-            <a:ext cx="5157787" cy="3684588"/>
+            <a:off x="472381" y="3340100"/>
+            <a:ext cx="2901255" cy="4912784"/>
           </a:xfrm>
         </p:spPr>
         <p:txBody>
@@ -1667,18 +1475,13 @@
               <a:rPr lang="en-US"/>
               <a:t>Fifth level</a:t>
             </a:r>
-          </a:p>
-        </p:txBody>
-      </p:sp>
-      <p:sp>
-        <p:nvSpPr>
-          <p:cNvPr id="5" name="Text Placeholder 4">
-            <a:extLst>
-              <a:ext uri="{FF2B5EF4-FFF2-40B4-BE49-F238E27FC236}">
-                <a16:creationId xmlns:a16="http://schemas.microsoft.com/office/drawing/2014/main" id="{615D4867-FDB5-4CB7-8FD3-D71A2E690275}"/>
-              </a:ext>
-            </a:extLst>
-          </p:cNvPr>
+            <a:endParaRPr lang="en-US" dirty="0"/>
+          </a:p>
+        </p:txBody>
+      </p:sp>
+      <p:sp>
+        <p:nvSpPr>
+          <p:cNvPr id="5" name="Text Placeholder 4"/>
           <p:cNvSpPr>
             <a:spLocks noGrp="1"/>
           </p:cNvSpPr>
@@ -1688,8 +1491,8 @@
         </p:nvSpPr>
         <p:spPr>
           <a:xfrm>
-            <a:off x="6172200" y="1681163"/>
-            <a:ext cx="5183188" cy="823912"/>
+            <a:off x="3471863" y="2241551"/>
+            <a:ext cx="2915543" cy="1098549"/>
           </a:xfrm>
         </p:spPr>
         <p:txBody>
@@ -1697,39 +1500,39 @@
           <a:lstStyle>
             <a:lvl1pPr marL="0" indent="0">
               <a:buNone/>
-              <a:defRPr sz="2400" b="1"/>
+              <a:defRPr sz="1800" b="1"/>
             </a:lvl1pPr>
-            <a:lvl2pPr marL="457200" indent="0">
-              <a:buNone/>
-              <a:defRPr sz="2000" b="1"/>
+            <a:lvl2pPr marL="342900" indent="0">
+              <a:buNone/>
+              <a:defRPr sz="1500" b="1"/>
             </a:lvl2pPr>
-            <a:lvl3pPr marL="914400" indent="0">
-              <a:buNone/>
-              <a:defRPr sz="1800" b="1"/>
+            <a:lvl3pPr marL="685800" indent="0">
+              <a:buNone/>
+              <a:defRPr sz="1350" b="1"/>
             </a:lvl3pPr>
-            <a:lvl4pPr marL="1371600" indent="0">
-              <a:buNone/>
-              <a:defRPr sz="1600" b="1"/>
+            <a:lvl4pPr marL="1028700" indent="0">
+              <a:buNone/>
+              <a:defRPr sz="1200" b="1"/>
             </a:lvl4pPr>
-            <a:lvl5pPr marL="1828800" indent="0">
-              <a:buNone/>
-              <a:defRPr sz="1600" b="1"/>
+            <a:lvl5pPr marL="1371600" indent="0">
+              <a:buNone/>
+              <a:defRPr sz="1200" b="1"/>
             </a:lvl5pPr>
-            <a:lvl6pPr marL="2286000" indent="0">
-              <a:buNone/>
-              <a:defRPr sz="1600" b="1"/>
+            <a:lvl6pPr marL="1714500" indent="0">
+              <a:buNone/>
+              <a:defRPr sz="1200" b="1"/>
             </a:lvl6pPr>
-            <a:lvl7pPr marL="2743200" indent="0">
-              <a:buNone/>
-              <a:defRPr sz="1600" b="1"/>
+            <a:lvl7pPr marL="2057400" indent="0">
+              <a:buNone/>
+              <a:defRPr sz="1200" b="1"/>
             </a:lvl7pPr>
-            <a:lvl8pPr marL="3200400" indent="0">
-              <a:buNone/>
-              <a:defRPr sz="1600" b="1"/>
+            <a:lvl8pPr marL="2400300" indent="0">
+              <a:buNone/>
+              <a:defRPr sz="1200" b="1"/>
             </a:lvl8pPr>
-            <a:lvl9pPr marL="3657600" indent="0">
-              <a:buNone/>
-              <a:defRPr sz="1600" b="1"/>
+            <a:lvl9pPr marL="2743200" indent="0">
+              <a:buNone/>
+              <a:defRPr sz="1200" b="1"/>
             </a:lvl9pPr>
           </a:lstStyle>
           <a:p>
@@ -1743,13 +1546,7 @@
       </p:sp>
       <p:sp>
         <p:nvSpPr>
-          <p:cNvPr id="6" name="Content Placeholder 5">
-            <a:extLst>
-              <a:ext uri="{FF2B5EF4-FFF2-40B4-BE49-F238E27FC236}">
-                <a16:creationId xmlns:a16="http://schemas.microsoft.com/office/drawing/2014/main" id="{608DBF1B-EC33-4FB8-BF40-AE5542E1F185}"/>
-              </a:ext>
-            </a:extLst>
-          </p:cNvPr>
+          <p:cNvPr id="6" name="Content Placeholder 5"/>
           <p:cNvSpPr>
             <a:spLocks noGrp="1"/>
           </p:cNvSpPr>
@@ -1759,8 +1556,8 @@
         </p:nvSpPr>
         <p:spPr>
           <a:xfrm>
-            <a:off x="6172200" y="2505075"/>
-            <a:ext cx="5183188" cy="3684588"/>
+            <a:off x="3471863" y="3340100"/>
+            <a:ext cx="2915543" cy="4912784"/>
           </a:xfrm>
         </p:spPr>
         <p:txBody>
@@ -1800,18 +1597,13 @@
               <a:rPr lang="en-US"/>
               <a:t>Fifth level</a:t>
             </a:r>
-          </a:p>
-        </p:txBody>
-      </p:sp>
-      <p:sp>
-        <p:nvSpPr>
-          <p:cNvPr id="7" name="Date Placeholder 6">
-            <a:extLst>
-              <a:ext uri="{FF2B5EF4-FFF2-40B4-BE49-F238E27FC236}">
-                <a16:creationId xmlns:a16="http://schemas.microsoft.com/office/drawing/2014/main" id="{0D06D7AE-5DB6-4133-8A6B-86CA2EE92901}"/>
-              </a:ext>
-            </a:extLst>
-          </p:cNvPr>
+            <a:endParaRPr lang="en-US" dirty="0"/>
+          </a:p>
+        </p:txBody>
+      </p:sp>
+      <p:sp>
+        <p:nvSpPr>
+          <p:cNvPr id="7" name="Date Placeholder 6"/>
           <p:cNvSpPr>
             <a:spLocks noGrp="1"/>
           </p:cNvSpPr>
@@ -1826,7 +1618,7 @@
           <a:p>
             <a:fld id="{3A979BF9-124F-4BB9-ADB5-5719B90CB8FD}" type="datetimeFigureOut">
               <a:rPr lang="en-US" smtClean="0"/>
-              <a:t>8/10/2018</a:t>
+              <a:t>1/4/2019</a:t>
             </a:fld>
             <a:endParaRPr lang="en-US"/>
           </a:p>
@@ -1834,13 +1626,7 @@
       </p:sp>
       <p:sp>
         <p:nvSpPr>
-          <p:cNvPr id="8" name="Footer Placeholder 7">
-            <a:extLst>
-              <a:ext uri="{FF2B5EF4-FFF2-40B4-BE49-F238E27FC236}">
-                <a16:creationId xmlns:a16="http://schemas.microsoft.com/office/drawing/2014/main" id="{B5A81768-29FD-457D-AE64-9F5BF5A0083F}"/>
-              </a:ext>
-            </a:extLst>
-          </p:cNvPr>
+          <p:cNvPr id="8" name="Footer Placeholder 7"/>
           <p:cNvSpPr>
             <a:spLocks noGrp="1"/>
           </p:cNvSpPr>
@@ -1859,13 +1645,7 @@
       </p:sp>
       <p:sp>
         <p:nvSpPr>
-          <p:cNvPr id="9" name="Slide Number Placeholder 8">
-            <a:extLst>
-              <a:ext uri="{FF2B5EF4-FFF2-40B4-BE49-F238E27FC236}">
-                <a16:creationId xmlns:a16="http://schemas.microsoft.com/office/drawing/2014/main" id="{7C41780B-8E63-41F7-89A6-AC31615F454D}"/>
-              </a:ext>
-            </a:extLst>
-          </p:cNvPr>
+          <p:cNvPr id="9" name="Slide Number Placeholder 8"/>
           <p:cNvSpPr>
             <a:spLocks noGrp="1"/>
           </p:cNvSpPr>
@@ -1889,7 +1669,7 @@
     </p:spTree>
     <p:extLst>
       <p:ext uri="{BB962C8B-B14F-4D97-AF65-F5344CB8AC3E}">
-        <p14:creationId xmlns:p14="http://schemas.microsoft.com/office/powerpoint/2010/main" val="3838108841"/>
+        <p14:creationId xmlns:p14="http://schemas.microsoft.com/office/powerpoint/2010/main" val="3330920514"/>
       </p:ext>
     </p:extLst>
   </p:cSld>
@@ -1918,13 +1698,7 @@
       </p:grpSpPr>
       <p:sp>
         <p:nvSpPr>
-          <p:cNvPr id="2" name="Title 1">
-            <a:extLst>
-              <a:ext uri="{FF2B5EF4-FFF2-40B4-BE49-F238E27FC236}">
-                <a16:creationId xmlns:a16="http://schemas.microsoft.com/office/drawing/2014/main" id="{B6D83ADA-B08F-41D6-BEF7-962747C40DE0}"/>
-              </a:ext>
-            </a:extLst>
-          </p:cNvPr>
+          <p:cNvPr id="2" name="Title 1"/>
           <p:cNvSpPr>
             <a:spLocks noGrp="1"/>
           </p:cNvSpPr>
@@ -1941,18 +1715,13 @@
               <a:rPr lang="en-US"/>
               <a:t>Click to edit Master title style</a:t>
             </a:r>
-          </a:p>
-        </p:txBody>
-      </p:sp>
-      <p:sp>
-        <p:nvSpPr>
-          <p:cNvPr id="3" name="Date Placeholder 2">
-            <a:extLst>
-              <a:ext uri="{FF2B5EF4-FFF2-40B4-BE49-F238E27FC236}">
-                <a16:creationId xmlns:a16="http://schemas.microsoft.com/office/drawing/2014/main" id="{3087E1BD-AD55-4625-BED1-6AA9C77B9618}"/>
-              </a:ext>
-            </a:extLst>
-          </p:cNvPr>
+            <a:endParaRPr lang="en-US" dirty="0"/>
+          </a:p>
+        </p:txBody>
+      </p:sp>
+      <p:sp>
+        <p:nvSpPr>
+          <p:cNvPr id="3" name="Date Placeholder 2"/>
           <p:cNvSpPr>
             <a:spLocks noGrp="1"/>
           </p:cNvSpPr>
@@ -1967,7 +1736,7 @@
           <a:p>
             <a:fld id="{3A979BF9-124F-4BB9-ADB5-5719B90CB8FD}" type="datetimeFigureOut">
               <a:rPr lang="en-US" smtClean="0"/>
-              <a:t>8/10/2018</a:t>
+              <a:t>1/4/2019</a:t>
             </a:fld>
             <a:endParaRPr lang="en-US"/>
           </a:p>
@@ -1975,13 +1744,7 @@
       </p:sp>
       <p:sp>
         <p:nvSpPr>
-          <p:cNvPr id="4" name="Footer Placeholder 3">
-            <a:extLst>
-              <a:ext uri="{FF2B5EF4-FFF2-40B4-BE49-F238E27FC236}">
-                <a16:creationId xmlns:a16="http://schemas.microsoft.com/office/drawing/2014/main" id="{6F7997CE-747F-4121-A4F3-35AF46F8835A}"/>
-              </a:ext>
-            </a:extLst>
-          </p:cNvPr>
+          <p:cNvPr id="4" name="Footer Placeholder 3"/>
           <p:cNvSpPr>
             <a:spLocks noGrp="1"/>
           </p:cNvSpPr>
@@ -2000,13 +1763,7 @@
       </p:sp>
       <p:sp>
         <p:nvSpPr>
-          <p:cNvPr id="5" name="Slide Number Placeholder 4">
-            <a:extLst>
-              <a:ext uri="{FF2B5EF4-FFF2-40B4-BE49-F238E27FC236}">
-                <a16:creationId xmlns:a16="http://schemas.microsoft.com/office/drawing/2014/main" id="{BF8521E9-4948-4B39-AAE8-0EDC5B72A61F}"/>
-              </a:ext>
-            </a:extLst>
-          </p:cNvPr>
+          <p:cNvPr id="5" name="Slide Number Placeholder 4"/>
           <p:cNvSpPr>
             <a:spLocks noGrp="1"/>
           </p:cNvSpPr>
@@ -2030,7 +1787,7 @@
     </p:spTree>
     <p:extLst>
       <p:ext uri="{BB962C8B-B14F-4D97-AF65-F5344CB8AC3E}">
-        <p14:creationId xmlns:p14="http://schemas.microsoft.com/office/powerpoint/2010/main" val="3170520160"/>
+        <p14:creationId xmlns:p14="http://schemas.microsoft.com/office/powerpoint/2010/main" val="2405656499"/>
       </p:ext>
     </p:extLst>
   </p:cSld>
@@ -2059,13 +1816,7 @@
       </p:grpSpPr>
       <p:sp>
         <p:nvSpPr>
-          <p:cNvPr id="2" name="Date Placeholder 1">
-            <a:extLst>
-              <a:ext uri="{FF2B5EF4-FFF2-40B4-BE49-F238E27FC236}">
-                <a16:creationId xmlns:a16="http://schemas.microsoft.com/office/drawing/2014/main" id="{4BC1A584-5919-47FB-B21E-6559581FA63C}"/>
-              </a:ext>
-            </a:extLst>
-          </p:cNvPr>
+          <p:cNvPr id="2" name="Date Placeholder 1"/>
           <p:cNvSpPr>
             <a:spLocks noGrp="1"/>
           </p:cNvSpPr>
@@ -2080,7 +1831,7 @@
           <a:p>
             <a:fld id="{3A979BF9-124F-4BB9-ADB5-5719B90CB8FD}" type="datetimeFigureOut">
               <a:rPr lang="en-US" smtClean="0"/>
-              <a:t>8/10/2018</a:t>
+              <a:t>1/4/2019</a:t>
             </a:fld>
             <a:endParaRPr lang="en-US"/>
           </a:p>
@@ -2088,13 +1839,7 @@
       </p:sp>
       <p:sp>
         <p:nvSpPr>
-          <p:cNvPr id="3" name="Footer Placeholder 2">
-            <a:extLst>
-              <a:ext uri="{FF2B5EF4-FFF2-40B4-BE49-F238E27FC236}">
-                <a16:creationId xmlns:a16="http://schemas.microsoft.com/office/drawing/2014/main" id="{27157C0C-0200-4F8E-A7A8-5903AAFF24A4}"/>
-              </a:ext>
-            </a:extLst>
-          </p:cNvPr>
+          <p:cNvPr id="3" name="Footer Placeholder 2"/>
           <p:cNvSpPr>
             <a:spLocks noGrp="1"/>
           </p:cNvSpPr>
@@ -2113,13 +1858,7 @@
       </p:sp>
       <p:sp>
         <p:nvSpPr>
-          <p:cNvPr id="4" name="Slide Number Placeholder 3">
-            <a:extLst>
-              <a:ext uri="{FF2B5EF4-FFF2-40B4-BE49-F238E27FC236}">
-                <a16:creationId xmlns:a16="http://schemas.microsoft.com/office/drawing/2014/main" id="{210ABD75-B82A-4F6E-9C26-8FAA76F1553B}"/>
-              </a:ext>
-            </a:extLst>
-          </p:cNvPr>
+          <p:cNvPr id="4" name="Slide Number Placeholder 3"/>
           <p:cNvSpPr>
             <a:spLocks noGrp="1"/>
           </p:cNvSpPr>
@@ -2143,7 +1882,7 @@
     </p:spTree>
     <p:extLst>
       <p:ext uri="{BB962C8B-B14F-4D97-AF65-F5344CB8AC3E}">
-        <p14:creationId xmlns:p14="http://schemas.microsoft.com/office/powerpoint/2010/main" val="1741907351"/>
+        <p14:creationId xmlns:p14="http://schemas.microsoft.com/office/powerpoint/2010/main" val="2439016048"/>
       </p:ext>
     </p:extLst>
   </p:cSld>
@@ -2172,13 +1911,7 @@
       </p:grpSpPr>
       <p:sp>
         <p:nvSpPr>
-          <p:cNvPr id="2" name="Title 1">
-            <a:extLst>
-              <a:ext uri="{FF2B5EF4-FFF2-40B4-BE49-F238E27FC236}">
-                <a16:creationId xmlns:a16="http://schemas.microsoft.com/office/drawing/2014/main" id="{2A20F5B7-FFEA-4C83-BD08-7AB3C4C82CDE}"/>
-              </a:ext>
-            </a:extLst>
-          </p:cNvPr>
+          <p:cNvPr id="2" name="Title 1"/>
           <p:cNvSpPr>
             <a:spLocks noGrp="1"/>
           </p:cNvSpPr>
@@ -2188,15 +1921,15 @@
         </p:nvSpPr>
         <p:spPr>
           <a:xfrm>
-            <a:off x="839788" y="457200"/>
-            <a:ext cx="3932237" cy="1600200"/>
+            <a:off x="472381" y="609600"/>
+            <a:ext cx="2211884" cy="2133600"/>
           </a:xfrm>
         </p:spPr>
         <p:txBody>
           <a:bodyPr anchor="b"/>
           <a:lstStyle>
             <a:lvl1pPr>
-              <a:defRPr sz="3200"/>
+              <a:defRPr sz="2400"/>
             </a:lvl1pPr>
           </a:lstStyle>
           <a:p>
@@ -2204,18 +1937,13 @@
               <a:rPr lang="en-US"/>
               <a:t>Click to edit Master title style</a:t>
             </a:r>
-          </a:p>
-        </p:txBody>
-      </p:sp>
-      <p:sp>
-        <p:nvSpPr>
-          <p:cNvPr id="3" name="Content Placeholder 2">
-            <a:extLst>
-              <a:ext uri="{FF2B5EF4-FFF2-40B4-BE49-F238E27FC236}">
-                <a16:creationId xmlns:a16="http://schemas.microsoft.com/office/drawing/2014/main" id="{62ABD78B-B849-4580-85D9-6C8914A75F25}"/>
-              </a:ext>
-            </a:extLst>
-          </p:cNvPr>
+            <a:endParaRPr lang="en-US" dirty="0"/>
+          </a:p>
+        </p:txBody>
+      </p:sp>
+      <p:sp>
+        <p:nvSpPr>
+          <p:cNvPr id="3" name="Content Placeholder 2"/>
           <p:cNvSpPr>
             <a:spLocks noGrp="1"/>
           </p:cNvSpPr>
@@ -2225,39 +1953,39 @@
         </p:nvSpPr>
         <p:spPr>
           <a:xfrm>
-            <a:off x="5183188" y="987425"/>
-            <a:ext cx="6172200" cy="4873625"/>
+            <a:off x="2915543" y="1316569"/>
+            <a:ext cx="3471863" cy="6498167"/>
           </a:xfrm>
         </p:spPr>
         <p:txBody>
           <a:bodyPr/>
           <a:lstStyle>
             <a:lvl1pPr>
-              <a:defRPr sz="3200"/>
+              <a:defRPr sz="2400"/>
             </a:lvl1pPr>
             <a:lvl2pPr>
-              <a:defRPr sz="2800"/>
+              <a:defRPr sz="2100"/>
             </a:lvl2pPr>
             <a:lvl3pPr>
-              <a:defRPr sz="2400"/>
+              <a:defRPr sz="1800"/>
             </a:lvl3pPr>
             <a:lvl4pPr>
-              <a:defRPr sz="2000"/>
+              <a:defRPr sz="1500"/>
             </a:lvl4pPr>
             <a:lvl5pPr>
-              <a:defRPr sz="2000"/>
+              <a:defRPr sz="1500"/>
             </a:lvl5pPr>
             <a:lvl6pPr>
-              <a:defRPr sz="2000"/>
+              <a:defRPr sz="1500"/>
             </a:lvl6pPr>
             <a:lvl7pPr>
-              <a:defRPr sz="2000"/>
+              <a:defRPr sz="1500"/>
             </a:lvl7pPr>
             <a:lvl8pPr>
-              <a:defRPr sz="2000"/>
+              <a:defRPr sz="1500"/>
             </a:lvl8pPr>
             <a:lvl9pPr>
-              <a:defRPr sz="2000"/>
+              <a:defRPr sz="1500"/>
             </a:lvl9pPr>
           </a:lstStyle>
           <a:p>
@@ -2294,18 +2022,13 @@
               <a:rPr lang="en-US"/>
               <a:t>Fifth level</a:t>
             </a:r>
-          </a:p>
-        </p:txBody>
-      </p:sp>
-      <p:sp>
-        <p:nvSpPr>
-          <p:cNvPr id="4" name="Text Placeholder 3">
-            <a:extLst>
-              <a:ext uri="{FF2B5EF4-FFF2-40B4-BE49-F238E27FC236}">
-                <a16:creationId xmlns:a16="http://schemas.microsoft.com/office/drawing/2014/main" id="{37A3E708-24A0-4DE1-8CC1-773DD32D1BBB}"/>
-              </a:ext>
-            </a:extLst>
-          </p:cNvPr>
+            <a:endParaRPr lang="en-US" dirty="0"/>
+          </a:p>
+        </p:txBody>
+      </p:sp>
+      <p:sp>
+        <p:nvSpPr>
+          <p:cNvPr id="4" name="Text Placeholder 3"/>
           <p:cNvSpPr>
             <a:spLocks noGrp="1"/>
           </p:cNvSpPr>
@@ -2315,8 +2038,8 @@
         </p:nvSpPr>
         <p:spPr>
           <a:xfrm>
-            <a:off x="839788" y="2057400"/>
-            <a:ext cx="3932237" cy="3811588"/>
+            <a:off x="472381" y="2743200"/>
+            <a:ext cx="2211884" cy="5082117"/>
           </a:xfrm>
         </p:spPr>
         <p:txBody>
@@ -2324,39 +2047,39 @@
           <a:lstStyle>
             <a:lvl1pPr marL="0" indent="0">
               <a:buNone/>
-              <a:defRPr sz="1600"/>
+              <a:defRPr sz="1200"/>
             </a:lvl1pPr>
-            <a:lvl2pPr marL="457200" indent="0">
-              <a:buNone/>
-              <a:defRPr sz="1400"/>
+            <a:lvl2pPr marL="342900" indent="0">
+              <a:buNone/>
+              <a:defRPr sz="1050"/>
             </a:lvl2pPr>
-            <a:lvl3pPr marL="914400" indent="0">
-              <a:buNone/>
-              <a:defRPr sz="1200"/>
+            <a:lvl3pPr marL="685800" indent="0">
+              <a:buNone/>
+              <a:defRPr sz="900"/>
             </a:lvl3pPr>
-            <a:lvl4pPr marL="1371600" indent="0">
-              <a:buNone/>
-              <a:defRPr sz="1000"/>
+            <a:lvl4pPr marL="1028700" indent="0">
+              <a:buNone/>
+              <a:defRPr sz="750"/>
             </a:lvl4pPr>
-            <a:lvl5pPr marL="1828800" indent="0">
-              <a:buNone/>
-              <a:defRPr sz="1000"/>
+            <a:lvl5pPr marL="1371600" indent="0">
+              <a:buNone/>
+              <a:defRPr sz="750"/>
             </a:lvl5pPr>
-            <a:lvl6pPr marL="2286000" indent="0">
-              <a:buNone/>
-              <a:defRPr sz="1000"/>
+            <a:lvl6pPr marL="1714500" indent="0">
+              <a:buNone/>
+              <a:defRPr sz="750"/>
             </a:lvl6pPr>
-            <a:lvl7pPr marL="2743200" indent="0">
-              <a:buNone/>
-              <a:defRPr sz="1000"/>
+            <a:lvl7pPr marL="2057400" indent="0">
+              <a:buNone/>
+              <a:defRPr sz="750"/>
             </a:lvl7pPr>
-            <a:lvl8pPr marL="3200400" indent="0">
-              <a:buNone/>
-              <a:defRPr sz="1000"/>
+            <a:lvl8pPr marL="2400300" indent="0">
+              <a:buNone/>
+              <a:defRPr sz="750"/>
             </a:lvl8pPr>
-            <a:lvl9pPr marL="3657600" indent="0">
-              <a:buNone/>
-              <a:defRPr sz="1000"/>
+            <a:lvl9pPr marL="2743200" indent="0">
+              <a:buNone/>
+              <a:defRPr sz="750"/>
             </a:lvl9pPr>
           </a:lstStyle>
           <a:p>
@@ -2370,13 +2093,7 @@
       </p:sp>
       <p:sp>
         <p:nvSpPr>
-          <p:cNvPr id="5" name="Date Placeholder 4">
-            <a:extLst>
-              <a:ext uri="{FF2B5EF4-FFF2-40B4-BE49-F238E27FC236}">
-                <a16:creationId xmlns:a16="http://schemas.microsoft.com/office/drawing/2014/main" id="{DC6C9729-7FA8-4598-B062-86A25D233656}"/>
-              </a:ext>
-            </a:extLst>
-          </p:cNvPr>
+          <p:cNvPr id="5" name="Date Placeholder 4"/>
           <p:cNvSpPr>
             <a:spLocks noGrp="1"/>
           </p:cNvSpPr>
@@ -2391,7 +2108,7 @@
           <a:p>
             <a:fld id="{3A979BF9-124F-4BB9-ADB5-5719B90CB8FD}" type="datetimeFigureOut">
               <a:rPr lang="en-US" smtClean="0"/>
-              <a:t>8/10/2018</a:t>
+              <a:t>1/4/2019</a:t>
             </a:fld>
             <a:endParaRPr lang="en-US"/>
           </a:p>
@@ -2399,13 +2116,7 @@
       </p:sp>
       <p:sp>
         <p:nvSpPr>
-          <p:cNvPr id="6" name="Footer Placeholder 5">
-            <a:extLst>
-              <a:ext uri="{FF2B5EF4-FFF2-40B4-BE49-F238E27FC236}">
-                <a16:creationId xmlns:a16="http://schemas.microsoft.com/office/drawing/2014/main" id="{F0CB4D31-9A65-48F8-95C1-1D42A2B60484}"/>
-              </a:ext>
-            </a:extLst>
-          </p:cNvPr>
+          <p:cNvPr id="6" name="Footer Placeholder 5"/>
           <p:cNvSpPr>
             <a:spLocks noGrp="1"/>
           </p:cNvSpPr>
@@ -2424,13 +2135,7 @@
       </p:sp>
       <p:sp>
         <p:nvSpPr>
-          <p:cNvPr id="7" name="Slide Number Placeholder 6">
-            <a:extLst>
-              <a:ext uri="{FF2B5EF4-FFF2-40B4-BE49-F238E27FC236}">
-                <a16:creationId xmlns:a16="http://schemas.microsoft.com/office/drawing/2014/main" id="{A25DD972-69A0-40F3-B9EB-520B060464B1}"/>
-              </a:ext>
-            </a:extLst>
-          </p:cNvPr>
+          <p:cNvPr id="7" name="Slide Number Placeholder 6"/>
           <p:cNvSpPr>
             <a:spLocks noGrp="1"/>
           </p:cNvSpPr>
@@ -2454,7 +2159,7 @@
     </p:spTree>
     <p:extLst>
       <p:ext uri="{BB962C8B-B14F-4D97-AF65-F5344CB8AC3E}">
-        <p14:creationId xmlns:p14="http://schemas.microsoft.com/office/powerpoint/2010/main" val="2963924611"/>
+        <p14:creationId xmlns:p14="http://schemas.microsoft.com/office/powerpoint/2010/main" val="1744706292"/>
       </p:ext>
     </p:extLst>
   </p:cSld>
@@ -2483,13 +2188,7 @@
       </p:grpSpPr>
       <p:sp>
         <p:nvSpPr>
-          <p:cNvPr id="2" name="Title 1">
-            <a:extLst>
-              <a:ext uri="{FF2B5EF4-FFF2-40B4-BE49-F238E27FC236}">
-                <a16:creationId xmlns:a16="http://schemas.microsoft.com/office/drawing/2014/main" id="{0AB0E0F9-F016-43A2-9145-9041F4B51F33}"/>
-              </a:ext>
-            </a:extLst>
-          </p:cNvPr>
+          <p:cNvPr id="2" name="Title 1"/>
           <p:cNvSpPr>
             <a:spLocks noGrp="1"/>
           </p:cNvSpPr>
@@ -2499,15 +2198,15 @@
         </p:nvSpPr>
         <p:spPr>
           <a:xfrm>
-            <a:off x="839788" y="457200"/>
-            <a:ext cx="3932237" cy="1600200"/>
+            <a:off x="472381" y="609600"/>
+            <a:ext cx="2211884" cy="2133600"/>
           </a:xfrm>
         </p:spPr>
         <p:txBody>
           <a:bodyPr anchor="b"/>
           <a:lstStyle>
             <a:lvl1pPr>
-              <a:defRPr sz="3200"/>
+              <a:defRPr sz="2400"/>
             </a:lvl1pPr>
           </a:lstStyle>
           <a:p>
@@ -2515,29 +2214,89 @@
               <a:rPr lang="en-US"/>
               <a:t>Click to edit Master title style</a:t>
             </a:r>
-          </a:p>
-        </p:txBody>
-      </p:sp>
-      <p:sp>
-        <p:nvSpPr>
-          <p:cNvPr id="3" name="Picture Placeholder 2">
-            <a:extLst>
-              <a:ext uri="{FF2B5EF4-FFF2-40B4-BE49-F238E27FC236}">
-                <a16:creationId xmlns:a16="http://schemas.microsoft.com/office/drawing/2014/main" id="{2E62331C-7443-455D-90AB-9F01658FF9C5}"/>
-              </a:ext>
-            </a:extLst>
-          </p:cNvPr>
+            <a:endParaRPr lang="en-US" dirty="0"/>
+          </a:p>
+        </p:txBody>
+      </p:sp>
+      <p:sp>
+        <p:nvSpPr>
+          <p:cNvPr id="3" name="Picture Placeholder 2"/>
+          <p:cNvSpPr>
+            <a:spLocks noGrp="1" noChangeAspect="1"/>
+          </p:cNvSpPr>
+          <p:nvPr>
+            <p:ph type="pic" idx="1"/>
+          </p:nvPr>
+        </p:nvSpPr>
+        <p:spPr>
+          <a:xfrm>
+            <a:off x="2915543" y="1316569"/>
+            <a:ext cx="3471863" cy="6498167"/>
+          </a:xfrm>
+        </p:spPr>
+        <p:txBody>
+          <a:bodyPr anchor="t"/>
+          <a:lstStyle>
+            <a:lvl1pPr marL="0" indent="0">
+              <a:buNone/>
+              <a:defRPr sz="2400"/>
+            </a:lvl1pPr>
+            <a:lvl2pPr marL="342900" indent="0">
+              <a:buNone/>
+              <a:defRPr sz="2100"/>
+            </a:lvl2pPr>
+            <a:lvl3pPr marL="685800" indent="0">
+              <a:buNone/>
+              <a:defRPr sz="1800"/>
+            </a:lvl3pPr>
+            <a:lvl4pPr marL="1028700" indent="0">
+              <a:buNone/>
+              <a:defRPr sz="1500"/>
+            </a:lvl4pPr>
+            <a:lvl5pPr marL="1371600" indent="0">
+              <a:buNone/>
+              <a:defRPr sz="1500"/>
+            </a:lvl5pPr>
+            <a:lvl6pPr marL="1714500" indent="0">
+              <a:buNone/>
+              <a:defRPr sz="1500"/>
+            </a:lvl6pPr>
+            <a:lvl7pPr marL="2057400" indent="0">
+              <a:buNone/>
+              <a:defRPr sz="1500"/>
+            </a:lvl7pPr>
+            <a:lvl8pPr marL="2400300" indent="0">
+              <a:buNone/>
+              <a:defRPr sz="1500"/>
+            </a:lvl8pPr>
+            <a:lvl9pPr marL="2743200" indent="0">
+              <a:buNone/>
+              <a:defRPr sz="1500"/>
+            </a:lvl9pPr>
+          </a:lstStyle>
+          <a:p>
+            <a:r>
+              <a:rPr lang="en-US"/>
+              <a:t>Click icon to add picture</a:t>
+            </a:r>
+            <a:endParaRPr lang="en-US" dirty="0"/>
+          </a:p>
+        </p:txBody>
+      </p:sp>
+      <p:sp>
+        <p:nvSpPr>
+          <p:cNvPr id="4" name="Text Placeholder 3"/>
           <p:cNvSpPr>
             <a:spLocks noGrp="1"/>
           </p:cNvSpPr>
           <p:nvPr>
-            <p:ph type="pic" idx="1"/>
-          </p:nvPr>
-        </p:nvSpPr>
-        <p:spPr>
-          <a:xfrm>
-            <a:off x="5183188" y="987425"/>
-            <a:ext cx="6172200" cy="4873625"/>
+            <p:ph type="body" sz="half" idx="2"/>
+          </p:nvPr>
+        </p:nvSpPr>
+        <p:spPr>
+          <a:xfrm>
+            <a:off x="472381" y="2743200"/>
+            <a:ext cx="2211884" cy="5082117"/>
           </a:xfrm>
         </p:spPr>
         <p:txBody>
@@ -2545,109 +2304,42 @@
           <a:lstStyle>
             <a:lvl1pPr marL="0" indent="0">
               <a:buNone/>
-              <a:defRPr sz="3200"/>
+              <a:defRPr sz="1200"/>
             </a:lvl1pPr>
-            <a:lvl2pPr marL="457200" indent="0">
-              <a:buNone/>
-              <a:defRPr sz="2800"/>
+            <a:lvl2pPr marL="342900" indent="0">
+              <a:buNone/>
+              <a:defRPr sz="1050"/>
             </a:lvl2pPr>
-            <a:lvl3pPr marL="914400" indent="0">
-              <a:buNone/>
-              <a:defRPr sz="2400"/>
+            <a:lvl3pPr marL="685800" indent="0">
+              <a:buNone/>
+              <a:defRPr sz="900"/>
             </a:lvl3pPr>
-            <a:lvl4pPr marL="1371600" indent="0">
-              <a:buNone/>
-              <a:defRPr sz="2000"/>
+            <a:lvl4pPr marL="1028700" indent="0">
+              <a:buNone/>
+              <a:defRPr sz="750"/>
             </a:lvl4pPr>
-            <a:lvl5pPr marL="1828800" indent="0">
-              <a:buNone/>
-              <a:defRPr sz="2000"/>
+            <a:lvl5pPr marL="1371600" indent="0">
+              <a:buNone/>
+              <a:defRPr sz="750"/>
             </a:lvl5pPr>
-            <a:lvl6pPr marL="2286000" indent="0">
-              <a:buNone/>
-              <a:defRPr sz="2000"/>
+            <a:lvl6pPr marL="1714500" indent="0">
+              <a:buNone/>
+              <a:defRPr sz="750"/>
             </a:lvl6pPr>
-            <a:lvl7pPr marL="2743200" indent="0">
-              <a:buNone/>
-              <a:defRPr sz="2000"/>
+            <a:lvl7pPr marL="2057400" indent="0">
+              <a:buNone/>
+              <a:defRPr sz="750"/>
             </a:lvl7pPr>
-            <a:lvl8pPr marL="3200400" indent="0">
-              <a:buNone/>
-              <a:defRPr sz="2000"/>
+            <a:lvl8pPr marL="2400300" indent="0">
+              <a:buNone/>
+              <a:defRPr sz="750"/>
             </a:lvl8pPr>
-            <a:lvl9pPr marL="3657600" indent="0">
-              <a:buNone/>
-              <a:defRPr sz="2000"/>
+            <a:lvl9pPr marL="2743200" indent="0">
+              <a:buNone/>
+              <a:defRPr sz="750"/>
             </a:lvl9pPr>
           </a:lstStyle>
           <a:p>
-            <a:endParaRPr lang="en-US"/>
-          </a:p>
-        </p:txBody>
-      </p:sp>
-      <p:sp>
-        <p:nvSpPr>
-          <p:cNvPr id="4" name="Text Placeholder 3">
-            <a:extLst>
-              <a:ext uri="{FF2B5EF4-FFF2-40B4-BE49-F238E27FC236}">
-                <a16:creationId xmlns:a16="http://schemas.microsoft.com/office/drawing/2014/main" id="{CC2B7484-49C1-437D-85DC-14F16428EA9D}"/>
-              </a:ext>
-            </a:extLst>
-          </p:cNvPr>
-          <p:cNvSpPr>
-            <a:spLocks noGrp="1"/>
-          </p:cNvSpPr>
-          <p:nvPr>
-            <p:ph type="body" sz="half" idx="2"/>
-          </p:nvPr>
-        </p:nvSpPr>
-        <p:spPr>
-          <a:xfrm>
-            <a:off x="839788" y="2057400"/>
-            <a:ext cx="3932237" cy="3811588"/>
-          </a:xfrm>
-        </p:spPr>
-        <p:txBody>
-          <a:bodyPr/>
-          <a:lstStyle>
-            <a:lvl1pPr marL="0" indent="0">
-              <a:buNone/>
-              <a:defRPr sz="1600"/>
-            </a:lvl1pPr>
-            <a:lvl2pPr marL="457200" indent="0">
-              <a:buNone/>
-              <a:defRPr sz="1400"/>
-            </a:lvl2pPr>
-            <a:lvl3pPr marL="914400" indent="0">
-              <a:buNone/>
-              <a:defRPr sz="1200"/>
-            </a:lvl3pPr>
-            <a:lvl4pPr marL="1371600" indent="0">
-              <a:buNone/>
-              <a:defRPr sz="1000"/>
-            </a:lvl4pPr>
-            <a:lvl5pPr marL="1828800" indent="0">
-              <a:buNone/>
-              <a:defRPr sz="1000"/>
-            </a:lvl5pPr>
-            <a:lvl6pPr marL="2286000" indent="0">
-              <a:buNone/>
-              <a:defRPr sz="1000"/>
-            </a:lvl6pPr>
-            <a:lvl7pPr marL="2743200" indent="0">
-              <a:buNone/>
-              <a:defRPr sz="1000"/>
-            </a:lvl7pPr>
-            <a:lvl8pPr marL="3200400" indent="0">
-              <a:buNone/>
-              <a:defRPr sz="1000"/>
-            </a:lvl8pPr>
-            <a:lvl9pPr marL="3657600" indent="0">
-              <a:buNone/>
-              <a:defRPr sz="1000"/>
-            </a:lvl9pPr>
-          </a:lstStyle>
-          <a:p>
             <a:pPr lvl="0"/>
             <a:r>
               <a:rPr lang="en-US"/>
@@ -2658,13 +2350,7 @@
       </p:sp>
       <p:sp>
         <p:nvSpPr>
-          <p:cNvPr id="5" name="Date Placeholder 4">
-            <a:extLst>
-              <a:ext uri="{FF2B5EF4-FFF2-40B4-BE49-F238E27FC236}">
-                <a16:creationId xmlns:a16="http://schemas.microsoft.com/office/drawing/2014/main" id="{618E1888-F194-4E46-8096-A4A0148136C7}"/>
-              </a:ext>
-            </a:extLst>
-          </p:cNvPr>
+          <p:cNvPr id="5" name="Date Placeholder 4"/>
           <p:cNvSpPr>
             <a:spLocks noGrp="1"/>
           </p:cNvSpPr>
@@ -2679,7 +2365,7 @@
           <a:p>
             <a:fld id="{3A979BF9-124F-4BB9-ADB5-5719B90CB8FD}" type="datetimeFigureOut">
               <a:rPr lang="en-US" smtClean="0"/>
-              <a:t>8/10/2018</a:t>
+              <a:t>1/4/2019</a:t>
             </a:fld>
             <a:endParaRPr lang="en-US"/>
           </a:p>
@@ -2687,13 +2373,7 @@
       </p:sp>
       <p:sp>
         <p:nvSpPr>
-          <p:cNvPr id="6" name="Footer Placeholder 5">
-            <a:extLst>
-              <a:ext uri="{FF2B5EF4-FFF2-40B4-BE49-F238E27FC236}">
-                <a16:creationId xmlns:a16="http://schemas.microsoft.com/office/drawing/2014/main" id="{E59C9ACD-9A74-4D76-806B-982DD5C898F3}"/>
-              </a:ext>
-            </a:extLst>
-          </p:cNvPr>
+          <p:cNvPr id="6" name="Footer Placeholder 5"/>
           <p:cNvSpPr>
             <a:spLocks noGrp="1"/>
           </p:cNvSpPr>
@@ -2712,13 +2392,7 @@
       </p:sp>
       <p:sp>
         <p:nvSpPr>
-          <p:cNvPr id="7" name="Slide Number Placeholder 6">
-            <a:extLst>
-              <a:ext uri="{FF2B5EF4-FFF2-40B4-BE49-F238E27FC236}">
-                <a16:creationId xmlns:a16="http://schemas.microsoft.com/office/drawing/2014/main" id="{354EF1BE-95C1-4D52-8D6D-146A246A4AA9}"/>
-              </a:ext>
-            </a:extLst>
-          </p:cNvPr>
+          <p:cNvPr id="7" name="Slide Number Placeholder 6"/>
           <p:cNvSpPr>
             <a:spLocks noGrp="1"/>
           </p:cNvSpPr>
@@ -2742,7 +2416,7 @@
     </p:spTree>
     <p:extLst>
       <p:ext uri="{BB962C8B-B14F-4D97-AF65-F5344CB8AC3E}">
-        <p14:creationId xmlns:p14="http://schemas.microsoft.com/office/powerpoint/2010/main" val="4216243103"/>
+        <p14:creationId xmlns:p14="http://schemas.microsoft.com/office/powerpoint/2010/main" val="413902500"/>
       </p:ext>
     </p:extLst>
   </p:cSld>
@@ -2776,13 +2450,7 @@
       </p:grpSpPr>
       <p:sp>
         <p:nvSpPr>
-          <p:cNvPr id="2" name="Title Placeholder 1">
-            <a:extLst>
-              <a:ext uri="{FF2B5EF4-FFF2-40B4-BE49-F238E27FC236}">
-                <a16:creationId xmlns:a16="http://schemas.microsoft.com/office/drawing/2014/main" id="{CD00BBBF-01C6-4390-B2E1-FF95EEF03DA2}"/>
-              </a:ext>
-            </a:extLst>
-          </p:cNvPr>
+          <p:cNvPr id="2" name="Title Placeholder 1"/>
           <p:cNvSpPr>
             <a:spLocks noGrp="1"/>
           </p:cNvSpPr>
@@ -2792,8 +2460,8 @@
         </p:nvSpPr>
         <p:spPr>
           <a:xfrm>
-            <a:off x="838200" y="365125"/>
-            <a:ext cx="10515600" cy="1325563"/>
+            <a:off x="471488" y="486836"/>
+            <a:ext cx="5915025" cy="1767417"/>
           </a:xfrm>
           <a:prstGeom prst="rect">
             <a:avLst/>
@@ -2809,18 +2477,13 @@
               <a:rPr lang="en-US"/>
               <a:t>Click to edit Master title style</a:t>
             </a:r>
-          </a:p>
-        </p:txBody>
-      </p:sp>
-      <p:sp>
-        <p:nvSpPr>
-          <p:cNvPr id="3" name="Text Placeholder 2">
-            <a:extLst>
-              <a:ext uri="{FF2B5EF4-FFF2-40B4-BE49-F238E27FC236}">
-                <a16:creationId xmlns:a16="http://schemas.microsoft.com/office/drawing/2014/main" id="{C1F62A90-7E95-4A3F-AB26-94F066CE6E94}"/>
-              </a:ext>
-            </a:extLst>
-          </p:cNvPr>
+            <a:endParaRPr lang="en-US" dirty="0"/>
+          </a:p>
+        </p:txBody>
+      </p:sp>
+      <p:sp>
+        <p:nvSpPr>
+          <p:cNvPr id="3" name="Text Placeholder 2"/>
           <p:cNvSpPr>
             <a:spLocks noGrp="1"/>
           </p:cNvSpPr>
@@ -2830,8 +2493,8 @@
         </p:nvSpPr>
         <p:spPr>
           <a:xfrm>
-            <a:off x="838200" y="1825625"/>
-            <a:ext cx="10515600" cy="4351338"/>
+            <a:off x="471488" y="2434167"/>
+            <a:ext cx="5915025" cy="5801784"/>
           </a:xfrm>
           <a:prstGeom prst="rect">
             <a:avLst/>
@@ -2876,18 +2539,13 @@
               <a:rPr lang="en-US"/>
               <a:t>Fifth level</a:t>
             </a:r>
-          </a:p>
-        </p:txBody>
-      </p:sp>
-      <p:sp>
-        <p:nvSpPr>
-          <p:cNvPr id="4" name="Date Placeholder 3">
-            <a:extLst>
-              <a:ext uri="{FF2B5EF4-FFF2-40B4-BE49-F238E27FC236}">
-                <a16:creationId xmlns:a16="http://schemas.microsoft.com/office/drawing/2014/main" id="{550291A1-9121-4474-B209-6F0DB31C4C54}"/>
-              </a:ext>
-            </a:extLst>
-          </p:cNvPr>
+            <a:endParaRPr lang="en-US" dirty="0"/>
+          </a:p>
+        </p:txBody>
+      </p:sp>
+      <p:sp>
+        <p:nvSpPr>
+          <p:cNvPr id="4" name="Date Placeholder 3"/>
           <p:cNvSpPr>
             <a:spLocks noGrp="1"/>
           </p:cNvSpPr>
@@ -2897,8 +2555,8 @@
         </p:nvSpPr>
         <p:spPr>
           <a:xfrm>
-            <a:off x="838200" y="6356350"/>
-            <a:ext cx="2743200" cy="365125"/>
+            <a:off x="471488" y="8475136"/>
+            <a:ext cx="1543050" cy="486833"/>
           </a:xfrm>
           <a:prstGeom prst="rect">
             <a:avLst/>
@@ -2908,7 +2566,7 @@
           <a:bodyPr vert="horz" lIns="91440" tIns="45720" rIns="91440" bIns="45720" rtlCol="0" anchor="ctr"/>
           <a:lstStyle>
             <a:lvl1pPr algn="l">
-              <a:defRPr sz="1200">
+              <a:defRPr sz="900">
                 <a:solidFill>
                   <a:schemeClr val="tx1">
                     <a:tint val="75000"/>
@@ -2920,7 +2578,7 @@
           <a:p>
             <a:fld id="{3A979BF9-124F-4BB9-ADB5-5719B90CB8FD}" type="datetimeFigureOut">
               <a:rPr lang="en-US" smtClean="0"/>
-              <a:t>8/10/2018</a:t>
+              <a:t>1/4/2019</a:t>
             </a:fld>
             <a:endParaRPr lang="en-US"/>
           </a:p>
@@ -2928,13 +2586,7 @@
       </p:sp>
       <p:sp>
         <p:nvSpPr>
-          <p:cNvPr id="5" name="Footer Placeholder 4">
-            <a:extLst>
-              <a:ext uri="{FF2B5EF4-FFF2-40B4-BE49-F238E27FC236}">
-                <a16:creationId xmlns:a16="http://schemas.microsoft.com/office/drawing/2014/main" id="{9DAACAB1-B075-4865-BDB6-C00EBFFBF89D}"/>
-              </a:ext>
-            </a:extLst>
-          </p:cNvPr>
+          <p:cNvPr id="5" name="Footer Placeholder 4"/>
           <p:cNvSpPr>
             <a:spLocks noGrp="1"/>
           </p:cNvSpPr>
@@ -2944,8 +2596,8 @@
         </p:nvSpPr>
         <p:spPr>
           <a:xfrm>
-            <a:off x="4038600" y="6356350"/>
-            <a:ext cx="4114800" cy="365125"/>
+            <a:off x="2271713" y="8475136"/>
+            <a:ext cx="2314575" cy="486833"/>
           </a:xfrm>
           <a:prstGeom prst="rect">
             <a:avLst/>
@@ -2955,7 +2607,7 @@
           <a:bodyPr vert="horz" lIns="91440" tIns="45720" rIns="91440" bIns="45720" rtlCol="0" anchor="ctr"/>
           <a:lstStyle>
             <a:lvl1pPr algn="ctr">
-              <a:defRPr sz="1200">
+              <a:defRPr sz="900">
                 <a:solidFill>
                   <a:schemeClr val="tx1">
                     <a:tint val="75000"/>
@@ -2971,13 +2623,7 @@
       </p:sp>
       <p:sp>
         <p:nvSpPr>
-          <p:cNvPr id="6" name="Slide Number Placeholder 5">
-            <a:extLst>
-              <a:ext uri="{FF2B5EF4-FFF2-40B4-BE49-F238E27FC236}">
-                <a16:creationId xmlns:a16="http://schemas.microsoft.com/office/drawing/2014/main" id="{3E101E6F-5832-440D-B0A2-45A824C92BAC}"/>
-              </a:ext>
-            </a:extLst>
-          </p:cNvPr>
+          <p:cNvPr id="6" name="Slide Number Placeholder 5"/>
           <p:cNvSpPr>
             <a:spLocks noGrp="1"/>
           </p:cNvSpPr>
@@ -2987,8 +2633,8 @@
         </p:nvSpPr>
         <p:spPr>
           <a:xfrm>
-            <a:off x="8610600" y="6356350"/>
-            <a:ext cx="2743200" cy="365125"/>
+            <a:off x="4843463" y="8475136"/>
+            <a:ext cx="1543050" cy="486833"/>
           </a:xfrm>
           <a:prstGeom prst="rect">
             <a:avLst/>
@@ -2998,7 +2644,7 @@
           <a:bodyPr vert="horz" lIns="91440" tIns="45720" rIns="91440" bIns="45720" rtlCol="0" anchor="ctr"/>
           <a:lstStyle>
             <a:lvl1pPr algn="r">
-              <a:defRPr sz="1200">
+              <a:defRPr sz="900">
                 <a:solidFill>
                   <a:schemeClr val="tx1">
                     <a:tint val="75000"/>
@@ -3019,27 +2665,27 @@
     </p:spTree>
     <p:extLst>
       <p:ext uri="{BB962C8B-B14F-4D97-AF65-F5344CB8AC3E}">
-        <p14:creationId xmlns:p14="http://schemas.microsoft.com/office/powerpoint/2010/main" val="2541147479"/>
+        <p14:creationId xmlns:p14="http://schemas.microsoft.com/office/powerpoint/2010/main" val="859425956"/>
       </p:ext>
     </p:extLst>
   </p:cSld>
   <p:clrMap bg1="lt1" tx1="dk1" bg2="lt2" tx2="dk2" accent1="accent1" accent2="accent2" accent3="accent3" accent4="accent4" accent5="accent5" accent6="accent6" hlink="hlink" folHlink="folHlink"/>
   <p:sldLayoutIdLst>
-    <p:sldLayoutId id="2147483649" r:id="rId1"/>
-    <p:sldLayoutId id="2147483650" r:id="rId2"/>
-    <p:sldLayoutId id="2147483651" r:id="rId3"/>
-    <p:sldLayoutId id="2147483652" r:id="rId4"/>
-    <p:sldLayoutId id="2147483653" r:id="rId5"/>
-    <p:sldLayoutId id="2147483654" r:id="rId6"/>
-    <p:sldLayoutId id="2147483655" r:id="rId7"/>
-    <p:sldLayoutId id="2147483656" r:id="rId8"/>
-    <p:sldLayoutId id="2147483657" r:id="rId9"/>
-    <p:sldLayoutId id="2147483658" r:id="rId10"/>
-    <p:sldLayoutId id="2147483659" r:id="rId11"/>
+    <p:sldLayoutId id="2147483661" r:id="rId1"/>
+    <p:sldLayoutId id="2147483662" r:id="rId2"/>
+    <p:sldLayoutId id="2147483663" r:id="rId3"/>
+    <p:sldLayoutId id="2147483664" r:id="rId4"/>
+    <p:sldLayoutId id="2147483665" r:id="rId5"/>
+    <p:sldLayoutId id="2147483666" r:id="rId6"/>
+    <p:sldLayoutId id="2147483667" r:id="rId7"/>
+    <p:sldLayoutId id="2147483668" r:id="rId8"/>
+    <p:sldLayoutId id="2147483669" r:id="rId9"/>
+    <p:sldLayoutId id="2147483670" r:id="rId10"/>
+    <p:sldLayoutId id="2147483671" r:id="rId11"/>
   </p:sldLayoutIdLst>
   <p:txStyles>
     <p:titleStyle>
-      <a:lvl1pPr algn="l" defTabSz="914400" rtl="0" eaLnBrk="1" latinLnBrk="0" hangingPunct="1">
+      <a:lvl1pPr algn="l" defTabSz="685800" rtl="0" eaLnBrk="1" latinLnBrk="0" hangingPunct="1">
         <a:lnSpc>
           <a:spcPct val="90000"/>
         </a:lnSpc>
@@ -3047,7 +2693,7 @@
           <a:spcPct val="0"/>
         </a:spcBef>
         <a:buNone/>
-        <a:defRPr sz="4400" kern="1200">
+        <a:defRPr sz="3300" kern="1200">
           <a:solidFill>
             <a:schemeClr val="tx1"/>
           </a:solidFill>
@@ -3058,16 +2704,16 @@
       </a:lvl1pPr>
     </p:titleStyle>
     <p:bodyStyle>
-      <a:lvl1pPr marL="228600" indent="-228600" algn="l" defTabSz="914400" rtl="0" eaLnBrk="1" latinLnBrk="0" hangingPunct="1">
+      <a:lvl1pPr marL="171450" indent="-171450" algn="l" defTabSz="685800" rtl="0" eaLnBrk="1" latinLnBrk="0" hangingPunct="1">
         <a:lnSpc>
           <a:spcPct val="90000"/>
         </a:lnSpc>
         <a:spcBef>
-          <a:spcPts val="1000"/>
+          <a:spcPts val="750"/>
         </a:spcBef>
         <a:buFont typeface="Arial" panose="020B0604020202020204" pitchFamily="34" charset="0"/>
         <a:buChar char="•"/>
-        <a:defRPr sz="2800" kern="1200">
+        <a:defRPr sz="2100" kern="1200">
           <a:solidFill>
             <a:schemeClr val="tx1"/>
           </a:solidFill>
@@ -3076,48 +2722,12 @@
           <a:cs typeface="+mn-cs"/>
         </a:defRPr>
       </a:lvl1pPr>
-      <a:lvl2pPr marL="685800" indent="-228600" algn="l" defTabSz="914400" rtl="0" eaLnBrk="1" latinLnBrk="0" hangingPunct="1">
+      <a:lvl2pPr marL="514350" indent="-171450" algn="l" defTabSz="685800" rtl="0" eaLnBrk="1" latinLnBrk="0" hangingPunct="1">
         <a:lnSpc>
           <a:spcPct val="90000"/>
         </a:lnSpc>
         <a:spcBef>
-          <a:spcPts val="500"/>
-        </a:spcBef>
-        <a:buFont typeface="Arial" panose="020B0604020202020204" pitchFamily="34" charset="0"/>
-        <a:buChar char="•"/>
-        <a:defRPr sz="2400" kern="1200">
-          <a:solidFill>
-            <a:schemeClr val="tx1"/>
-          </a:solidFill>
-          <a:latin typeface="+mn-lt"/>
-          <a:ea typeface="+mn-ea"/>
-          <a:cs typeface="+mn-cs"/>
-        </a:defRPr>
-      </a:lvl2pPr>
-      <a:lvl3pPr marL="1143000" indent="-228600" algn="l" defTabSz="914400" rtl="0" eaLnBrk="1" latinLnBrk="0" hangingPunct="1">
-        <a:lnSpc>
-          <a:spcPct val="90000"/>
-        </a:lnSpc>
-        <a:spcBef>
-          <a:spcPts val="500"/>
-        </a:spcBef>
-        <a:buFont typeface="Arial" panose="020B0604020202020204" pitchFamily="34" charset="0"/>
-        <a:buChar char="•"/>
-        <a:defRPr sz="2000" kern="1200">
-          <a:solidFill>
-            <a:schemeClr val="tx1"/>
-          </a:solidFill>
-          <a:latin typeface="+mn-lt"/>
-          <a:ea typeface="+mn-ea"/>
-          <a:cs typeface="+mn-cs"/>
-        </a:defRPr>
-      </a:lvl3pPr>
-      <a:lvl4pPr marL="1600200" indent="-228600" algn="l" defTabSz="914400" rtl="0" eaLnBrk="1" latinLnBrk="0" hangingPunct="1">
-        <a:lnSpc>
-          <a:spcPct val="90000"/>
-        </a:lnSpc>
-        <a:spcBef>
-          <a:spcPts val="500"/>
+          <a:spcPts val="375"/>
         </a:spcBef>
         <a:buFont typeface="Arial" panose="020B0604020202020204" pitchFamily="34" charset="0"/>
         <a:buChar char="•"/>
@@ -3129,17 +2739,53 @@
           <a:ea typeface="+mn-ea"/>
           <a:cs typeface="+mn-cs"/>
         </a:defRPr>
-      </a:lvl4pPr>
-      <a:lvl5pPr marL="2057400" indent="-228600" algn="l" defTabSz="914400" rtl="0" eaLnBrk="1" latinLnBrk="0" hangingPunct="1">
+      </a:lvl2pPr>
+      <a:lvl3pPr marL="857250" indent="-171450" algn="l" defTabSz="685800" rtl="0" eaLnBrk="1" latinLnBrk="0" hangingPunct="1">
         <a:lnSpc>
           <a:spcPct val="90000"/>
         </a:lnSpc>
         <a:spcBef>
-          <a:spcPts val="500"/>
+          <a:spcPts val="375"/>
         </a:spcBef>
         <a:buFont typeface="Arial" panose="020B0604020202020204" pitchFamily="34" charset="0"/>
         <a:buChar char="•"/>
-        <a:defRPr sz="1800" kern="1200">
+        <a:defRPr sz="1500" kern="1200">
+          <a:solidFill>
+            <a:schemeClr val="tx1"/>
+          </a:solidFill>
+          <a:latin typeface="+mn-lt"/>
+          <a:ea typeface="+mn-ea"/>
+          <a:cs typeface="+mn-cs"/>
+        </a:defRPr>
+      </a:lvl3pPr>
+      <a:lvl4pPr marL="1200150" indent="-171450" algn="l" defTabSz="685800" rtl="0" eaLnBrk="1" latinLnBrk="0" hangingPunct="1">
+        <a:lnSpc>
+          <a:spcPct val="90000"/>
+        </a:lnSpc>
+        <a:spcBef>
+          <a:spcPts val="375"/>
+        </a:spcBef>
+        <a:buFont typeface="Arial" panose="020B0604020202020204" pitchFamily="34" charset="0"/>
+        <a:buChar char="•"/>
+        <a:defRPr sz="1350" kern="1200">
+          <a:solidFill>
+            <a:schemeClr val="tx1"/>
+          </a:solidFill>
+          <a:latin typeface="+mn-lt"/>
+          <a:ea typeface="+mn-ea"/>
+          <a:cs typeface="+mn-cs"/>
+        </a:defRPr>
+      </a:lvl4pPr>
+      <a:lvl5pPr marL="1543050" indent="-171450" algn="l" defTabSz="685800" rtl="0" eaLnBrk="1" latinLnBrk="0" hangingPunct="1">
+        <a:lnSpc>
+          <a:spcPct val="90000"/>
+        </a:lnSpc>
+        <a:spcBef>
+          <a:spcPts val="375"/>
+        </a:spcBef>
+        <a:buFont typeface="Arial" panose="020B0604020202020204" pitchFamily="34" charset="0"/>
+        <a:buChar char="•"/>
+        <a:defRPr sz="1350" kern="1200">
           <a:solidFill>
             <a:schemeClr val="tx1"/>
           </a:solidFill>
@@ -3148,16 +2794,16 @@
           <a:cs typeface="+mn-cs"/>
         </a:defRPr>
       </a:lvl5pPr>
-      <a:lvl6pPr marL="2514600" indent="-228600" algn="l" defTabSz="914400" rtl="0" eaLnBrk="1" latinLnBrk="0" hangingPunct="1">
+      <a:lvl6pPr marL="1885950" indent="-171450" algn="l" defTabSz="685800" rtl="0" eaLnBrk="1" latinLnBrk="0" hangingPunct="1">
         <a:lnSpc>
           <a:spcPct val="90000"/>
         </a:lnSpc>
         <a:spcBef>
-          <a:spcPts val="500"/>
+          <a:spcPts val="375"/>
         </a:spcBef>
         <a:buFont typeface="Arial" panose="020B0604020202020204" pitchFamily="34" charset="0"/>
         <a:buChar char="•"/>
-        <a:defRPr sz="1800" kern="1200">
+        <a:defRPr sz="1350" kern="1200">
           <a:solidFill>
             <a:schemeClr val="tx1"/>
           </a:solidFill>
@@ -3166,16 +2812,16 @@
           <a:cs typeface="+mn-cs"/>
         </a:defRPr>
       </a:lvl6pPr>
-      <a:lvl7pPr marL="2971800" indent="-228600" algn="l" defTabSz="914400" rtl="0" eaLnBrk="1" latinLnBrk="0" hangingPunct="1">
+      <a:lvl7pPr marL="2228850" indent="-171450" algn="l" defTabSz="685800" rtl="0" eaLnBrk="1" latinLnBrk="0" hangingPunct="1">
         <a:lnSpc>
           <a:spcPct val="90000"/>
         </a:lnSpc>
         <a:spcBef>
-          <a:spcPts val="500"/>
+          <a:spcPts val="375"/>
         </a:spcBef>
         <a:buFont typeface="Arial" panose="020B0604020202020204" pitchFamily="34" charset="0"/>
         <a:buChar char="•"/>
-        <a:defRPr sz="1800" kern="1200">
+        <a:defRPr sz="1350" kern="1200">
           <a:solidFill>
             <a:schemeClr val="tx1"/>
           </a:solidFill>
@@ -3184,16 +2830,16 @@
           <a:cs typeface="+mn-cs"/>
         </a:defRPr>
       </a:lvl7pPr>
-      <a:lvl8pPr marL="3429000" indent="-228600" algn="l" defTabSz="914400" rtl="0" eaLnBrk="1" latinLnBrk="0" hangingPunct="1">
+      <a:lvl8pPr marL="2571750" indent="-171450" algn="l" defTabSz="685800" rtl="0" eaLnBrk="1" latinLnBrk="0" hangingPunct="1">
         <a:lnSpc>
           <a:spcPct val="90000"/>
         </a:lnSpc>
         <a:spcBef>
-          <a:spcPts val="500"/>
+          <a:spcPts val="375"/>
         </a:spcBef>
         <a:buFont typeface="Arial" panose="020B0604020202020204" pitchFamily="34" charset="0"/>
         <a:buChar char="•"/>
-        <a:defRPr sz="1800" kern="1200">
+        <a:defRPr sz="1350" kern="1200">
           <a:solidFill>
             <a:schemeClr val="tx1"/>
           </a:solidFill>
@@ -3202,16 +2848,16 @@
           <a:cs typeface="+mn-cs"/>
         </a:defRPr>
       </a:lvl8pPr>
-      <a:lvl9pPr marL="3886200" indent="-228600" algn="l" defTabSz="914400" rtl="0" eaLnBrk="1" latinLnBrk="0" hangingPunct="1">
+      <a:lvl9pPr marL="2914650" indent="-171450" algn="l" defTabSz="685800" rtl="0" eaLnBrk="1" latinLnBrk="0" hangingPunct="1">
         <a:lnSpc>
           <a:spcPct val="90000"/>
         </a:lnSpc>
         <a:spcBef>
-          <a:spcPts val="500"/>
+          <a:spcPts val="375"/>
         </a:spcBef>
         <a:buFont typeface="Arial" panose="020B0604020202020204" pitchFamily="34" charset="0"/>
         <a:buChar char="•"/>
-        <a:defRPr sz="1800" kern="1200">
+        <a:defRPr sz="1350" kern="1200">
           <a:solidFill>
             <a:schemeClr val="tx1"/>
           </a:solidFill>
@@ -3225,8 +2871,8 @@
       <a:defPPr>
         <a:defRPr lang="en-US"/>
       </a:defPPr>
-      <a:lvl1pPr marL="0" algn="l" defTabSz="914400" rtl="0" eaLnBrk="1" latinLnBrk="0" hangingPunct="1">
-        <a:defRPr sz="1800" kern="1200">
+      <a:lvl1pPr marL="0" algn="l" defTabSz="685800" rtl="0" eaLnBrk="1" latinLnBrk="0" hangingPunct="1">
+        <a:defRPr sz="1350" kern="1200">
           <a:solidFill>
             <a:schemeClr val="tx1"/>
           </a:solidFill>
@@ -3235,8 +2881,8 @@
           <a:cs typeface="+mn-cs"/>
         </a:defRPr>
       </a:lvl1pPr>
-      <a:lvl2pPr marL="457200" algn="l" defTabSz="914400" rtl="0" eaLnBrk="1" latinLnBrk="0" hangingPunct="1">
-        <a:defRPr sz="1800" kern="1200">
+      <a:lvl2pPr marL="342900" algn="l" defTabSz="685800" rtl="0" eaLnBrk="1" latinLnBrk="0" hangingPunct="1">
+        <a:defRPr sz="1350" kern="1200">
           <a:solidFill>
             <a:schemeClr val="tx1"/>
           </a:solidFill>
@@ -3245,8 +2891,8 @@
           <a:cs typeface="+mn-cs"/>
         </a:defRPr>
       </a:lvl2pPr>
-      <a:lvl3pPr marL="914400" algn="l" defTabSz="914400" rtl="0" eaLnBrk="1" latinLnBrk="0" hangingPunct="1">
-        <a:defRPr sz="1800" kern="1200">
+      <a:lvl3pPr marL="685800" algn="l" defTabSz="685800" rtl="0" eaLnBrk="1" latinLnBrk="0" hangingPunct="1">
+        <a:defRPr sz="1350" kern="1200">
           <a:solidFill>
             <a:schemeClr val="tx1"/>
           </a:solidFill>
@@ -3255,8 +2901,8 @@
           <a:cs typeface="+mn-cs"/>
         </a:defRPr>
       </a:lvl3pPr>
-      <a:lvl4pPr marL="1371600" algn="l" defTabSz="914400" rtl="0" eaLnBrk="1" latinLnBrk="0" hangingPunct="1">
-        <a:defRPr sz="1800" kern="1200">
+      <a:lvl4pPr marL="1028700" algn="l" defTabSz="685800" rtl="0" eaLnBrk="1" latinLnBrk="0" hangingPunct="1">
+        <a:defRPr sz="1350" kern="1200">
           <a:solidFill>
             <a:schemeClr val="tx1"/>
           </a:solidFill>
@@ -3265,8 +2911,8 @@
           <a:cs typeface="+mn-cs"/>
         </a:defRPr>
       </a:lvl4pPr>
-      <a:lvl5pPr marL="1828800" algn="l" defTabSz="914400" rtl="0" eaLnBrk="1" latinLnBrk="0" hangingPunct="1">
-        <a:defRPr sz="1800" kern="1200">
+      <a:lvl5pPr marL="1371600" algn="l" defTabSz="685800" rtl="0" eaLnBrk="1" latinLnBrk="0" hangingPunct="1">
+        <a:defRPr sz="1350" kern="1200">
           <a:solidFill>
             <a:schemeClr val="tx1"/>
           </a:solidFill>
@@ -3275,8 +2921,8 @@
           <a:cs typeface="+mn-cs"/>
         </a:defRPr>
       </a:lvl5pPr>
-      <a:lvl6pPr marL="2286000" algn="l" defTabSz="914400" rtl="0" eaLnBrk="1" latinLnBrk="0" hangingPunct="1">
-        <a:defRPr sz="1800" kern="1200">
+      <a:lvl6pPr marL="1714500" algn="l" defTabSz="685800" rtl="0" eaLnBrk="1" latinLnBrk="0" hangingPunct="1">
+        <a:defRPr sz="1350" kern="1200">
           <a:solidFill>
             <a:schemeClr val="tx1"/>
           </a:solidFill>
@@ -3285,8 +2931,8 @@
           <a:cs typeface="+mn-cs"/>
         </a:defRPr>
       </a:lvl6pPr>
-      <a:lvl7pPr marL="2743200" algn="l" defTabSz="914400" rtl="0" eaLnBrk="1" latinLnBrk="0" hangingPunct="1">
-        <a:defRPr sz="1800" kern="1200">
+      <a:lvl7pPr marL="2057400" algn="l" defTabSz="685800" rtl="0" eaLnBrk="1" latinLnBrk="0" hangingPunct="1">
+        <a:defRPr sz="1350" kern="1200">
           <a:solidFill>
             <a:schemeClr val="tx1"/>
           </a:solidFill>
@@ -3295,8 +2941,8 @@
           <a:cs typeface="+mn-cs"/>
         </a:defRPr>
       </a:lvl7pPr>
-      <a:lvl8pPr marL="3200400" algn="l" defTabSz="914400" rtl="0" eaLnBrk="1" latinLnBrk="0" hangingPunct="1">
-        <a:defRPr sz="1800" kern="1200">
+      <a:lvl8pPr marL="2400300" algn="l" defTabSz="685800" rtl="0" eaLnBrk="1" latinLnBrk="0" hangingPunct="1">
+        <a:defRPr sz="1350" kern="1200">
           <a:solidFill>
             <a:schemeClr val="tx1"/>
           </a:solidFill>
@@ -3305,8 +2951,8 @@
           <a:cs typeface="+mn-cs"/>
         </a:defRPr>
       </a:lvl8pPr>
-      <a:lvl9pPr marL="3657600" algn="l" defTabSz="914400" rtl="0" eaLnBrk="1" latinLnBrk="0" hangingPunct="1">
-        <a:defRPr sz="1800" kern="1200">
+      <a:lvl9pPr marL="2743200" algn="l" defTabSz="685800" rtl="0" eaLnBrk="1" latinLnBrk="0" hangingPunct="1">
+        <a:defRPr sz="1350" kern="1200">
           <a:solidFill>
             <a:schemeClr val="tx1"/>
           </a:solidFill>
@@ -3351,8 +2997,8 @@
         </p:nvSpPr>
         <p:spPr>
           <a:xfrm>
-            <a:off x="3093227" y="4483694"/>
-            <a:ext cx="7145277" cy="2225380"/>
+            <a:off x="1739941" y="5165266"/>
+            <a:ext cx="4019218" cy="1251776"/>
           </a:xfrm>
           <a:prstGeom prst="rect">
             <a:avLst/>
@@ -3392,7 +3038,7 @@
           <a:lstStyle/>
           <a:p>
             <a:r>
-              <a:rPr lang="en-US" dirty="0"/>
+              <a:rPr lang="en-US" sz="1013" dirty="0"/>
               <a:t>Feedback</a:t>
             </a:r>
           </a:p>
@@ -3412,8 +3058,8 @@
         </p:nvSpPr>
         <p:spPr>
           <a:xfrm>
-            <a:off x="4378037" y="588818"/>
-            <a:ext cx="3832549" cy="3747655"/>
+            <a:off x="2462646" y="2974398"/>
+            <a:ext cx="2155809" cy="2108056"/>
           </a:xfrm>
           <a:prstGeom prst="rect">
             <a:avLst/>
@@ -3443,7 +3089,7 @@
           <a:lstStyle/>
           <a:p>
             <a:r>
-              <a:rPr lang="en-US" dirty="0"/>
+              <a:rPr lang="en-US" sz="1013" dirty="0"/>
               <a:t>Tools</a:t>
             </a:r>
           </a:p>
@@ -3463,8 +3109,8 @@
         </p:nvSpPr>
         <p:spPr>
           <a:xfrm>
-            <a:off x="577348" y="588818"/>
-            <a:ext cx="2092036" cy="2029692"/>
+            <a:off x="324758" y="2974398"/>
+            <a:ext cx="1176770" cy="1141702"/>
           </a:xfrm>
           <a:prstGeom prst="rect">
             <a:avLst/>
@@ -3489,43 +3135,43 @@
           <a:lstStyle/>
           <a:p>
             <a:r>
-              <a:rPr lang="en-US" dirty="0"/>
+              <a:rPr lang="en-US" sz="1013" dirty="0"/>
               <a:t>Report</a:t>
             </a:r>
           </a:p>
           <a:p>
             <a:r>
-              <a:rPr lang="en-US" dirty="0"/>
+              <a:rPr lang="en-US" sz="1013" dirty="0"/>
               <a:t>  data/</a:t>
             </a:r>
           </a:p>
           <a:p>
             <a:r>
-              <a:rPr lang="en-US" dirty="0"/>
+              <a:rPr lang="en-US" sz="1013" dirty="0"/>
               <a:t>  feedback/</a:t>
             </a:r>
           </a:p>
           <a:p>
             <a:r>
-              <a:rPr lang="en-US" dirty="0"/>
+              <a:rPr lang="en-US" sz="1013" dirty="0"/>
               <a:t>  complain(issue)</a:t>
             </a:r>
           </a:p>
           <a:p>
             <a:r>
-              <a:rPr lang="en-US" dirty="0"/>
+              <a:rPr lang="en-US" sz="1013" dirty="0"/>
               <a:t>  compliment(issue)</a:t>
             </a:r>
           </a:p>
           <a:p>
             <a:r>
-              <a:rPr lang="en-US" dirty="0"/>
+              <a:rPr lang="en-US" sz="1013" dirty="0"/>
               <a:t>  explain(issue)</a:t>
             </a:r>
           </a:p>
           <a:p>
             <a:r>
-              <a:rPr lang="en-US" dirty="0"/>
+              <a:rPr lang="en-US" sz="1013" dirty="0"/>
               <a:t>  …</a:t>
             </a:r>
           </a:p>
@@ -3545,8 +3191,8 @@
         </p:nvSpPr>
         <p:spPr>
           <a:xfrm>
-            <a:off x="577348" y="3733800"/>
-            <a:ext cx="2092036" cy="1011382"/>
+            <a:off x="324758" y="4743450"/>
+            <a:ext cx="1176770" cy="568902"/>
           </a:xfrm>
           <a:prstGeom prst="rect">
             <a:avLst/>
@@ -3574,28 +3220,28 @@
           <a:lstStyle/>
           <a:p>
             <a:r>
-              <a:rPr lang="en-US" dirty="0" err="1"/>
+              <a:rPr lang="en-US" sz="1013" dirty="0" err="1"/>
               <a:t>FeedbackResolver</a:t>
             </a:r>
-            <a:endParaRPr lang="en-US" dirty="0"/>
-          </a:p>
-          <a:p>
-            <a:r>
-              <a:rPr lang="en-US" dirty="0"/>
+            <a:endParaRPr lang="en-US" sz="1013" dirty="0"/>
+          </a:p>
+          <a:p>
+            <a:r>
+              <a:rPr lang="en-US" sz="1013" dirty="0"/>
               <a:t>  __</a:t>
             </a:r>
             <a:r>
-              <a:rPr lang="en-US" dirty="0" err="1"/>
+              <a:rPr lang="en-US" sz="1013" dirty="0" err="1"/>
               <a:t>init</a:t>
             </a:r>
             <a:r>
-              <a:rPr lang="en-US" dirty="0"/>
+              <a:rPr lang="en-US" sz="1013" dirty="0"/>
               <a:t>__(report)</a:t>
             </a:r>
           </a:p>
           <a:p>
             <a:r>
-              <a:rPr lang="en-US" dirty="0"/>
+              <a:rPr lang="en-US" sz="1013" dirty="0"/>
               <a:t>  resolve(): str</a:t>
             </a:r>
           </a:p>
@@ -3615,8 +3261,8 @@
         </p:nvSpPr>
         <p:spPr>
           <a:xfrm>
-            <a:off x="550376" y="5257799"/>
-            <a:ext cx="2347478" cy="1205345"/>
+            <a:off x="309587" y="5600700"/>
+            <a:ext cx="1320456" cy="678007"/>
           </a:xfrm>
           <a:prstGeom prst="rect">
             <a:avLst/>
@@ -3641,13 +3287,13 @@
           <a:lstStyle/>
           <a:p>
             <a:r>
-              <a:rPr lang="en-US" dirty="0"/>
+              <a:rPr lang="en-US" sz="1013" dirty="0"/>
               <a:t>Simple</a:t>
             </a:r>
           </a:p>
           <a:p>
             <a:r>
-              <a:rPr lang="en-US" i="1" dirty="0"/>
+              <a:rPr lang="en-US" sz="1013" i="1" dirty="0"/>
               <a:t>Chooses and returns the highest priority feedback.</a:t>
             </a:r>
           </a:p>
@@ -3667,8 +3313,8 @@
         </p:nvSpPr>
         <p:spPr>
           <a:xfrm>
-            <a:off x="4550789" y="1309244"/>
-            <a:ext cx="917430" cy="477983"/>
+            <a:off x="2559819" y="3379638"/>
+            <a:ext cx="516054" cy="268865"/>
           </a:xfrm>
           <a:prstGeom prst="rect">
             <a:avLst/>
@@ -3696,7 +3342,7 @@
           <a:lstStyle/>
           <a:p>
             <a:r>
-              <a:rPr lang="en-US" dirty="0"/>
+              <a:rPr lang="en-US" sz="1013" dirty="0"/>
               <a:t>Source</a:t>
             </a:r>
           </a:p>
@@ -3716,8 +3362,8 @@
         </p:nvSpPr>
         <p:spPr>
           <a:xfrm>
-            <a:off x="7135370" y="1982914"/>
-            <a:ext cx="1075244" cy="391394"/>
+            <a:off x="4013646" y="3758577"/>
+            <a:ext cx="604825" cy="220159"/>
           </a:xfrm>
           <a:prstGeom prst="rect">
             <a:avLst/>
@@ -3745,7 +3391,7 @@
           <a:lstStyle/>
           <a:p>
             <a:r>
-              <a:rPr lang="en-US" dirty="0"/>
+              <a:rPr lang="en-US" sz="1013" dirty="0"/>
               <a:t>Sandbox</a:t>
             </a:r>
           </a:p>
@@ -3765,8 +3411,8 @@
         </p:nvSpPr>
         <p:spPr>
           <a:xfrm>
-            <a:off x="4909716" y="3102141"/>
-            <a:ext cx="917430" cy="477983"/>
+            <a:off x="2761715" y="4388142"/>
+            <a:ext cx="516054" cy="268865"/>
           </a:xfrm>
           <a:prstGeom prst="rect">
             <a:avLst/>
@@ -3794,7 +3440,7 @@
           <a:lstStyle/>
           <a:p>
             <a:r>
-              <a:rPr lang="en-US" dirty="0"/>
+              <a:rPr lang="en-US" sz="1013" dirty="0"/>
               <a:t>CAIT</a:t>
             </a:r>
           </a:p>
@@ -3814,8 +3460,8 @@
         </p:nvSpPr>
         <p:spPr>
           <a:xfrm>
-            <a:off x="5926869" y="2104597"/>
-            <a:ext cx="917430" cy="477983"/>
+            <a:off x="3333864" y="3827024"/>
+            <a:ext cx="516054" cy="268865"/>
           </a:xfrm>
           <a:prstGeom prst="rect">
             <a:avLst/>
@@ -3843,7 +3489,7 @@
           <a:lstStyle/>
           <a:p>
             <a:r>
-              <a:rPr lang="en-US" dirty="0"/>
+              <a:rPr lang="en-US" sz="1013" dirty="0"/>
               <a:t>TIFA</a:t>
             </a:r>
           </a:p>
@@ -3865,8 +3511,8 @@
         </p:nvCxnSpPr>
         <p:spPr>
           <a:xfrm>
-            <a:off x="2669384" y="1246909"/>
-            <a:ext cx="1708653" cy="0"/>
+            <a:off x="1501529" y="3344574"/>
+            <a:ext cx="961117" cy="0"/>
           </a:xfrm>
           <a:prstGeom prst="straightConnector1">
             <a:avLst/>
@@ -3904,8 +3550,8 @@
         </p:nvSpPr>
         <p:spPr>
           <a:xfrm>
-            <a:off x="3029780" y="1586728"/>
-            <a:ext cx="1044966" cy="369332"/>
+            <a:off x="1704251" y="3535722"/>
+            <a:ext cx="670376" cy="248209"/>
           </a:xfrm>
           <a:prstGeom prst="rect">
             <a:avLst/>
@@ -3919,7 +3565,7 @@
           <a:lstStyle/>
           <a:p>
             <a:r>
-              <a:rPr lang="en-US" dirty="0"/>
+              <a:rPr lang="en-US" sz="1013" dirty="0"/>
               <a:t>Augment</a:t>
             </a:r>
           </a:p>
@@ -3939,8 +3585,8 @@
         </p:nvSpPr>
         <p:spPr>
           <a:xfrm>
-            <a:off x="3042908" y="931003"/>
-            <a:ext cx="936923" cy="369332"/>
+            <a:off x="1711636" y="3166877"/>
+            <a:ext cx="609462" cy="248209"/>
           </a:xfrm>
           <a:prstGeom prst="rect">
             <a:avLst/>
@@ -3954,7 +3600,7 @@
           <a:lstStyle/>
           <a:p>
             <a:r>
-              <a:rPr lang="en-US" dirty="0"/>
+              <a:rPr lang="en-US" sz="1013" dirty="0"/>
               <a:t>Used by</a:t>
             </a:r>
           </a:p>
@@ -3976,8 +3622,8 @@
         </p:nvCxnSpPr>
         <p:spPr>
           <a:xfrm flipH="1">
-            <a:off x="2669384" y="1932710"/>
-            <a:ext cx="1708653" cy="0"/>
+            <a:off x="1501529" y="3730337"/>
+            <a:ext cx="961117" cy="0"/>
           </a:xfrm>
           <a:prstGeom prst="straightConnector1">
             <a:avLst/>
@@ -4019,8 +3665,8 @@
         </p:nvCxnSpPr>
         <p:spPr>
           <a:xfrm>
-            <a:off x="1623366" y="2618510"/>
-            <a:ext cx="0" cy="1115290"/>
+            <a:off x="913143" y="4116099"/>
+            <a:ext cx="0" cy="627351"/>
           </a:xfrm>
           <a:prstGeom prst="straightConnector1">
             <a:avLst/>
@@ -4058,8 +3704,8 @@
         </p:nvSpPr>
         <p:spPr>
           <a:xfrm>
-            <a:off x="362931" y="3025216"/>
-            <a:ext cx="1302536" cy="369332"/>
+            <a:off x="204149" y="4344872"/>
+            <a:ext cx="819455" cy="248209"/>
           </a:xfrm>
           <a:prstGeom prst="rect">
             <a:avLst/>
@@ -4073,7 +3719,7 @@
           <a:lstStyle/>
           <a:p>
             <a:r>
-              <a:rPr lang="en-US" dirty="0"/>
+              <a:rPr lang="en-US" sz="1013" dirty="0"/>
               <a:t>Resolved by</a:t>
             </a:r>
           </a:p>
@@ -4093,8 +3739,8 @@
         </p:nvSpPr>
         <p:spPr>
           <a:xfrm>
-            <a:off x="-60326" y="4798413"/>
-            <a:ext cx="1725793" cy="369332"/>
+            <a:off x="-33933" y="5342295"/>
+            <a:ext cx="1055097" cy="248209"/>
           </a:xfrm>
           <a:prstGeom prst="rect">
             <a:avLst/>
@@ -4108,7 +3754,7 @@
           <a:lstStyle/>
           <a:p>
             <a:r>
-              <a:rPr lang="en-US" dirty="0"/>
+              <a:rPr lang="en-US" sz="1013" dirty="0"/>
               <a:t>Implemented by</a:t>
             </a:r>
           </a:p>
@@ -4130,8 +3776,8 @@
         </p:nvCxnSpPr>
         <p:spPr>
           <a:xfrm>
-            <a:off x="1595318" y="4745182"/>
-            <a:ext cx="0" cy="512617"/>
+            <a:off x="897366" y="5312353"/>
+            <a:ext cx="0" cy="288347"/>
           </a:xfrm>
           <a:prstGeom prst="straightConnector1">
             <a:avLst/>
@@ -4169,8 +3815,8 @@
         </p:nvSpPr>
         <p:spPr>
           <a:xfrm>
-            <a:off x="6120507" y="3700884"/>
-            <a:ext cx="1204995" cy="477983"/>
+            <a:off x="3442785" y="4724935"/>
+            <a:ext cx="677810" cy="268865"/>
           </a:xfrm>
           <a:prstGeom prst="rect">
             <a:avLst/>
@@ -4198,7 +3844,7 @@
           <a:lstStyle/>
           <a:p>
             <a:r>
-              <a:rPr lang="en-US" dirty="0"/>
+              <a:rPr lang="en-US" sz="1013" dirty="0"/>
               <a:t>Mistakes</a:t>
             </a:r>
           </a:p>
@@ -4222,8 +3868,8 @@
         </p:nvCxnSpPr>
         <p:spPr>
           <a:xfrm rot="16200000" flipH="1">
-            <a:off x="4531510" y="2265220"/>
-            <a:ext cx="1314914" cy="358927"/>
+            <a:off x="2548974" y="3917374"/>
+            <a:ext cx="739639" cy="201896"/>
           </a:xfrm>
           <a:prstGeom prst="curvedConnector3">
             <a:avLst>
@@ -4267,8 +3913,8 @@
         </p:nvCxnSpPr>
         <p:spPr>
           <a:xfrm rot="16200000" flipH="1">
-            <a:off x="5538859" y="1257872"/>
-            <a:ext cx="317370" cy="1376080"/>
+            <a:off x="3115608" y="3350741"/>
+            <a:ext cx="178521" cy="774045"/>
           </a:xfrm>
           <a:prstGeom prst="curvedConnector3">
             <a:avLst>
@@ -4311,8 +3957,8 @@
         </p:nvCxnSpPr>
         <p:spPr>
           <a:xfrm rot="5400000">
-            <a:off x="5617228" y="2333784"/>
-            <a:ext cx="519561" cy="1017153"/>
+            <a:off x="3159691" y="3955941"/>
+            <a:ext cx="292253" cy="572149"/>
           </a:xfrm>
           <a:prstGeom prst="curvedConnector3">
             <a:avLst>
@@ -4356,8 +4002,8 @@
         </p:nvCxnSpPr>
         <p:spPr>
           <a:xfrm>
-            <a:off x="5827146" y="3341133"/>
-            <a:ext cx="895859" cy="359751"/>
+            <a:off x="3277770" y="4522575"/>
+            <a:ext cx="503921" cy="202360"/>
           </a:xfrm>
           <a:prstGeom prst="curvedConnector2">
             <a:avLst/>
@@ -4399,8 +4045,8 @@
         </p:nvCxnSpPr>
         <p:spPr>
           <a:xfrm>
-            <a:off x="5468219" y="1548236"/>
-            <a:ext cx="2204773" cy="434678"/>
+            <a:off x="3075873" y="3514070"/>
+            <a:ext cx="1240185" cy="244506"/>
           </a:xfrm>
           <a:prstGeom prst="curvedConnector2">
             <a:avLst/>
@@ -4438,8 +4084,8 @@
         </p:nvSpPr>
         <p:spPr>
           <a:xfrm>
-            <a:off x="4379519" y="231700"/>
-            <a:ext cx="4036874" cy="369332"/>
+            <a:off x="2463480" y="2773519"/>
+            <a:ext cx="2343911" cy="248209"/>
           </a:xfrm>
           <a:prstGeom prst="rect">
             <a:avLst/>
@@ -4453,7 +4099,7 @@
           <a:lstStyle/>
           <a:p>
             <a:r>
-              <a:rPr lang="en-US" dirty="0"/>
+              <a:rPr lang="en-US" sz="1013" dirty="0"/>
               <a:t>Tools store data and feedback in Reports</a:t>
             </a:r>
           </a:p>
@@ -4475,8 +4121,8 @@
         </p:nvCxnSpPr>
         <p:spPr>
           <a:xfrm rot="16200000" flipH="1">
-            <a:off x="2042933" y="3167772"/>
-            <a:ext cx="1888534" cy="790011"/>
+            <a:off x="1149150" y="4425060"/>
+            <a:ext cx="1062300" cy="444381"/>
           </a:xfrm>
           <a:prstGeom prst="curvedConnector3">
             <a:avLst>
@@ -4517,8 +4163,8 @@
         </p:nvSpPr>
         <p:spPr>
           <a:xfrm>
-            <a:off x="2660038" y="2878657"/>
-            <a:ext cx="1533048" cy="369332"/>
+            <a:off x="1496272" y="4262432"/>
+            <a:ext cx="947695" cy="248209"/>
           </a:xfrm>
           <a:prstGeom prst="rect">
             <a:avLst/>
@@ -4532,7 +4178,7 @@
           <a:lstStyle/>
           <a:p>
             <a:r>
-              <a:rPr lang="en-US" dirty="0"/>
+              <a:rPr lang="en-US" sz="1013" dirty="0"/>
               <a:t>Aggregated by</a:t>
             </a:r>
           </a:p>
@@ -4552,8 +4198,8 @@
         </p:nvSpPr>
         <p:spPr>
           <a:xfrm>
-            <a:off x="3237633" y="4883721"/>
-            <a:ext cx="1985531" cy="688457"/>
+            <a:off x="1821169" y="5390281"/>
+            <a:ext cx="1116861" cy="387257"/>
           </a:xfrm>
           <a:prstGeom prst="rect">
             <a:avLst/>
@@ -4581,13 +4227,13 @@
           <a:lstStyle/>
           <a:p>
             <a:r>
-              <a:rPr lang="en-US" dirty="0"/>
+              <a:rPr lang="en-US" sz="1013" dirty="0"/>
               <a:t>Performance</a:t>
             </a:r>
           </a:p>
           <a:p>
             <a:r>
-              <a:rPr lang="en-US" dirty="0"/>
+              <a:rPr lang="en-US" sz="1013" dirty="0"/>
               <a:t>    rate: float</a:t>
             </a:r>
           </a:p>
@@ -4607,8 +4253,8 @@
         </p:nvSpPr>
         <p:spPr>
           <a:xfrm>
-            <a:off x="3237633" y="5957589"/>
-            <a:ext cx="1985531" cy="688457"/>
+            <a:off x="1821169" y="5994332"/>
+            <a:ext cx="1116861" cy="387257"/>
           </a:xfrm>
           <a:prstGeom prst="rect">
             <a:avLst/>
@@ -4636,20 +4282,20 @@
           <a:lstStyle/>
           <a:p>
             <a:r>
-              <a:rPr lang="en-US" dirty="0"/>
+              <a:rPr lang="en-US" sz="1013" dirty="0"/>
               <a:t>Result</a:t>
             </a:r>
           </a:p>
           <a:p>
             <a:r>
-              <a:rPr lang="en-US" dirty="0"/>
+              <a:rPr lang="en-US" sz="1013" dirty="0"/>
               <a:t>    correct: </a:t>
             </a:r>
             <a:r>
-              <a:rPr lang="en-US" dirty="0" err="1"/>
+              <a:rPr lang="en-US" sz="1013" dirty="0" err="1"/>
               <a:t>boolean</a:t>
             </a:r>
-            <a:endParaRPr lang="en-US" dirty="0"/>
+            <a:endParaRPr lang="en-US" sz="1013" dirty="0"/>
           </a:p>
         </p:txBody>
       </p:sp>
@@ -4667,8 +4313,8 @@
         </p:nvSpPr>
         <p:spPr>
           <a:xfrm>
-            <a:off x="5468219" y="4867298"/>
-            <a:ext cx="1985531" cy="688457"/>
+            <a:off x="3075874" y="5381043"/>
+            <a:ext cx="1116861" cy="387257"/>
           </a:xfrm>
           <a:prstGeom prst="rect">
             <a:avLst/>
@@ -4696,14 +4342,14 @@
           <a:lstStyle/>
           <a:p>
             <a:r>
-              <a:rPr lang="en-US" dirty="0" err="1"/>
+              <a:rPr lang="en-US" sz="1013" dirty="0" err="1"/>
               <a:t>TaskConstraints</a:t>
             </a:r>
-            <a:endParaRPr lang="en-US" dirty="0"/>
-          </a:p>
-          <a:p>
-            <a:r>
-              <a:rPr lang="en-US" dirty="0"/>
+            <a:endParaRPr lang="en-US" sz="1013" dirty="0"/>
+          </a:p>
+          <a:p>
+            <a:r>
+              <a:rPr lang="en-US" sz="1013" dirty="0"/>
               <a:t>    message: str</a:t>
             </a:r>
           </a:p>
@@ -4723,8 +4369,8 @@
         </p:nvSpPr>
         <p:spPr>
           <a:xfrm>
-            <a:off x="5468219" y="5957588"/>
-            <a:ext cx="1985531" cy="688457"/>
+            <a:off x="3075874" y="5994331"/>
+            <a:ext cx="1116861" cy="387257"/>
           </a:xfrm>
           <a:prstGeom prst="rect">
             <a:avLst/>
@@ -4752,13 +4398,13 @@
           <a:lstStyle/>
           <a:p>
             <a:r>
-              <a:rPr lang="en-US" dirty="0"/>
+              <a:rPr lang="en-US" sz="1013" dirty="0"/>
               <a:t>Misconceptions</a:t>
             </a:r>
           </a:p>
           <a:p>
             <a:r>
-              <a:rPr lang="en-US" dirty="0"/>
+              <a:rPr lang="en-US" sz="1013" dirty="0"/>
               <a:t>    message: str</a:t>
             </a:r>
           </a:p>
@@ -4778,8 +4424,8 @@
         </p:nvSpPr>
         <p:spPr>
           <a:xfrm>
-            <a:off x="7843211" y="4653602"/>
-            <a:ext cx="1985531" cy="989474"/>
+            <a:off x="4411807" y="5260839"/>
+            <a:ext cx="1116861" cy="556579"/>
           </a:xfrm>
           <a:prstGeom prst="rect">
             <a:avLst/>
@@ -4807,26 +4453,26 @@
           <a:lstStyle/>
           <a:p>
             <a:r>
-              <a:rPr lang="en-US" dirty="0"/>
+              <a:rPr lang="en-US" sz="1013" dirty="0"/>
               <a:t>Mistake</a:t>
             </a:r>
           </a:p>
           <a:p>
             <a:r>
-              <a:rPr lang="en-US" dirty="0"/>
+              <a:rPr lang="en-US" sz="1013" dirty="0"/>
               <a:t>    message: str</a:t>
             </a:r>
           </a:p>
           <a:p>
             <a:r>
-              <a:rPr lang="en-US" dirty="0"/>
+              <a:rPr lang="en-US" sz="1013" dirty="0"/>
               <a:t>    position: </a:t>
             </a:r>
             <a:r>
-              <a:rPr lang="en-US" dirty="0" err="1"/>
+              <a:rPr lang="en-US" sz="1013" dirty="0" err="1"/>
               <a:t>dict</a:t>
             </a:r>
-            <a:endParaRPr lang="en-US" dirty="0"/>
+            <a:endParaRPr lang="en-US" sz="1013" dirty="0"/>
           </a:p>
         </p:txBody>
       </p:sp>
@@ -4844,8 +4490,8 @@
         </p:nvSpPr>
         <p:spPr>
           <a:xfrm>
-            <a:off x="7843210" y="5968469"/>
-            <a:ext cx="1985531" cy="688457"/>
+            <a:off x="4411806" y="6000452"/>
+            <a:ext cx="1116861" cy="387257"/>
           </a:xfrm>
           <a:prstGeom prst="rect">
             <a:avLst/>
@@ -4873,13 +4519,13 @@
           <a:lstStyle/>
           <a:p>
             <a:r>
-              <a:rPr lang="en-US" dirty="0"/>
+              <a:rPr lang="en-US" sz="1013" dirty="0"/>
               <a:t>Hint</a:t>
             </a:r>
           </a:p>
           <a:p>
             <a:r>
-              <a:rPr lang="en-US" dirty="0"/>
+              <a:rPr lang="en-US" sz="1013" dirty="0"/>
               <a:t>    message: str</a:t>
             </a:r>
           </a:p>
@@ -4898,10 +4544,1377 @@
 </p:sld>
 </file>
 
+<file path=ppt/slides/slide2.xml><?xml version="1.0" encoding="utf-8"?>
+<p:sld xmlns:a="http://schemas.openxmlformats.org/drawingml/2006/main" xmlns:r="http://schemas.openxmlformats.org/officeDocument/2006/relationships" xmlns:p="http://schemas.openxmlformats.org/presentationml/2006/main">
+  <p:cSld>
+    <p:spTree>
+      <p:nvGrpSpPr>
+        <p:cNvPr id="1" name=""/>
+        <p:cNvGrpSpPr/>
+        <p:nvPr/>
+      </p:nvGrpSpPr>
+      <p:grpSpPr>
+        <a:xfrm>
+          <a:off x="0" y="0"/>
+          <a:ext cx="0" cy="0"/>
+          <a:chOff x="0" y="0"/>
+          <a:chExt cx="0" cy="0"/>
+        </a:xfrm>
+      </p:grpSpPr>
+      <p:sp>
+        <p:nvSpPr>
+          <p:cNvPr id="4" name="Rectangle 3">
+            <a:extLst>
+              <a:ext uri="{FF2B5EF4-FFF2-40B4-BE49-F238E27FC236}">
+                <a16:creationId xmlns:a16="http://schemas.microsoft.com/office/drawing/2014/main" id="{6F135BC3-FB96-4294-9D5A-786D0687A9B1}"/>
+              </a:ext>
+            </a:extLst>
+          </p:cNvPr>
+          <p:cNvSpPr/>
+          <p:nvPr/>
+        </p:nvSpPr>
+        <p:spPr>
+          <a:xfrm>
+            <a:off x="337625" y="2375218"/>
+            <a:ext cx="1188720" cy="548640"/>
+          </a:xfrm>
+          <a:prstGeom prst="rect">
+            <a:avLst/>
+          </a:prstGeom>
+        </p:spPr>
+        <p:style>
+          <a:lnRef idx="2">
+            <a:schemeClr val="dk1"/>
+          </a:lnRef>
+          <a:fillRef idx="1">
+            <a:schemeClr val="lt1"/>
+          </a:fillRef>
+          <a:effectRef idx="0">
+            <a:schemeClr val="dk1"/>
+          </a:effectRef>
+          <a:fontRef idx="minor">
+            <a:schemeClr val="dk1"/>
+          </a:fontRef>
+        </p:style>
+        <p:txBody>
+          <a:bodyPr rot="0" spcFirstLastPara="0" vertOverflow="overflow" horzOverflow="overflow" vert="horz" wrap="square" lIns="51435" tIns="25718" rIns="51435" bIns="25718" numCol="1" spcCol="0" rtlCol="0" fromWordArt="0" anchor="t" anchorCtr="0" forceAA="0" compatLnSpc="1">
+            <a:prstTxWarp prst="textNoShape">
+              <a:avLst/>
+            </a:prstTxWarp>
+            <a:noAutofit/>
+          </a:bodyPr>
+          <a:lstStyle/>
+          <a:p>
+            <a:r>
+              <a:rPr lang="en-US" sz="1000" dirty="0">
+                <a:latin typeface="Century" panose="02040604050505020304" pitchFamily="18" charset="0"/>
+              </a:rPr>
+              <a:t>Report</a:t>
+            </a:r>
+          </a:p>
+          <a:p>
+            <a:r>
+              <a:rPr lang="en-US" sz="1000" i="1" dirty="0">
+                <a:latin typeface="Century" panose="02040604050505020304" pitchFamily="18" charset="0"/>
+              </a:rPr>
+              <a:t>A collection of Feedback</a:t>
+            </a:r>
+            <a:endParaRPr lang="en-US" sz="1000" dirty="0">
+              <a:latin typeface="Century" panose="02040604050505020304" pitchFamily="18" charset="0"/>
+            </a:endParaRPr>
+          </a:p>
+        </p:txBody>
+      </p:sp>
+      <p:sp>
+        <p:nvSpPr>
+          <p:cNvPr id="9" name="Rectangle 8">
+            <a:extLst>
+              <a:ext uri="{FF2B5EF4-FFF2-40B4-BE49-F238E27FC236}">
+                <a16:creationId xmlns:a16="http://schemas.microsoft.com/office/drawing/2014/main" id="{971ED701-EB2F-40B1-8DE0-8FA94CA531A1}"/>
+              </a:ext>
+            </a:extLst>
+          </p:cNvPr>
+          <p:cNvSpPr/>
+          <p:nvPr/>
+        </p:nvSpPr>
+        <p:spPr>
+          <a:xfrm>
+            <a:off x="1883607" y="1533600"/>
+            <a:ext cx="4151433" cy="2721878"/>
+          </a:xfrm>
+          <a:prstGeom prst="rect">
+            <a:avLst/>
+          </a:prstGeom>
+          <a:solidFill>
+            <a:schemeClr val="accent1">
+              <a:lumMod val="20000"/>
+              <a:lumOff val="80000"/>
+            </a:schemeClr>
+          </a:solidFill>
+        </p:spPr>
+        <p:style>
+          <a:lnRef idx="2">
+            <a:schemeClr val="dk1"/>
+          </a:lnRef>
+          <a:fillRef idx="1">
+            <a:schemeClr val="lt1"/>
+          </a:fillRef>
+          <a:effectRef idx="0">
+            <a:schemeClr val="dk1"/>
+          </a:effectRef>
+          <a:fontRef idx="minor">
+            <a:schemeClr val="dk1"/>
+          </a:fontRef>
+        </p:style>
+        <p:txBody>
+          <a:bodyPr rot="0" spcFirstLastPara="0" vertOverflow="overflow" horzOverflow="overflow" vert="horz" wrap="square" lIns="51435" tIns="25718" rIns="51435" bIns="25718" numCol="1" spcCol="0" rtlCol="0" fromWordArt="0" anchor="t" anchorCtr="0" forceAA="0" compatLnSpc="1">
+            <a:prstTxWarp prst="textNoShape">
+              <a:avLst/>
+            </a:prstTxWarp>
+            <a:noAutofit/>
+          </a:bodyPr>
+          <a:lstStyle/>
+          <a:p>
+            <a:r>
+              <a:rPr lang="en-US" sz="1000" dirty="0">
+                <a:latin typeface="Century" panose="02040604050505020304" pitchFamily="18" charset="0"/>
+              </a:rPr>
+              <a:t>Tools</a:t>
+            </a:r>
+          </a:p>
+        </p:txBody>
+      </p:sp>
+      <p:sp>
+        <p:nvSpPr>
+          <p:cNvPr id="10" name="Rectangle 9">
+            <a:extLst>
+              <a:ext uri="{FF2B5EF4-FFF2-40B4-BE49-F238E27FC236}">
+                <a16:creationId xmlns:a16="http://schemas.microsoft.com/office/drawing/2014/main" id="{469D0EEA-27BC-4C2A-939E-05601CF1A1D1}"/>
+              </a:ext>
+            </a:extLst>
+          </p:cNvPr>
+          <p:cNvSpPr/>
+          <p:nvPr/>
+        </p:nvSpPr>
+        <p:spPr>
+          <a:xfrm>
+            <a:off x="337626" y="1533600"/>
+            <a:ext cx="1188720" cy="548640"/>
+          </a:xfrm>
+          <a:prstGeom prst="rect">
+            <a:avLst/>
+          </a:prstGeom>
+        </p:spPr>
+        <p:style>
+          <a:lnRef idx="2">
+            <a:schemeClr val="dk1"/>
+          </a:lnRef>
+          <a:fillRef idx="1">
+            <a:schemeClr val="lt1"/>
+          </a:fillRef>
+          <a:effectRef idx="0">
+            <a:schemeClr val="dk1"/>
+          </a:effectRef>
+          <a:fontRef idx="minor">
+            <a:schemeClr val="dk1"/>
+          </a:fontRef>
+        </p:style>
+        <p:txBody>
+          <a:bodyPr rot="0" spcFirstLastPara="0" vertOverflow="overflow" horzOverflow="overflow" vert="horz" wrap="square" lIns="51435" tIns="25718" rIns="51435" bIns="25718" numCol="1" spcCol="0" rtlCol="0" fromWordArt="0" anchor="t" anchorCtr="0" forceAA="0" compatLnSpc="1">
+            <a:prstTxWarp prst="textNoShape">
+              <a:avLst/>
+            </a:prstTxWarp>
+            <a:noAutofit/>
+          </a:bodyPr>
+          <a:lstStyle/>
+          <a:p>
+            <a:r>
+              <a:rPr lang="en-US" sz="1000" dirty="0">
+                <a:latin typeface="Century" panose="02040604050505020304" pitchFamily="18" charset="0"/>
+              </a:rPr>
+              <a:t>Feedback</a:t>
+            </a:r>
+          </a:p>
+          <a:p>
+            <a:r>
+              <a:rPr lang="en-US" sz="1000" i="1" dirty="0">
+                <a:latin typeface="Century" panose="02040604050505020304" pitchFamily="18" charset="0"/>
+              </a:rPr>
+              <a:t>A message for the learner</a:t>
+            </a:r>
+          </a:p>
+        </p:txBody>
+      </p:sp>
+      <p:sp>
+        <p:nvSpPr>
+          <p:cNvPr id="11" name="Rectangle 10">
+            <a:extLst>
+              <a:ext uri="{FF2B5EF4-FFF2-40B4-BE49-F238E27FC236}">
+                <a16:creationId xmlns:a16="http://schemas.microsoft.com/office/drawing/2014/main" id="{4A9B7BDB-DAA7-40EE-9AB3-252F94758ACB}"/>
+              </a:ext>
+            </a:extLst>
+          </p:cNvPr>
+          <p:cNvSpPr/>
+          <p:nvPr/>
+        </p:nvSpPr>
+        <p:spPr>
+          <a:xfrm>
+            <a:off x="343218" y="3367158"/>
+            <a:ext cx="1188720" cy="548640"/>
+          </a:xfrm>
+          <a:prstGeom prst="rect">
+            <a:avLst/>
+          </a:prstGeom>
+        </p:spPr>
+        <p:style>
+          <a:lnRef idx="2">
+            <a:schemeClr val="dk1"/>
+          </a:lnRef>
+          <a:fillRef idx="1">
+            <a:schemeClr val="lt1"/>
+          </a:fillRef>
+          <a:effectRef idx="0">
+            <a:schemeClr val="dk1"/>
+          </a:effectRef>
+          <a:fontRef idx="minor">
+            <a:schemeClr val="dk1"/>
+          </a:fontRef>
+        </p:style>
+        <p:txBody>
+          <a:bodyPr rot="0" spcFirstLastPara="0" vertOverflow="overflow" horzOverflow="overflow" vert="horz" wrap="square" lIns="51435" tIns="25718" rIns="51435" bIns="25718" numCol="1" spcCol="0" rtlCol="0" fromWordArt="0" anchor="t" anchorCtr="0" forceAA="0" compatLnSpc="1">
+            <a:prstTxWarp prst="textNoShape">
+              <a:avLst/>
+            </a:prstTxWarp>
+            <a:noAutofit/>
+          </a:bodyPr>
+          <a:lstStyle/>
+          <a:p>
+            <a:r>
+              <a:rPr lang="en-US" sz="1000" dirty="0">
+                <a:latin typeface="Century" panose="02040604050505020304" pitchFamily="18" charset="0"/>
+              </a:rPr>
+              <a:t>Resolver</a:t>
+            </a:r>
+          </a:p>
+          <a:p>
+            <a:r>
+              <a:rPr lang="en-US" sz="1000" i="1" dirty="0">
+                <a:latin typeface="Century" panose="02040604050505020304" pitchFamily="18" charset="0"/>
+              </a:rPr>
+              <a:t>Orders and selects Feedback</a:t>
+            </a:r>
+          </a:p>
+        </p:txBody>
+      </p:sp>
+      <p:sp>
+        <p:nvSpPr>
+          <p:cNvPr id="12" name="Rectangle 11">
+            <a:extLst>
+              <a:ext uri="{FF2B5EF4-FFF2-40B4-BE49-F238E27FC236}">
+                <a16:creationId xmlns:a16="http://schemas.microsoft.com/office/drawing/2014/main" id="{68CB6BBA-DC04-4B35-AB8F-84678147453A}"/>
+              </a:ext>
+            </a:extLst>
+          </p:cNvPr>
+          <p:cNvSpPr/>
+          <p:nvPr/>
+        </p:nvSpPr>
+        <p:spPr>
+          <a:xfrm>
+            <a:off x="2095494" y="1807920"/>
+            <a:ext cx="1188720" cy="548640"/>
+          </a:xfrm>
+          <a:prstGeom prst="rect">
+            <a:avLst/>
+          </a:prstGeom>
+        </p:spPr>
+        <p:style>
+          <a:lnRef idx="2">
+            <a:schemeClr val="dk1"/>
+          </a:lnRef>
+          <a:fillRef idx="1">
+            <a:schemeClr val="lt1"/>
+          </a:fillRef>
+          <a:effectRef idx="0">
+            <a:schemeClr val="dk1"/>
+          </a:effectRef>
+          <a:fontRef idx="minor">
+            <a:schemeClr val="dk1"/>
+          </a:fontRef>
+        </p:style>
+        <p:txBody>
+          <a:bodyPr rot="0" spcFirstLastPara="0" vertOverflow="overflow" horzOverflow="overflow" vert="horz" wrap="square" lIns="51435" tIns="25718" rIns="51435" bIns="25718" numCol="1" spcCol="0" rtlCol="0" fromWordArt="0" anchor="t" anchorCtr="0" forceAA="0" compatLnSpc="1">
+            <a:prstTxWarp prst="textNoShape">
+              <a:avLst/>
+            </a:prstTxWarp>
+            <a:noAutofit/>
+          </a:bodyPr>
+          <a:lstStyle/>
+          <a:p>
+            <a:r>
+              <a:rPr lang="en-US" sz="1000" dirty="0">
+                <a:latin typeface="Century" panose="02040604050505020304" pitchFamily="18" charset="0"/>
+              </a:rPr>
+              <a:t>Source</a:t>
+            </a:r>
+          </a:p>
+          <a:p>
+            <a:r>
+              <a:rPr lang="en-US" sz="1000" i="1" dirty="0">
+                <a:latin typeface="Century" panose="02040604050505020304" pitchFamily="18" charset="0"/>
+              </a:rPr>
+              <a:t>Loads and verifies student code</a:t>
+            </a:r>
+          </a:p>
+        </p:txBody>
+      </p:sp>
+      <p:sp>
+        <p:nvSpPr>
+          <p:cNvPr id="13" name="Rectangle 12">
+            <a:extLst>
+              <a:ext uri="{FF2B5EF4-FFF2-40B4-BE49-F238E27FC236}">
+                <a16:creationId xmlns:a16="http://schemas.microsoft.com/office/drawing/2014/main" id="{E09C448D-51C9-47DD-AD7B-E754D3728AEA}"/>
+              </a:ext>
+            </a:extLst>
+          </p:cNvPr>
+          <p:cNvSpPr/>
+          <p:nvPr/>
+        </p:nvSpPr>
+        <p:spPr>
+          <a:xfrm>
+            <a:off x="2085512" y="2709790"/>
+            <a:ext cx="1361632" cy="548640"/>
+          </a:xfrm>
+          <a:prstGeom prst="rect">
+            <a:avLst/>
+          </a:prstGeom>
+        </p:spPr>
+        <p:style>
+          <a:lnRef idx="2">
+            <a:schemeClr val="dk1"/>
+          </a:lnRef>
+          <a:fillRef idx="1">
+            <a:schemeClr val="lt1"/>
+          </a:fillRef>
+          <a:effectRef idx="0">
+            <a:schemeClr val="dk1"/>
+          </a:effectRef>
+          <a:fontRef idx="minor">
+            <a:schemeClr val="dk1"/>
+          </a:fontRef>
+        </p:style>
+        <p:txBody>
+          <a:bodyPr rot="0" spcFirstLastPara="0" vertOverflow="overflow" horzOverflow="overflow" vert="horz" wrap="square" lIns="51435" tIns="25718" rIns="51435" bIns="25718" numCol="1" spcCol="0" rtlCol="0" fromWordArt="0" anchor="t" anchorCtr="0" forceAA="0" compatLnSpc="1">
+            <a:prstTxWarp prst="textNoShape">
+              <a:avLst/>
+            </a:prstTxWarp>
+            <a:noAutofit/>
+          </a:bodyPr>
+          <a:lstStyle/>
+          <a:p>
+            <a:r>
+              <a:rPr lang="en-US" sz="1000" dirty="0">
+                <a:latin typeface="Century" panose="02040604050505020304" pitchFamily="18" charset="0"/>
+              </a:rPr>
+              <a:t>TIFA</a:t>
+            </a:r>
+          </a:p>
+          <a:p>
+            <a:r>
+              <a:rPr lang="en-US" sz="1000" i="1" dirty="0">
+                <a:latin typeface="Century" panose="02040604050505020304" pitchFamily="18" charset="0"/>
+              </a:rPr>
+              <a:t>Type checking and other issue detection</a:t>
+            </a:r>
+          </a:p>
+        </p:txBody>
+      </p:sp>
+      <p:sp>
+        <p:nvSpPr>
+          <p:cNvPr id="14" name="Rectangle 13">
+            <a:extLst>
+              <a:ext uri="{FF2B5EF4-FFF2-40B4-BE49-F238E27FC236}">
+                <a16:creationId xmlns:a16="http://schemas.microsoft.com/office/drawing/2014/main" id="{815D57F1-59E3-428B-B157-88CF3BF56A44}"/>
+              </a:ext>
+            </a:extLst>
+          </p:cNvPr>
+          <p:cNvSpPr/>
+          <p:nvPr/>
+        </p:nvSpPr>
+        <p:spPr>
+          <a:xfrm>
+            <a:off x="3808834" y="2788701"/>
+            <a:ext cx="1188720" cy="548640"/>
+          </a:xfrm>
+          <a:prstGeom prst="rect">
+            <a:avLst/>
+          </a:prstGeom>
+        </p:spPr>
+        <p:style>
+          <a:lnRef idx="2">
+            <a:schemeClr val="dk1"/>
+          </a:lnRef>
+          <a:fillRef idx="1">
+            <a:schemeClr val="lt1"/>
+          </a:fillRef>
+          <a:effectRef idx="0">
+            <a:schemeClr val="dk1"/>
+          </a:effectRef>
+          <a:fontRef idx="minor">
+            <a:schemeClr val="dk1"/>
+          </a:fontRef>
+        </p:style>
+        <p:txBody>
+          <a:bodyPr rot="0" spcFirstLastPara="0" vertOverflow="overflow" horzOverflow="overflow" vert="horz" wrap="square" lIns="51435" tIns="25718" rIns="51435" bIns="25718" numCol="1" spcCol="0" rtlCol="0" fromWordArt="0" anchor="t" anchorCtr="0" forceAA="0" compatLnSpc="1">
+            <a:prstTxWarp prst="textNoShape">
+              <a:avLst/>
+            </a:prstTxWarp>
+            <a:noAutofit/>
+          </a:bodyPr>
+          <a:lstStyle/>
+          <a:p>
+            <a:r>
+              <a:rPr lang="en-US" sz="1000" dirty="0">
+                <a:latin typeface="Century" panose="02040604050505020304" pitchFamily="18" charset="0"/>
+              </a:rPr>
+              <a:t>CAIT</a:t>
+            </a:r>
+          </a:p>
+          <a:p>
+            <a:r>
+              <a:rPr lang="en-US" sz="1000" i="1" dirty="0">
+                <a:latin typeface="Century" panose="02040604050505020304" pitchFamily="18" charset="0"/>
+              </a:rPr>
+              <a:t>Checks students' code for patterns</a:t>
+            </a:r>
+          </a:p>
+        </p:txBody>
+      </p:sp>
+      <p:sp>
+        <p:nvSpPr>
+          <p:cNvPr id="15" name="Rectangle 14">
+            <a:extLst>
+              <a:ext uri="{FF2B5EF4-FFF2-40B4-BE49-F238E27FC236}">
+                <a16:creationId xmlns:a16="http://schemas.microsoft.com/office/drawing/2014/main" id="{AB5419AB-AF10-496E-8DEB-E1DB9B4689BA}"/>
+              </a:ext>
+            </a:extLst>
+          </p:cNvPr>
+          <p:cNvSpPr/>
+          <p:nvPr/>
+        </p:nvSpPr>
+        <p:spPr>
+          <a:xfrm>
+            <a:off x="3745544" y="3611661"/>
+            <a:ext cx="1188720" cy="548640"/>
+          </a:xfrm>
+          <a:prstGeom prst="rect">
+            <a:avLst/>
+          </a:prstGeom>
+        </p:spPr>
+        <p:style>
+          <a:lnRef idx="2">
+            <a:schemeClr val="dk1"/>
+          </a:lnRef>
+          <a:fillRef idx="1">
+            <a:schemeClr val="lt1"/>
+          </a:fillRef>
+          <a:effectRef idx="0">
+            <a:schemeClr val="dk1"/>
+          </a:effectRef>
+          <a:fontRef idx="minor">
+            <a:schemeClr val="dk1"/>
+          </a:fontRef>
+        </p:style>
+        <p:txBody>
+          <a:bodyPr rot="0" spcFirstLastPara="0" vertOverflow="overflow" horzOverflow="overflow" vert="horz" wrap="square" lIns="51435" tIns="25718" rIns="51435" bIns="25718" numCol="1" spcCol="0" rtlCol="0" fromWordArt="0" anchor="t" anchorCtr="0" forceAA="0" compatLnSpc="1">
+            <a:prstTxWarp prst="textNoShape">
+              <a:avLst/>
+            </a:prstTxWarp>
+            <a:noAutofit/>
+          </a:bodyPr>
+          <a:lstStyle/>
+          <a:p>
+            <a:r>
+              <a:rPr lang="en-US" sz="1000" dirty="0">
+                <a:latin typeface="Century" panose="02040604050505020304" pitchFamily="18" charset="0"/>
+              </a:rPr>
+              <a:t>Mistakes</a:t>
+            </a:r>
+          </a:p>
+          <a:p>
+            <a:r>
+              <a:rPr lang="en-US" sz="1000" i="1" dirty="0">
+                <a:latin typeface="Century" panose="02040604050505020304" pitchFamily="18" charset="0"/>
+              </a:rPr>
+              <a:t>A collection of bad code patterns</a:t>
+            </a:r>
+          </a:p>
+        </p:txBody>
+      </p:sp>
+      <p:sp>
+        <p:nvSpPr>
+          <p:cNvPr id="16" name="Rectangle 15">
+            <a:extLst>
+              <a:ext uri="{FF2B5EF4-FFF2-40B4-BE49-F238E27FC236}">
+                <a16:creationId xmlns:a16="http://schemas.microsoft.com/office/drawing/2014/main" id="{977ED7C8-221A-4DD2-83D8-8A88793499A6}"/>
+              </a:ext>
+            </a:extLst>
+          </p:cNvPr>
+          <p:cNvSpPr/>
+          <p:nvPr/>
+        </p:nvSpPr>
+        <p:spPr>
+          <a:xfrm>
+            <a:off x="2090532" y="3611661"/>
+            <a:ext cx="1361631" cy="548640"/>
+          </a:xfrm>
+          <a:prstGeom prst="rect">
+            <a:avLst/>
+          </a:prstGeom>
+        </p:spPr>
+        <p:style>
+          <a:lnRef idx="2">
+            <a:schemeClr val="dk1"/>
+          </a:lnRef>
+          <a:fillRef idx="1">
+            <a:schemeClr val="lt1"/>
+          </a:fillRef>
+          <a:effectRef idx="0">
+            <a:schemeClr val="dk1"/>
+          </a:effectRef>
+          <a:fontRef idx="minor">
+            <a:schemeClr val="dk1"/>
+          </a:fontRef>
+        </p:style>
+        <p:txBody>
+          <a:bodyPr rot="0" spcFirstLastPara="0" vertOverflow="overflow" horzOverflow="overflow" vert="horz" wrap="square" lIns="51435" tIns="25718" rIns="51435" bIns="25718" numCol="1" spcCol="0" rtlCol="0" fromWordArt="0" anchor="t" anchorCtr="0" forceAA="0" compatLnSpc="1">
+            <a:prstTxWarp prst="textNoShape">
+              <a:avLst/>
+            </a:prstTxWarp>
+            <a:noAutofit/>
+          </a:bodyPr>
+          <a:lstStyle/>
+          <a:p>
+            <a:r>
+              <a:rPr lang="en-US" sz="1000" dirty="0">
+                <a:latin typeface="Century" panose="02040604050505020304" pitchFamily="18" charset="0"/>
+              </a:rPr>
+              <a:t>Toolkit</a:t>
+            </a:r>
+          </a:p>
+          <a:p>
+            <a:r>
+              <a:rPr lang="en-US" sz="1000" i="1" dirty="0">
+                <a:latin typeface="Century" panose="02040604050505020304" pitchFamily="18" charset="0"/>
+              </a:rPr>
+              <a:t>Utilities for checking students' code</a:t>
+            </a:r>
+          </a:p>
+        </p:txBody>
+      </p:sp>
+      <p:sp>
+        <p:nvSpPr>
+          <p:cNvPr id="17" name="Rectangle 16">
+            <a:extLst>
+              <a:ext uri="{FF2B5EF4-FFF2-40B4-BE49-F238E27FC236}">
+                <a16:creationId xmlns:a16="http://schemas.microsoft.com/office/drawing/2014/main" id="{965BE49C-522F-4EB6-8199-D4C6A0C397AF}"/>
+              </a:ext>
+            </a:extLst>
+          </p:cNvPr>
+          <p:cNvSpPr/>
+          <p:nvPr/>
+        </p:nvSpPr>
+        <p:spPr>
+          <a:xfrm>
+            <a:off x="3573788" y="1693180"/>
+            <a:ext cx="1043347" cy="548640"/>
+          </a:xfrm>
+          <a:prstGeom prst="rect">
+            <a:avLst/>
+          </a:prstGeom>
+        </p:spPr>
+        <p:style>
+          <a:lnRef idx="2">
+            <a:schemeClr val="dk1"/>
+          </a:lnRef>
+          <a:fillRef idx="1">
+            <a:schemeClr val="lt1"/>
+          </a:fillRef>
+          <a:effectRef idx="0">
+            <a:schemeClr val="dk1"/>
+          </a:effectRef>
+          <a:fontRef idx="minor">
+            <a:schemeClr val="dk1"/>
+          </a:fontRef>
+        </p:style>
+        <p:txBody>
+          <a:bodyPr rot="0" spcFirstLastPara="0" vertOverflow="overflow" horzOverflow="overflow" vert="horz" wrap="square" lIns="51435" tIns="25718" rIns="51435" bIns="25718" numCol="1" spcCol="0" rtlCol="0" fromWordArt="0" anchor="t" anchorCtr="0" forceAA="0" compatLnSpc="1">
+            <a:prstTxWarp prst="textNoShape">
+              <a:avLst/>
+            </a:prstTxWarp>
+            <a:noAutofit/>
+          </a:bodyPr>
+          <a:lstStyle/>
+          <a:p>
+            <a:r>
+              <a:rPr lang="en-US" sz="1000" dirty="0">
+                <a:latin typeface="Century" panose="02040604050505020304" pitchFamily="18" charset="0"/>
+              </a:rPr>
+              <a:t>Sandbox</a:t>
+            </a:r>
+          </a:p>
+          <a:p>
+            <a:r>
+              <a:rPr lang="en-US" sz="1000" i="1" dirty="0">
+                <a:latin typeface="Century" panose="02040604050505020304" pitchFamily="18" charset="0"/>
+              </a:rPr>
+              <a:t>Safely execute students' code</a:t>
+            </a:r>
+          </a:p>
+        </p:txBody>
+      </p:sp>
+      <p:sp>
+        <p:nvSpPr>
+          <p:cNvPr id="18" name="Rectangle 17">
+            <a:extLst>
+              <a:ext uri="{FF2B5EF4-FFF2-40B4-BE49-F238E27FC236}">
+                <a16:creationId xmlns:a16="http://schemas.microsoft.com/office/drawing/2014/main" id="{81B32221-5266-4BCA-8D9B-F9D1A94E0F25}"/>
+              </a:ext>
+            </a:extLst>
+          </p:cNvPr>
+          <p:cNvSpPr/>
+          <p:nvPr/>
+        </p:nvSpPr>
+        <p:spPr>
+          <a:xfrm>
+            <a:off x="4768943" y="2100898"/>
+            <a:ext cx="1188720" cy="548640"/>
+          </a:xfrm>
+          <a:prstGeom prst="rect">
+            <a:avLst/>
+          </a:prstGeom>
+        </p:spPr>
+        <p:style>
+          <a:lnRef idx="2">
+            <a:schemeClr val="dk1"/>
+          </a:lnRef>
+          <a:fillRef idx="1">
+            <a:schemeClr val="lt1"/>
+          </a:fillRef>
+          <a:effectRef idx="0">
+            <a:schemeClr val="dk1"/>
+          </a:effectRef>
+          <a:fontRef idx="minor">
+            <a:schemeClr val="dk1"/>
+          </a:fontRef>
+        </p:style>
+        <p:txBody>
+          <a:bodyPr rot="0" spcFirstLastPara="0" vertOverflow="overflow" horzOverflow="overflow" vert="horz" wrap="square" lIns="51435" tIns="25718" rIns="51435" bIns="25718" numCol="1" spcCol="0" rtlCol="0" fromWordArt="0" anchor="t" anchorCtr="0" forceAA="0" compatLnSpc="1">
+            <a:prstTxWarp prst="textNoShape">
+              <a:avLst/>
+            </a:prstTxWarp>
+            <a:noAutofit/>
+          </a:bodyPr>
+          <a:lstStyle/>
+          <a:p>
+            <a:r>
+              <a:rPr lang="en-US" sz="1000" dirty="0">
+                <a:latin typeface="Century" panose="02040604050505020304" pitchFamily="18" charset="0"/>
+              </a:rPr>
+              <a:t>Assertions</a:t>
+            </a:r>
+          </a:p>
+          <a:p>
+            <a:r>
+              <a:rPr lang="en-US" sz="1000" i="1" dirty="0" err="1">
+                <a:latin typeface="Century" panose="02040604050505020304" pitchFamily="18" charset="0"/>
+              </a:rPr>
+              <a:t>Unittest</a:t>
+            </a:r>
+            <a:r>
+              <a:rPr lang="en-US" sz="1000" i="1" dirty="0">
+                <a:latin typeface="Century" panose="02040604050505020304" pitchFamily="18" charset="0"/>
+              </a:rPr>
+              <a:t>-style API for writing tests</a:t>
+            </a:r>
+          </a:p>
+        </p:txBody>
+      </p:sp>
+      <p:cxnSp>
+        <p:nvCxnSpPr>
+          <p:cNvPr id="21" name="Straight Arrow Connector 20">
+            <a:extLst>
+              <a:ext uri="{FF2B5EF4-FFF2-40B4-BE49-F238E27FC236}">
+                <a16:creationId xmlns:a16="http://schemas.microsoft.com/office/drawing/2014/main" id="{DDFE2DE8-F158-4D38-8521-B6E53065EEFB}"/>
+              </a:ext>
+            </a:extLst>
+          </p:cNvPr>
+          <p:cNvCxnSpPr>
+            <a:cxnSpLocks/>
+            <a:stCxn id="12" idx="3"/>
+            <a:endCxn id="17" idx="1"/>
+          </p:cNvCxnSpPr>
+          <p:nvPr/>
+        </p:nvCxnSpPr>
+        <p:spPr>
+          <a:xfrm flipV="1">
+            <a:off x="3284214" y="1967500"/>
+            <a:ext cx="289574" cy="114740"/>
+          </a:xfrm>
+          <a:prstGeom prst="curvedConnector3">
+            <a:avLst>
+              <a:gd name="adj1" fmla="val 50000"/>
+            </a:avLst>
+          </a:prstGeom>
+          <a:ln>
+            <a:tailEnd type="triangle"/>
+          </a:ln>
+        </p:spPr>
+        <p:style>
+          <a:lnRef idx="3">
+            <a:schemeClr val="dk1"/>
+          </a:lnRef>
+          <a:fillRef idx="0">
+            <a:schemeClr val="dk1"/>
+          </a:fillRef>
+          <a:effectRef idx="2">
+            <a:schemeClr val="dk1"/>
+          </a:effectRef>
+          <a:fontRef idx="minor">
+            <a:schemeClr val="tx1"/>
+          </a:fontRef>
+        </p:style>
+      </p:cxnSp>
+      <p:cxnSp>
+        <p:nvCxnSpPr>
+          <p:cNvPr id="22" name="Straight Arrow Connector 21">
+            <a:extLst>
+              <a:ext uri="{FF2B5EF4-FFF2-40B4-BE49-F238E27FC236}">
+                <a16:creationId xmlns:a16="http://schemas.microsoft.com/office/drawing/2014/main" id="{1E30E901-F0D4-44BB-9EFE-2028853942BB}"/>
+              </a:ext>
+            </a:extLst>
+          </p:cNvPr>
+          <p:cNvCxnSpPr>
+            <a:cxnSpLocks/>
+            <a:stCxn id="12" idx="2"/>
+            <a:endCxn id="13" idx="0"/>
+          </p:cNvCxnSpPr>
+          <p:nvPr/>
+        </p:nvCxnSpPr>
+        <p:spPr>
+          <a:xfrm rot="16200000" flipH="1">
+            <a:off x="2551476" y="2494938"/>
+            <a:ext cx="353230" cy="76474"/>
+          </a:xfrm>
+          <a:prstGeom prst="curvedConnector3">
+            <a:avLst>
+              <a:gd name="adj1" fmla="val 50000"/>
+            </a:avLst>
+          </a:prstGeom>
+          <a:ln>
+            <a:tailEnd type="triangle"/>
+          </a:ln>
+        </p:spPr>
+        <p:style>
+          <a:lnRef idx="3">
+            <a:schemeClr val="dk1"/>
+          </a:lnRef>
+          <a:fillRef idx="0">
+            <a:schemeClr val="dk1"/>
+          </a:fillRef>
+          <a:effectRef idx="2">
+            <a:schemeClr val="dk1"/>
+          </a:effectRef>
+          <a:fontRef idx="minor">
+            <a:schemeClr val="tx1"/>
+          </a:fontRef>
+        </p:style>
+      </p:cxnSp>
+      <p:cxnSp>
+        <p:nvCxnSpPr>
+          <p:cNvPr id="25" name="Straight Arrow Connector 21">
+            <a:extLst>
+              <a:ext uri="{FF2B5EF4-FFF2-40B4-BE49-F238E27FC236}">
+                <a16:creationId xmlns:a16="http://schemas.microsoft.com/office/drawing/2014/main" id="{7E7DA219-CF56-41A2-92ED-59CDA58963EF}"/>
+              </a:ext>
+            </a:extLst>
+          </p:cNvPr>
+          <p:cNvCxnSpPr>
+            <a:cxnSpLocks/>
+            <a:stCxn id="12" idx="2"/>
+            <a:endCxn id="14" idx="0"/>
+          </p:cNvCxnSpPr>
+          <p:nvPr/>
+        </p:nvCxnSpPr>
+        <p:spPr>
+          <a:xfrm rot="16200000" flipH="1">
+            <a:off x="3330454" y="1715960"/>
+            <a:ext cx="432141" cy="1713340"/>
+          </a:xfrm>
+          <a:prstGeom prst="curvedConnector3">
+            <a:avLst>
+              <a:gd name="adj1" fmla="val 50000"/>
+            </a:avLst>
+          </a:prstGeom>
+          <a:ln>
+            <a:tailEnd type="triangle"/>
+          </a:ln>
+        </p:spPr>
+        <p:style>
+          <a:lnRef idx="3">
+            <a:schemeClr val="dk1"/>
+          </a:lnRef>
+          <a:fillRef idx="0">
+            <a:schemeClr val="dk1"/>
+          </a:fillRef>
+          <a:effectRef idx="2">
+            <a:schemeClr val="dk1"/>
+          </a:effectRef>
+          <a:fontRef idx="minor">
+            <a:schemeClr val="tx1"/>
+          </a:fontRef>
+        </p:style>
+      </p:cxnSp>
+      <p:cxnSp>
+        <p:nvCxnSpPr>
+          <p:cNvPr id="36" name="Straight Arrow Connector 21">
+            <a:extLst>
+              <a:ext uri="{FF2B5EF4-FFF2-40B4-BE49-F238E27FC236}">
+                <a16:creationId xmlns:a16="http://schemas.microsoft.com/office/drawing/2014/main" id="{368DDB18-2297-4D0B-A793-79A0806F46B1}"/>
+              </a:ext>
+            </a:extLst>
+          </p:cNvPr>
+          <p:cNvCxnSpPr>
+            <a:cxnSpLocks/>
+            <a:stCxn id="13" idx="3"/>
+            <a:endCxn id="14" idx="1"/>
+          </p:cNvCxnSpPr>
+          <p:nvPr/>
+        </p:nvCxnSpPr>
+        <p:spPr>
+          <a:xfrm>
+            <a:off x="3447144" y="2984110"/>
+            <a:ext cx="361690" cy="78911"/>
+          </a:xfrm>
+          <a:prstGeom prst="curvedConnector3">
+            <a:avLst>
+              <a:gd name="adj1" fmla="val 50000"/>
+            </a:avLst>
+          </a:prstGeom>
+          <a:ln>
+            <a:prstDash val="sysDot"/>
+            <a:tailEnd type="triangle"/>
+          </a:ln>
+        </p:spPr>
+        <p:style>
+          <a:lnRef idx="3">
+            <a:schemeClr val="dk1"/>
+          </a:lnRef>
+          <a:fillRef idx="0">
+            <a:schemeClr val="dk1"/>
+          </a:fillRef>
+          <a:effectRef idx="2">
+            <a:schemeClr val="dk1"/>
+          </a:effectRef>
+          <a:fontRef idx="minor">
+            <a:schemeClr val="tx1"/>
+          </a:fontRef>
+        </p:style>
+      </p:cxnSp>
+      <p:cxnSp>
+        <p:nvCxnSpPr>
+          <p:cNvPr id="43" name="Straight Arrow Connector 21">
+            <a:extLst>
+              <a:ext uri="{FF2B5EF4-FFF2-40B4-BE49-F238E27FC236}">
+                <a16:creationId xmlns:a16="http://schemas.microsoft.com/office/drawing/2014/main" id="{A8D80F58-2271-4480-8086-32A979821221}"/>
+              </a:ext>
+            </a:extLst>
+          </p:cNvPr>
+          <p:cNvCxnSpPr>
+            <a:cxnSpLocks/>
+            <a:stCxn id="17" idx="3"/>
+            <a:endCxn id="18" idx="0"/>
+          </p:cNvCxnSpPr>
+          <p:nvPr/>
+        </p:nvCxnSpPr>
+        <p:spPr>
+          <a:xfrm>
+            <a:off x="4617135" y="1967500"/>
+            <a:ext cx="746168" cy="133398"/>
+          </a:xfrm>
+          <a:prstGeom prst="curvedConnector2">
+            <a:avLst/>
+          </a:prstGeom>
+          <a:ln>
+            <a:prstDash val="dash"/>
+            <a:tailEnd type="triangle"/>
+          </a:ln>
+        </p:spPr>
+        <p:style>
+          <a:lnRef idx="3">
+            <a:schemeClr val="dk1"/>
+          </a:lnRef>
+          <a:fillRef idx="0">
+            <a:schemeClr val="dk1"/>
+          </a:fillRef>
+          <a:effectRef idx="2">
+            <a:schemeClr val="dk1"/>
+          </a:effectRef>
+          <a:fontRef idx="minor">
+            <a:schemeClr val="tx1"/>
+          </a:fontRef>
+        </p:style>
+      </p:cxnSp>
+      <p:cxnSp>
+        <p:nvCxnSpPr>
+          <p:cNvPr id="46" name="Straight Arrow Connector 21">
+            <a:extLst>
+              <a:ext uri="{FF2B5EF4-FFF2-40B4-BE49-F238E27FC236}">
+                <a16:creationId xmlns:a16="http://schemas.microsoft.com/office/drawing/2014/main" id="{F9704A71-224D-4957-B9CB-62183E20F65F}"/>
+              </a:ext>
+            </a:extLst>
+          </p:cNvPr>
+          <p:cNvCxnSpPr>
+            <a:cxnSpLocks/>
+            <a:stCxn id="14" idx="2"/>
+            <a:endCxn id="15" idx="0"/>
+          </p:cNvCxnSpPr>
+          <p:nvPr/>
+        </p:nvCxnSpPr>
+        <p:spPr>
+          <a:xfrm rot="5400000">
+            <a:off x="4234389" y="3442856"/>
+            <a:ext cx="274320" cy="63290"/>
+          </a:xfrm>
+          <a:prstGeom prst="curvedConnector3">
+            <a:avLst>
+              <a:gd name="adj1" fmla="val 50000"/>
+            </a:avLst>
+          </a:prstGeom>
+          <a:ln>
+            <a:tailEnd type="triangle"/>
+          </a:ln>
+        </p:spPr>
+        <p:style>
+          <a:lnRef idx="3">
+            <a:schemeClr val="dk1"/>
+          </a:lnRef>
+          <a:fillRef idx="0">
+            <a:schemeClr val="dk1"/>
+          </a:fillRef>
+          <a:effectRef idx="2">
+            <a:schemeClr val="dk1"/>
+          </a:effectRef>
+          <a:fontRef idx="minor">
+            <a:schemeClr val="tx1"/>
+          </a:fontRef>
+        </p:style>
+      </p:cxnSp>
+      <p:cxnSp>
+        <p:nvCxnSpPr>
+          <p:cNvPr id="49" name="Straight Arrow Connector 21">
+            <a:extLst>
+              <a:ext uri="{FF2B5EF4-FFF2-40B4-BE49-F238E27FC236}">
+                <a16:creationId xmlns:a16="http://schemas.microsoft.com/office/drawing/2014/main" id="{D4FA571F-05EF-49BF-9E80-0F14D3A38386}"/>
+              </a:ext>
+            </a:extLst>
+          </p:cNvPr>
+          <p:cNvCxnSpPr>
+            <a:cxnSpLocks/>
+            <a:stCxn id="13" idx="2"/>
+            <a:endCxn id="16" idx="0"/>
+          </p:cNvCxnSpPr>
+          <p:nvPr/>
+        </p:nvCxnSpPr>
+        <p:spPr>
+          <a:xfrm rot="16200000" flipH="1">
+            <a:off x="2592223" y="3432535"/>
+            <a:ext cx="353231" cy="5020"/>
+          </a:xfrm>
+          <a:prstGeom prst="curvedConnector3">
+            <a:avLst>
+              <a:gd name="adj1" fmla="val 50000"/>
+            </a:avLst>
+          </a:prstGeom>
+          <a:ln>
+            <a:tailEnd type="triangle"/>
+          </a:ln>
+        </p:spPr>
+        <p:style>
+          <a:lnRef idx="3">
+            <a:schemeClr val="dk1"/>
+          </a:lnRef>
+          <a:fillRef idx="0">
+            <a:schemeClr val="dk1"/>
+          </a:fillRef>
+          <a:effectRef idx="2">
+            <a:schemeClr val="dk1"/>
+          </a:effectRef>
+          <a:fontRef idx="minor">
+            <a:schemeClr val="tx1"/>
+          </a:fontRef>
+        </p:style>
+      </p:cxnSp>
+      <p:cxnSp>
+        <p:nvCxnSpPr>
+          <p:cNvPr id="52" name="Straight Arrow Connector 21">
+            <a:extLst>
+              <a:ext uri="{FF2B5EF4-FFF2-40B4-BE49-F238E27FC236}">
+                <a16:creationId xmlns:a16="http://schemas.microsoft.com/office/drawing/2014/main" id="{89F9E287-C254-4993-8396-750FB7160FE1}"/>
+              </a:ext>
+            </a:extLst>
+          </p:cNvPr>
+          <p:cNvCxnSpPr>
+            <a:cxnSpLocks/>
+            <a:stCxn id="14" idx="2"/>
+            <a:endCxn id="16" idx="0"/>
+          </p:cNvCxnSpPr>
+          <p:nvPr/>
+        </p:nvCxnSpPr>
+        <p:spPr>
+          <a:xfrm rot="5400000">
+            <a:off x="3450111" y="2658578"/>
+            <a:ext cx="274320" cy="1631846"/>
+          </a:xfrm>
+          <a:prstGeom prst="curvedConnector3">
+            <a:avLst>
+              <a:gd name="adj1" fmla="val 50000"/>
+            </a:avLst>
+          </a:prstGeom>
+          <a:ln>
+            <a:tailEnd type="triangle"/>
+          </a:ln>
+        </p:spPr>
+        <p:style>
+          <a:lnRef idx="3">
+            <a:schemeClr val="dk1"/>
+          </a:lnRef>
+          <a:fillRef idx="0">
+            <a:schemeClr val="dk1"/>
+          </a:fillRef>
+          <a:effectRef idx="2">
+            <a:schemeClr val="dk1"/>
+          </a:effectRef>
+          <a:fontRef idx="minor">
+            <a:schemeClr val="tx1"/>
+          </a:fontRef>
+        </p:style>
+      </p:cxnSp>
+      <p:cxnSp>
+        <p:nvCxnSpPr>
+          <p:cNvPr id="102" name="Straight Arrow Connector 21">
+            <a:extLst>
+              <a:ext uri="{FF2B5EF4-FFF2-40B4-BE49-F238E27FC236}">
+                <a16:creationId xmlns:a16="http://schemas.microsoft.com/office/drawing/2014/main" id="{C4C941C5-EFFB-4362-BBB0-281571AFCC35}"/>
+              </a:ext>
+            </a:extLst>
+          </p:cNvPr>
+          <p:cNvCxnSpPr>
+            <a:cxnSpLocks/>
+            <a:stCxn id="10" idx="2"/>
+            <a:endCxn id="4" idx="0"/>
+          </p:cNvCxnSpPr>
+          <p:nvPr/>
+        </p:nvCxnSpPr>
+        <p:spPr>
+          <a:xfrm rot="5400000">
+            <a:off x="785497" y="2228729"/>
+            <a:ext cx="292978" cy="1"/>
+          </a:xfrm>
+          <a:prstGeom prst="curvedConnector3">
+            <a:avLst>
+              <a:gd name="adj1" fmla="val 50000"/>
+            </a:avLst>
+          </a:prstGeom>
+          <a:ln>
+            <a:tailEnd type="triangle"/>
+          </a:ln>
+        </p:spPr>
+        <p:style>
+          <a:lnRef idx="3">
+            <a:schemeClr val="dk1"/>
+          </a:lnRef>
+          <a:fillRef idx="0">
+            <a:schemeClr val="dk1"/>
+          </a:fillRef>
+          <a:effectRef idx="2">
+            <a:schemeClr val="dk1"/>
+          </a:effectRef>
+          <a:fontRef idx="minor">
+            <a:schemeClr val="tx1"/>
+          </a:fontRef>
+        </p:style>
+      </p:cxnSp>
+      <p:cxnSp>
+        <p:nvCxnSpPr>
+          <p:cNvPr id="105" name="Straight Arrow Connector 21">
+            <a:extLst>
+              <a:ext uri="{FF2B5EF4-FFF2-40B4-BE49-F238E27FC236}">
+                <a16:creationId xmlns:a16="http://schemas.microsoft.com/office/drawing/2014/main" id="{07FC36F4-B8DD-430E-88DC-363BF256F172}"/>
+              </a:ext>
+            </a:extLst>
+          </p:cNvPr>
+          <p:cNvCxnSpPr>
+            <a:cxnSpLocks/>
+            <a:stCxn id="4" idx="2"/>
+            <a:endCxn id="11" idx="0"/>
+          </p:cNvCxnSpPr>
+          <p:nvPr/>
+        </p:nvCxnSpPr>
+        <p:spPr>
+          <a:xfrm rot="16200000" flipH="1">
+            <a:off x="713131" y="3142711"/>
+            <a:ext cx="443300" cy="5593"/>
+          </a:xfrm>
+          <a:prstGeom prst="curvedConnector3">
+            <a:avLst>
+              <a:gd name="adj1" fmla="val 50000"/>
+            </a:avLst>
+          </a:prstGeom>
+          <a:ln>
+            <a:tailEnd type="triangle"/>
+          </a:ln>
+        </p:spPr>
+        <p:style>
+          <a:lnRef idx="3">
+            <a:schemeClr val="dk1"/>
+          </a:lnRef>
+          <a:fillRef idx="0">
+            <a:schemeClr val="dk1"/>
+          </a:fillRef>
+          <a:effectRef idx="2">
+            <a:schemeClr val="dk1"/>
+          </a:effectRef>
+          <a:fontRef idx="minor">
+            <a:schemeClr val="tx1"/>
+          </a:fontRef>
+        </p:style>
+      </p:cxnSp>
+      <p:cxnSp>
+        <p:nvCxnSpPr>
+          <p:cNvPr id="108" name="Straight Arrow Connector 21">
+            <a:extLst>
+              <a:ext uri="{FF2B5EF4-FFF2-40B4-BE49-F238E27FC236}">
+                <a16:creationId xmlns:a16="http://schemas.microsoft.com/office/drawing/2014/main" id="{A63C040F-B2D4-45BE-99B3-02D3523F690C}"/>
+              </a:ext>
+            </a:extLst>
+          </p:cNvPr>
+          <p:cNvCxnSpPr>
+            <a:cxnSpLocks/>
+          </p:cNvCxnSpPr>
+          <p:nvPr/>
+        </p:nvCxnSpPr>
+        <p:spPr>
+          <a:xfrm>
+            <a:off x="1526345" y="2632065"/>
+            <a:ext cx="357262" cy="0"/>
+          </a:xfrm>
+          <a:prstGeom prst="straightConnector1">
+            <a:avLst/>
+          </a:prstGeom>
+          <a:ln>
+            <a:headEnd type="triangle" w="med" len="med"/>
+            <a:tailEnd type="triangle" w="med" len="med"/>
+          </a:ln>
+        </p:spPr>
+        <p:style>
+          <a:lnRef idx="3">
+            <a:schemeClr val="dk1"/>
+          </a:lnRef>
+          <a:fillRef idx="0">
+            <a:schemeClr val="dk1"/>
+          </a:fillRef>
+          <a:effectRef idx="2">
+            <a:schemeClr val="dk1"/>
+          </a:effectRef>
+          <a:fontRef idx="minor">
+            <a:schemeClr val="tx1"/>
+          </a:fontRef>
+        </p:style>
+      </p:cxnSp>
+      <p:cxnSp>
+        <p:nvCxnSpPr>
+          <p:cNvPr id="117" name="Straight Arrow Connector 21">
+            <a:extLst>
+              <a:ext uri="{FF2B5EF4-FFF2-40B4-BE49-F238E27FC236}">
+                <a16:creationId xmlns:a16="http://schemas.microsoft.com/office/drawing/2014/main" id="{E9D8771C-AEF7-4309-B718-461D6DF55968}"/>
+              </a:ext>
+            </a:extLst>
+          </p:cNvPr>
+          <p:cNvCxnSpPr>
+            <a:cxnSpLocks/>
+          </p:cNvCxnSpPr>
+          <p:nvPr/>
+        </p:nvCxnSpPr>
+        <p:spPr>
+          <a:xfrm flipV="1">
+            <a:off x="5226376" y="3742735"/>
+            <a:ext cx="671182" cy="2"/>
+          </a:xfrm>
+          <a:prstGeom prst="curvedConnector3">
+            <a:avLst>
+              <a:gd name="adj1" fmla="val 50000"/>
+            </a:avLst>
+          </a:prstGeom>
+          <a:ln>
+            <a:tailEnd type="triangle"/>
+          </a:ln>
+        </p:spPr>
+        <p:style>
+          <a:lnRef idx="3">
+            <a:schemeClr val="dk1"/>
+          </a:lnRef>
+          <a:fillRef idx="0">
+            <a:schemeClr val="dk1"/>
+          </a:fillRef>
+          <a:effectRef idx="2">
+            <a:schemeClr val="dk1"/>
+          </a:effectRef>
+          <a:fontRef idx="minor">
+            <a:schemeClr val="tx1"/>
+          </a:fontRef>
+        </p:style>
+      </p:cxnSp>
+      <p:cxnSp>
+        <p:nvCxnSpPr>
+          <p:cNvPr id="119" name="Straight Arrow Connector 21">
+            <a:extLst>
+              <a:ext uri="{FF2B5EF4-FFF2-40B4-BE49-F238E27FC236}">
+                <a16:creationId xmlns:a16="http://schemas.microsoft.com/office/drawing/2014/main" id="{F1C92D21-D4B4-4F57-9F9A-2303AA404DA5}"/>
+              </a:ext>
+            </a:extLst>
+          </p:cNvPr>
+          <p:cNvCxnSpPr>
+            <a:cxnSpLocks/>
+          </p:cNvCxnSpPr>
+          <p:nvPr/>
+        </p:nvCxnSpPr>
+        <p:spPr>
+          <a:xfrm flipV="1">
+            <a:off x="5226376" y="4086641"/>
+            <a:ext cx="671182" cy="2"/>
+          </a:xfrm>
+          <a:prstGeom prst="curvedConnector3">
+            <a:avLst>
+              <a:gd name="adj1" fmla="val 50000"/>
+            </a:avLst>
+          </a:prstGeom>
+          <a:ln>
+            <a:prstDash val="dash"/>
+            <a:tailEnd type="triangle"/>
+          </a:ln>
+        </p:spPr>
+        <p:style>
+          <a:lnRef idx="3">
+            <a:schemeClr val="dk1"/>
+          </a:lnRef>
+          <a:fillRef idx="0">
+            <a:schemeClr val="dk1"/>
+          </a:fillRef>
+          <a:effectRef idx="2">
+            <a:schemeClr val="dk1"/>
+          </a:effectRef>
+          <a:fontRef idx="minor">
+            <a:schemeClr val="tx1"/>
+          </a:fontRef>
+        </p:style>
+      </p:cxnSp>
+      <p:sp>
+        <p:nvSpPr>
+          <p:cNvPr id="121" name="Rectangle 120">
+            <a:extLst>
+              <a:ext uri="{FF2B5EF4-FFF2-40B4-BE49-F238E27FC236}">
+                <a16:creationId xmlns:a16="http://schemas.microsoft.com/office/drawing/2014/main" id="{DB5F36A4-0E89-4BD3-9EDB-565028315450}"/>
+              </a:ext>
+            </a:extLst>
+          </p:cNvPr>
+          <p:cNvSpPr/>
+          <p:nvPr/>
+        </p:nvSpPr>
+        <p:spPr>
+          <a:xfrm>
+            <a:off x="5017573" y="3513223"/>
+            <a:ext cx="875561" cy="246221"/>
+          </a:xfrm>
+          <a:prstGeom prst="rect">
+            <a:avLst/>
+          </a:prstGeom>
+        </p:spPr>
+        <p:txBody>
+          <a:bodyPr wrap="none">
+            <a:spAutoFit/>
+          </a:bodyPr>
+          <a:lstStyle/>
+          <a:p>
+            <a:r>
+              <a:rPr lang="en-US" sz="1000" i="1" dirty="0">
+                <a:latin typeface="Century" panose="02040604050505020304" pitchFamily="18" charset="0"/>
+              </a:rPr>
+              <a:t>Depends on</a:t>
+            </a:r>
+          </a:p>
+        </p:txBody>
+      </p:sp>
+      <p:sp>
+        <p:nvSpPr>
+          <p:cNvPr id="122" name="Rectangle 121">
+            <a:extLst>
+              <a:ext uri="{FF2B5EF4-FFF2-40B4-BE49-F238E27FC236}">
+                <a16:creationId xmlns:a16="http://schemas.microsoft.com/office/drawing/2014/main" id="{20D9D442-1F18-4601-A8D8-2D2FFE08F7B9}"/>
+              </a:ext>
+            </a:extLst>
+          </p:cNvPr>
+          <p:cNvSpPr/>
+          <p:nvPr/>
+        </p:nvSpPr>
+        <p:spPr>
+          <a:xfrm>
+            <a:off x="5036910" y="3734016"/>
+            <a:ext cx="849913" cy="400110"/>
+          </a:xfrm>
+          <a:prstGeom prst="rect">
+            <a:avLst/>
+          </a:prstGeom>
+        </p:spPr>
+        <p:txBody>
+          <a:bodyPr wrap="none">
+            <a:spAutoFit/>
+          </a:bodyPr>
+          <a:lstStyle/>
+          <a:p>
+            <a:r>
+              <a:rPr lang="en-US" sz="1000" i="1" dirty="0">
+                <a:latin typeface="Century" panose="02040604050505020304" pitchFamily="18" charset="0"/>
+              </a:rPr>
+              <a:t>Optionally</a:t>
+            </a:r>
+          </a:p>
+          <a:p>
+            <a:r>
+              <a:rPr lang="en-US" sz="1000" i="1" dirty="0">
+                <a:latin typeface="Century" panose="02040604050505020304" pitchFamily="18" charset="0"/>
+              </a:rPr>
+              <a:t>depends on</a:t>
+            </a:r>
+          </a:p>
+        </p:txBody>
+      </p:sp>
+    </p:spTree>
+    <p:extLst>
+      <p:ext uri="{BB962C8B-B14F-4D97-AF65-F5344CB8AC3E}">
+        <p14:creationId xmlns:p14="http://schemas.microsoft.com/office/powerpoint/2010/main" val="1180040786"/>
+      </p:ext>
+    </p:extLst>
+  </p:cSld>
+  <p:clrMapOvr>
+    <a:masterClrMapping/>
+  </p:clrMapOvr>
+</p:sld>
+</file>
+
 <file path=ppt/theme/theme1.xml><?xml version="1.0" encoding="utf-8"?>
 <a:theme xmlns:a="http://schemas.openxmlformats.org/drawingml/2006/main" name="Office Theme">
   <a:themeElements>
-    <a:clrScheme name="Office">
+    <a:clrScheme name="Office Theme">
       <a:dk1>
         <a:sysClr val="windowText" lastClr="000000"/>
       </a:dk1>
@@ -4939,7 +5952,7 @@
         <a:srgbClr val="954F72"/>
       </a:folHlink>
     </a:clrScheme>
-    <a:fontScheme name="Office">
+    <a:fontScheme name="Office Theme">
       <a:majorFont>
         <a:latin typeface="Calibri Light" panose="020F0302020204030204"/>
         <a:ea typeface=""/>
@@ -4974,23 +5987,6 @@
         <a:font script="Viet" typeface="Times New Roman"/>
         <a:font script="Uigh" typeface="Microsoft Uighur"/>
         <a:font script="Geor" typeface="Sylfaen"/>
-        <a:font script="Armn" typeface="Arial"/>
-        <a:font script="Bugi" typeface="Leelawadee UI"/>
-        <a:font script="Bopo" typeface="Microsoft JhengHei"/>
-        <a:font script="Java" typeface="Javanese Text"/>
-        <a:font script="Lisu" typeface="Segoe UI"/>
-        <a:font script="Mymr" typeface="Myanmar Text"/>
-        <a:font script="Nkoo" typeface="Ebrima"/>
-        <a:font script="Olck" typeface="Nirmala UI"/>
-        <a:font script="Osma" typeface="Ebrima"/>
-        <a:font script="Phag" typeface="Phagspa"/>
-        <a:font script="Syrn" typeface="Estrangelo Edessa"/>
-        <a:font script="Syrj" typeface="Estrangelo Edessa"/>
-        <a:font script="Syre" typeface="Estrangelo Edessa"/>
-        <a:font script="Sora" typeface="Nirmala UI"/>
-        <a:font script="Tale" typeface="Microsoft Tai Le"/>
-        <a:font script="Talu" typeface="Microsoft New Tai Lue"/>
-        <a:font script="Tfng" typeface="Ebrima"/>
       </a:majorFont>
       <a:minorFont>
         <a:latin typeface="Calibri" panose="020F0502020204030204"/>
@@ -5026,26 +6022,9 @@
         <a:font script="Viet" typeface="Arial"/>
         <a:font script="Uigh" typeface="Microsoft Uighur"/>
         <a:font script="Geor" typeface="Sylfaen"/>
-        <a:font script="Armn" typeface="Arial"/>
-        <a:font script="Bugi" typeface="Leelawadee UI"/>
-        <a:font script="Bopo" typeface="Microsoft JhengHei"/>
-        <a:font script="Java" typeface="Javanese Text"/>
-        <a:font script="Lisu" typeface="Segoe UI"/>
-        <a:font script="Mymr" typeface="Myanmar Text"/>
-        <a:font script="Nkoo" typeface="Ebrima"/>
-        <a:font script="Olck" typeface="Nirmala UI"/>
-        <a:font script="Osma" typeface="Ebrima"/>
-        <a:font script="Phag" typeface="Phagspa"/>
-        <a:font script="Syrn" typeface="Estrangelo Edessa"/>
-        <a:font script="Syrj" typeface="Estrangelo Edessa"/>
-        <a:font script="Syre" typeface="Estrangelo Edessa"/>
-        <a:font script="Sora" typeface="Nirmala UI"/>
-        <a:font script="Tale" typeface="Microsoft Tai Le"/>
-        <a:font script="Talu" typeface="Microsoft New Tai Lue"/>
-        <a:font script="Tfng" typeface="Ebrima"/>
       </a:minorFont>
     </a:fontScheme>
-    <a:fmtScheme name="Office">
+    <a:fmtScheme name="Office Theme">
       <a:fillStyleLst>
         <a:solidFill>
           <a:schemeClr val="phClr"/>
@@ -5193,13 +6172,13 @@
       <a:bodyPr/>
       <a:lstStyle/>
       <a:style>
-        <a:lnRef idx="1">
+        <a:lnRef idx="3">
           <a:schemeClr val="dk1"/>
         </a:lnRef>
         <a:fillRef idx="0">
           <a:schemeClr val="dk1"/>
         </a:fillRef>
-        <a:effectRef idx="0">
+        <a:effectRef idx="2">
           <a:schemeClr val="dk1"/>
         </a:effectRef>
         <a:fontRef idx="minor">

--- a/docs/_static/pedal-overview.pptx
+++ b/docs/_static/pedal-overview.pptx
@@ -255,7 +255,7 @@
           <a:p>
             <a:fld id="{3A979BF9-124F-4BB9-ADB5-5719B90CB8FD}" type="datetimeFigureOut">
               <a:rPr lang="en-US" smtClean="0"/>
-              <a:t>1/4/2019</a:t>
+              <a:t>1/17/2019</a:t>
             </a:fld>
             <a:endParaRPr lang="en-US"/>
           </a:p>
@@ -425,7 +425,7 @@
           <a:p>
             <a:fld id="{3A979BF9-124F-4BB9-ADB5-5719B90CB8FD}" type="datetimeFigureOut">
               <a:rPr lang="en-US" smtClean="0"/>
-              <a:t>1/4/2019</a:t>
+              <a:t>1/17/2019</a:t>
             </a:fld>
             <a:endParaRPr lang="en-US"/>
           </a:p>
@@ -605,7 +605,7 @@
           <a:p>
             <a:fld id="{3A979BF9-124F-4BB9-ADB5-5719B90CB8FD}" type="datetimeFigureOut">
               <a:rPr lang="en-US" smtClean="0"/>
-              <a:t>1/4/2019</a:t>
+              <a:t>1/17/2019</a:t>
             </a:fld>
             <a:endParaRPr lang="en-US"/>
           </a:p>
@@ -775,7 +775,7 @@
           <a:p>
             <a:fld id="{3A979BF9-124F-4BB9-ADB5-5719B90CB8FD}" type="datetimeFigureOut">
               <a:rPr lang="en-US" smtClean="0"/>
-              <a:t>1/4/2019</a:t>
+              <a:t>1/17/2019</a:t>
             </a:fld>
             <a:endParaRPr lang="en-US"/>
           </a:p>
@@ -1019,7 +1019,7 @@
           <a:p>
             <a:fld id="{3A979BF9-124F-4BB9-ADB5-5719B90CB8FD}" type="datetimeFigureOut">
               <a:rPr lang="en-US" smtClean="0"/>
-              <a:t>1/4/2019</a:t>
+              <a:t>1/17/2019</a:t>
             </a:fld>
             <a:endParaRPr lang="en-US"/>
           </a:p>
@@ -1251,7 +1251,7 @@
           <a:p>
             <a:fld id="{3A979BF9-124F-4BB9-ADB5-5719B90CB8FD}" type="datetimeFigureOut">
               <a:rPr lang="en-US" smtClean="0"/>
-              <a:t>1/4/2019</a:t>
+              <a:t>1/17/2019</a:t>
             </a:fld>
             <a:endParaRPr lang="en-US"/>
           </a:p>
@@ -1618,7 +1618,7 @@
           <a:p>
             <a:fld id="{3A979BF9-124F-4BB9-ADB5-5719B90CB8FD}" type="datetimeFigureOut">
               <a:rPr lang="en-US" smtClean="0"/>
-              <a:t>1/4/2019</a:t>
+              <a:t>1/17/2019</a:t>
             </a:fld>
             <a:endParaRPr lang="en-US"/>
           </a:p>
@@ -1736,7 +1736,7 @@
           <a:p>
             <a:fld id="{3A979BF9-124F-4BB9-ADB5-5719B90CB8FD}" type="datetimeFigureOut">
               <a:rPr lang="en-US" smtClean="0"/>
-              <a:t>1/4/2019</a:t>
+              <a:t>1/17/2019</a:t>
             </a:fld>
             <a:endParaRPr lang="en-US"/>
           </a:p>
@@ -1831,7 +1831,7 @@
           <a:p>
             <a:fld id="{3A979BF9-124F-4BB9-ADB5-5719B90CB8FD}" type="datetimeFigureOut">
               <a:rPr lang="en-US" smtClean="0"/>
-              <a:t>1/4/2019</a:t>
+              <a:t>1/17/2019</a:t>
             </a:fld>
             <a:endParaRPr lang="en-US"/>
           </a:p>
@@ -2108,7 +2108,7 @@
           <a:p>
             <a:fld id="{3A979BF9-124F-4BB9-ADB5-5719B90CB8FD}" type="datetimeFigureOut">
               <a:rPr lang="en-US" smtClean="0"/>
-              <a:t>1/4/2019</a:t>
+              <a:t>1/17/2019</a:t>
             </a:fld>
             <a:endParaRPr lang="en-US"/>
           </a:p>
@@ -2365,7 +2365,7 @@
           <a:p>
             <a:fld id="{3A979BF9-124F-4BB9-ADB5-5719B90CB8FD}" type="datetimeFigureOut">
               <a:rPr lang="en-US" smtClean="0"/>
-              <a:t>1/4/2019</a:t>
+              <a:t>1/17/2019</a:t>
             </a:fld>
             <a:endParaRPr lang="en-US"/>
           </a:p>
@@ -2578,7 +2578,7 @@
           <a:p>
             <a:fld id="{3A979BF9-124F-4BB9-ADB5-5719B90CB8FD}" type="datetimeFigureOut">
               <a:rPr lang="en-US" smtClean="0"/>
-              <a:t>1/4/2019</a:t>
+              <a:t>1/17/2019</a:t>
             </a:fld>
             <a:endParaRPr lang="en-US"/>
           </a:p>
@@ -4575,8 +4575,8 @@
         </p:nvSpPr>
         <p:spPr>
           <a:xfrm>
-            <a:off x="337625" y="2375218"/>
-            <a:ext cx="1188720" cy="548640"/>
+            <a:off x="667234" y="3587329"/>
+            <a:ext cx="1188720" cy="687803"/>
           </a:xfrm>
           <a:prstGeom prst="rect">
             <a:avLst/>
@@ -4617,7 +4617,7 @@
               <a:rPr lang="en-US" sz="1000" i="1" dirty="0">
                 <a:latin typeface="Century" panose="02040604050505020304" pitchFamily="18" charset="0"/>
               </a:rPr>
-              <a:t>A collection of Feedback</a:t>
+              <a:t>A collection of Feedback and Data</a:t>
             </a:r>
             <a:endParaRPr lang="en-US" sz="1000" dirty="0">
               <a:latin typeface="Century" panose="02040604050505020304" pitchFamily="18" charset="0"/>
@@ -4639,7 +4639,7 @@
         </p:nvSpPr>
         <p:spPr>
           <a:xfrm>
-            <a:off x="1883607" y="1533600"/>
+            <a:off x="2213216" y="2745712"/>
             <a:ext cx="4151433" cy="2721878"/>
           </a:xfrm>
           <a:prstGeom prst="rect">
@@ -4698,7 +4698,7 @@
         </p:nvSpPr>
         <p:spPr>
           <a:xfrm>
-            <a:off x="337626" y="1533600"/>
+            <a:off x="667235" y="2745712"/>
             <a:ext cx="1188720" cy="548640"/>
           </a:xfrm>
           <a:prstGeom prst="rect">
@@ -4759,7 +4759,7 @@
         </p:nvSpPr>
         <p:spPr>
           <a:xfrm>
-            <a:off x="343218" y="3367158"/>
+            <a:off x="672827" y="4579270"/>
             <a:ext cx="1188720" cy="548640"/>
           </a:xfrm>
           <a:prstGeom prst="rect">
@@ -4820,7 +4820,7 @@
         </p:nvSpPr>
         <p:spPr>
           <a:xfrm>
-            <a:off x="2095494" y="1807920"/>
+            <a:off x="2425103" y="3020032"/>
             <a:ext cx="1188720" cy="548640"/>
           </a:xfrm>
           <a:prstGeom prst="rect">
@@ -4881,7 +4881,7 @@
         </p:nvSpPr>
         <p:spPr>
           <a:xfrm>
-            <a:off x="2085512" y="2709790"/>
+            <a:off x="2415121" y="3921902"/>
             <a:ext cx="1361632" cy="548640"/>
           </a:xfrm>
           <a:prstGeom prst="rect">
@@ -4924,6 +4924,14 @@
                 <a:latin typeface="Century" panose="02040604050505020304" pitchFamily="18" charset="0"/>
               </a:rPr>
               <a:t>Type checking and other issue detection</a:t>
+            </a:r>
+          </a:p>
+          <a:p>
+            <a:r>
+              <a:rPr lang="en-US" sz="1000" i="1" dirty="0">
+                <a:latin typeface="Century" panose="02040604050505020304" pitchFamily="18" charset="0"/>
+              </a:rPr>
+              <a:t>Program analysis</a:t>
             </a:r>
           </a:p>
         </p:txBody>
@@ -4942,7 +4950,7 @@
         </p:nvSpPr>
         <p:spPr>
           <a:xfrm>
-            <a:off x="3808834" y="2788701"/>
+            <a:off x="4138443" y="4000813"/>
             <a:ext cx="1188720" cy="548640"/>
           </a:xfrm>
           <a:prstGeom prst="rect">
@@ -4985,6 +4993,14 @@
                 <a:latin typeface="Century" panose="02040604050505020304" pitchFamily="18" charset="0"/>
               </a:rPr>
               <a:t>Checks students' code for patterns</a:t>
+            </a:r>
+          </a:p>
+          <a:p>
+            <a:r>
+              <a:rPr lang="en-US" sz="1000" i="1" dirty="0">
+                <a:latin typeface="Century" panose="02040604050505020304" pitchFamily="18" charset="0"/>
+              </a:rPr>
+              <a:t>Code Inspection</a:t>
             </a:r>
           </a:p>
         </p:txBody>
@@ -5003,7 +5019,7 @@
         </p:nvSpPr>
         <p:spPr>
           <a:xfrm>
-            <a:off x="3745544" y="3611661"/>
+            <a:off x="4075153" y="4823773"/>
             <a:ext cx="1188720" cy="548640"/>
           </a:xfrm>
           <a:prstGeom prst="rect">
@@ -5064,7 +5080,7 @@
         </p:nvSpPr>
         <p:spPr>
           <a:xfrm>
-            <a:off x="2090532" y="3611661"/>
+            <a:off x="2420141" y="4823773"/>
             <a:ext cx="1361631" cy="548640"/>
           </a:xfrm>
           <a:prstGeom prst="rect">
@@ -5125,7 +5141,7 @@
         </p:nvSpPr>
         <p:spPr>
           <a:xfrm>
-            <a:off x="3573788" y="1693180"/>
+            <a:off x="3903397" y="2980576"/>
             <a:ext cx="1043347" cy="548640"/>
           </a:xfrm>
           <a:prstGeom prst="rect">
@@ -5186,7 +5202,7 @@
         </p:nvSpPr>
         <p:spPr>
           <a:xfrm>
-            <a:off x="4768943" y="2100898"/>
+            <a:off x="5098552" y="3313010"/>
             <a:ext cx="1188720" cy="548640"/>
           </a:xfrm>
           <a:prstGeom prst="rect">
@@ -5257,8 +5273,8 @@
         </p:nvCxnSpPr>
         <p:spPr>
           <a:xfrm flipV="1">
-            <a:off x="3284214" y="1967500"/>
-            <a:ext cx="289574" cy="114740"/>
+            <a:off x="3613823" y="3254896"/>
+            <a:ext cx="289574" cy="39456"/>
           </a:xfrm>
           <a:prstGeom prst="curvedConnector3">
             <a:avLst>
@@ -5302,7 +5318,7 @@
         </p:nvCxnSpPr>
         <p:spPr>
           <a:xfrm rot="16200000" flipH="1">
-            <a:off x="2551476" y="2494938"/>
+            <a:off x="2881085" y="3707050"/>
             <a:ext cx="353230" cy="76474"/>
           </a:xfrm>
           <a:prstGeom prst="curvedConnector3">
@@ -5347,7 +5363,7 @@
         </p:nvCxnSpPr>
         <p:spPr>
           <a:xfrm rot="16200000" flipH="1">
-            <a:off x="3330454" y="1715960"/>
+            <a:off x="3660063" y="2928072"/>
             <a:ext cx="432141" cy="1713340"/>
           </a:xfrm>
           <a:prstGeom prst="curvedConnector3">
@@ -5392,7 +5408,7 @@
         </p:nvCxnSpPr>
         <p:spPr>
           <a:xfrm>
-            <a:off x="3447144" y="2984110"/>
+            <a:off x="3776753" y="4196222"/>
             <a:ext cx="361690" cy="78911"/>
           </a:xfrm>
           <a:prstGeom prst="curvedConnector3">
@@ -5438,8 +5454,8 @@
         </p:nvCxnSpPr>
         <p:spPr>
           <a:xfrm>
-            <a:off x="4617135" y="1967500"/>
-            <a:ext cx="746168" cy="133398"/>
+            <a:off x="4946744" y="3254896"/>
+            <a:ext cx="746168" cy="58114"/>
           </a:xfrm>
           <a:prstGeom prst="curvedConnector2">
             <a:avLst/>
@@ -5482,7 +5498,7 @@
         </p:nvCxnSpPr>
         <p:spPr>
           <a:xfrm rot="5400000">
-            <a:off x="4234389" y="3442856"/>
+            <a:off x="4563998" y="4654968"/>
             <a:ext cx="274320" cy="63290"/>
           </a:xfrm>
           <a:prstGeom prst="curvedConnector3">
@@ -5527,7 +5543,7 @@
         </p:nvCxnSpPr>
         <p:spPr>
           <a:xfrm rot="16200000" flipH="1">
-            <a:off x="2592223" y="3432535"/>
+            <a:off x="2921832" y="4644647"/>
             <a:ext cx="353231" cy="5020"/>
           </a:xfrm>
           <a:prstGeom prst="curvedConnector3">
@@ -5572,7 +5588,7 @@
         </p:nvCxnSpPr>
         <p:spPr>
           <a:xfrm rot="5400000">
-            <a:off x="3450111" y="2658578"/>
+            <a:off x="3779720" y="3870690"/>
             <a:ext cx="274320" cy="1631846"/>
           </a:xfrm>
           <a:prstGeom prst="curvedConnector3">
@@ -5617,8 +5633,8 @@
         </p:nvCxnSpPr>
         <p:spPr>
           <a:xfrm rot="5400000">
-            <a:off x="785497" y="2228729"/>
-            <a:ext cx="292978" cy="1"/>
+            <a:off x="1115107" y="3440840"/>
+            <a:ext cx="292977" cy="1"/>
           </a:xfrm>
           <a:prstGeom prst="curvedConnector3">
             <a:avLst>
@@ -5662,8 +5678,8 @@
         </p:nvCxnSpPr>
         <p:spPr>
           <a:xfrm rot="16200000" flipH="1">
-            <a:off x="713131" y="3142711"/>
-            <a:ext cx="443300" cy="5593"/>
+            <a:off x="1112321" y="4424404"/>
+            <a:ext cx="304138" cy="5593"/>
           </a:xfrm>
           <a:prstGeom prst="curvedConnector3">
             <a:avLst>
@@ -5705,7 +5721,7 @@
         </p:nvCxnSpPr>
         <p:spPr>
           <a:xfrm>
-            <a:off x="1526345" y="2632065"/>
+            <a:off x="1855954" y="3844177"/>
             <a:ext cx="357262" cy="0"/>
           </a:xfrm>
           <a:prstGeom prst="straightConnector1">
@@ -5747,7 +5763,7 @@
         </p:nvCxnSpPr>
         <p:spPr>
           <a:xfrm flipV="1">
-            <a:off x="5226376" y="3742735"/>
+            <a:off x="5555985" y="4954847"/>
             <a:ext cx="671182" cy="2"/>
           </a:xfrm>
           <a:prstGeom prst="curvedConnector3">
@@ -5790,7 +5806,7 @@
         </p:nvCxnSpPr>
         <p:spPr>
           <a:xfrm flipV="1">
-            <a:off x="5226376" y="4086641"/>
+            <a:off x="5555985" y="5298753"/>
             <a:ext cx="671182" cy="2"/>
           </a:xfrm>
           <a:prstGeom prst="curvedConnector3">
@@ -5832,7 +5848,7 @@
         </p:nvSpPr>
         <p:spPr>
           <a:xfrm>
-            <a:off x="5017573" y="3513223"/>
+            <a:off x="5347182" y="4725335"/>
             <a:ext cx="875561" cy="246221"/>
           </a:xfrm>
           <a:prstGeom prst="rect">
@@ -5868,7 +5884,7 @@
         </p:nvSpPr>
         <p:spPr>
           <a:xfrm>
-            <a:off x="5036910" y="3734016"/>
+            <a:off x="5366519" y="4946128"/>
             <a:ext cx="849913" cy="400110"/>
           </a:xfrm>
           <a:prstGeom prst="rect">
@@ -5894,6 +5910,228 @@
                 <a:latin typeface="Century" panose="02040604050505020304" pitchFamily="18" charset="0"/>
               </a:rPr>
               <a:t>depends on</a:t>
+            </a:r>
+          </a:p>
+        </p:txBody>
+      </p:sp>
+      <p:sp>
+        <p:nvSpPr>
+          <p:cNvPr id="5" name="Rectangle 4">
+            <a:extLst>
+              <a:ext uri="{FF2B5EF4-FFF2-40B4-BE49-F238E27FC236}">
+                <a16:creationId xmlns:a16="http://schemas.microsoft.com/office/drawing/2014/main" id="{A8AB5064-020B-4972-B784-D655C03206CD}"/>
+              </a:ext>
+            </a:extLst>
+          </p:cNvPr>
+          <p:cNvSpPr/>
+          <p:nvPr/>
+        </p:nvSpPr>
+        <p:spPr>
+          <a:xfrm>
+            <a:off x="4676532" y="1661329"/>
+            <a:ext cx="1301262" cy="548617"/>
+          </a:xfrm>
+          <a:prstGeom prst="rect">
+            <a:avLst/>
+          </a:prstGeom>
+        </p:spPr>
+        <p:style>
+          <a:lnRef idx="2">
+            <a:schemeClr val="dk1"/>
+          </a:lnRef>
+          <a:fillRef idx="1">
+            <a:schemeClr val="lt1"/>
+          </a:fillRef>
+          <a:effectRef idx="0">
+            <a:schemeClr val="dk1"/>
+          </a:effectRef>
+          <a:fontRef idx="minor">
+            <a:schemeClr val="dk1"/>
+          </a:fontRef>
+        </p:style>
+        <p:txBody>
+          <a:bodyPr rtlCol="0" anchor="ctr"/>
+          <a:lstStyle/>
+          <a:p>
+            <a:pPr algn="ctr"/>
+            <a:r>
+              <a:rPr lang="en-US" dirty="0"/>
+              <a:t>Knowledge Sources</a:t>
+            </a:r>
+          </a:p>
+        </p:txBody>
+      </p:sp>
+      <p:sp>
+        <p:nvSpPr>
+          <p:cNvPr id="31" name="Rectangle 30">
+            <a:extLst>
+              <a:ext uri="{FF2B5EF4-FFF2-40B4-BE49-F238E27FC236}">
+                <a16:creationId xmlns:a16="http://schemas.microsoft.com/office/drawing/2014/main" id="{7521355C-3733-4D5E-81F0-EBFF00990DB8}"/>
+              </a:ext>
+            </a:extLst>
+          </p:cNvPr>
+          <p:cNvSpPr/>
+          <p:nvPr/>
+        </p:nvSpPr>
+        <p:spPr>
+          <a:xfrm>
+            <a:off x="2668724" y="707631"/>
+            <a:ext cx="1198702" cy="457200"/>
+          </a:xfrm>
+          <a:prstGeom prst="rect">
+            <a:avLst/>
+          </a:prstGeom>
+        </p:spPr>
+        <p:style>
+          <a:lnRef idx="2">
+            <a:schemeClr val="dk1"/>
+          </a:lnRef>
+          <a:fillRef idx="1">
+            <a:schemeClr val="lt1"/>
+          </a:fillRef>
+          <a:effectRef idx="0">
+            <a:schemeClr val="dk1"/>
+          </a:effectRef>
+          <a:fontRef idx="minor">
+            <a:schemeClr val="dk1"/>
+          </a:fontRef>
+        </p:style>
+        <p:txBody>
+          <a:bodyPr rtlCol="0" anchor="ctr"/>
+          <a:lstStyle/>
+          <a:p>
+            <a:pPr algn="ctr"/>
+            <a:r>
+              <a:rPr lang="en-US" dirty="0"/>
+              <a:t>Control</a:t>
+            </a:r>
+          </a:p>
+        </p:txBody>
+      </p:sp>
+      <p:sp>
+        <p:nvSpPr>
+          <p:cNvPr id="32" name="Rectangle 31">
+            <a:extLst>
+              <a:ext uri="{FF2B5EF4-FFF2-40B4-BE49-F238E27FC236}">
+                <a16:creationId xmlns:a16="http://schemas.microsoft.com/office/drawing/2014/main" id="{FFC6C22E-1F8A-4A53-BD1B-6E4B3C78130B}"/>
+              </a:ext>
+            </a:extLst>
+          </p:cNvPr>
+          <p:cNvSpPr/>
+          <p:nvPr/>
+        </p:nvSpPr>
+        <p:spPr>
+          <a:xfrm>
+            <a:off x="828905" y="1646038"/>
+            <a:ext cx="1352563" cy="457200"/>
+          </a:xfrm>
+          <a:prstGeom prst="rect">
+            <a:avLst/>
+          </a:prstGeom>
+        </p:spPr>
+        <p:style>
+          <a:lnRef idx="2">
+            <a:schemeClr val="dk1"/>
+          </a:lnRef>
+          <a:fillRef idx="1">
+            <a:schemeClr val="lt1"/>
+          </a:fillRef>
+          <a:effectRef idx="0">
+            <a:schemeClr val="dk1"/>
+          </a:effectRef>
+          <a:fontRef idx="minor">
+            <a:schemeClr val="dk1"/>
+          </a:fontRef>
+        </p:style>
+        <p:txBody>
+          <a:bodyPr rtlCol="0" anchor="ctr"/>
+          <a:lstStyle/>
+          <a:p>
+            <a:pPr algn="ctr"/>
+            <a:r>
+              <a:rPr lang="en-US" dirty="0"/>
+              <a:t>Blackboard</a:t>
+            </a:r>
+          </a:p>
+        </p:txBody>
+      </p:sp>
+      <p:sp>
+        <p:nvSpPr>
+          <p:cNvPr id="6" name="Smiley Face 5">
+            <a:extLst>
+              <a:ext uri="{FF2B5EF4-FFF2-40B4-BE49-F238E27FC236}">
+                <a16:creationId xmlns:a16="http://schemas.microsoft.com/office/drawing/2014/main" id="{71D0971C-1107-45E5-A0B2-6993998885B1}"/>
+              </a:ext>
+            </a:extLst>
+          </p:cNvPr>
+          <p:cNvSpPr/>
+          <p:nvPr/>
+        </p:nvSpPr>
+        <p:spPr>
+          <a:xfrm>
+            <a:off x="448823" y="644223"/>
+            <a:ext cx="594361" cy="634269"/>
+          </a:xfrm>
+          <a:prstGeom prst="smileyFace">
+            <a:avLst/>
+          </a:prstGeom>
+        </p:spPr>
+        <p:style>
+          <a:lnRef idx="2">
+            <a:schemeClr val="accent1">
+              <a:shade val="50000"/>
+            </a:schemeClr>
+          </a:lnRef>
+          <a:fillRef idx="1">
+            <a:schemeClr val="accent1"/>
+          </a:fillRef>
+          <a:effectRef idx="0">
+            <a:schemeClr val="accent1"/>
+          </a:effectRef>
+          <a:fontRef idx="minor">
+            <a:schemeClr val="lt1"/>
+          </a:fontRef>
+        </p:style>
+        <p:txBody>
+          <a:bodyPr rtlCol="0" anchor="ctr"/>
+          <a:lstStyle/>
+          <a:p>
+            <a:pPr algn="ctr"/>
+            <a:endParaRPr lang="en-US" dirty="0"/>
+          </a:p>
+        </p:txBody>
+      </p:sp>
+      <p:sp>
+        <p:nvSpPr>
+          <p:cNvPr id="7" name="TextBox 6">
+            <a:extLst>
+              <a:ext uri="{FF2B5EF4-FFF2-40B4-BE49-F238E27FC236}">
+                <a16:creationId xmlns:a16="http://schemas.microsoft.com/office/drawing/2014/main" id="{5C9EE718-C9B7-4788-9339-68E8FA2535EC}"/>
+              </a:ext>
+            </a:extLst>
+          </p:cNvPr>
+          <p:cNvSpPr txBox="1"/>
+          <p:nvPr/>
+        </p:nvSpPr>
+        <p:spPr>
+          <a:xfrm>
+            <a:off x="308344" y="1278492"/>
+            <a:ext cx="1104790" cy="369332"/>
+          </a:xfrm>
+          <a:prstGeom prst="rect">
+            <a:avLst/>
+          </a:prstGeom>
+          <a:noFill/>
+        </p:spPr>
+        <p:txBody>
+          <a:bodyPr wrap="none" rtlCol="0">
+            <a:spAutoFit/>
+          </a:bodyPr>
+          <a:lstStyle/>
+          <a:p>
+            <a:r>
+              <a:rPr lang="en-US" dirty="0"/>
+              <a:t>Instructor</a:t>
             </a:r>
           </a:p>
         </p:txBody>

--- a/docs/_static/pedal-overview.pptx
+++ b/docs/_static/pedal-overview.pptx
@@ -5,8 +5,9 @@
     <p:sldMasterId id="2147483660" r:id="rId1"/>
   </p:sldMasterIdLst>
   <p:sldIdLst>
-    <p:sldId id="256" r:id="rId2"/>
-    <p:sldId id="257" r:id="rId3"/>
+    <p:sldId id="258" r:id="rId2"/>
+    <p:sldId id="256" r:id="rId3"/>
+    <p:sldId id="257" r:id="rId4"/>
   </p:sldIdLst>
   <p:sldSz cx="6858000" cy="9144000" type="letter"/>
   <p:notesSz cx="6858000" cy="9144000"/>
@@ -255,7 +256,7 @@
           <a:p>
             <a:fld id="{3A979BF9-124F-4BB9-ADB5-5719B90CB8FD}" type="datetimeFigureOut">
               <a:rPr lang="en-US" smtClean="0"/>
-              <a:t>1/17/2019</a:t>
+              <a:t>1/21/2019</a:t>
             </a:fld>
             <a:endParaRPr lang="en-US"/>
           </a:p>
@@ -425,7 +426,7 @@
           <a:p>
             <a:fld id="{3A979BF9-124F-4BB9-ADB5-5719B90CB8FD}" type="datetimeFigureOut">
               <a:rPr lang="en-US" smtClean="0"/>
-              <a:t>1/17/2019</a:t>
+              <a:t>1/21/2019</a:t>
             </a:fld>
             <a:endParaRPr lang="en-US"/>
           </a:p>
@@ -605,7 +606,7 @@
           <a:p>
             <a:fld id="{3A979BF9-124F-4BB9-ADB5-5719B90CB8FD}" type="datetimeFigureOut">
               <a:rPr lang="en-US" smtClean="0"/>
-              <a:t>1/17/2019</a:t>
+              <a:t>1/21/2019</a:t>
             </a:fld>
             <a:endParaRPr lang="en-US"/>
           </a:p>
@@ -775,7 +776,7 @@
           <a:p>
             <a:fld id="{3A979BF9-124F-4BB9-ADB5-5719B90CB8FD}" type="datetimeFigureOut">
               <a:rPr lang="en-US" smtClean="0"/>
-              <a:t>1/17/2019</a:t>
+              <a:t>1/21/2019</a:t>
             </a:fld>
             <a:endParaRPr lang="en-US"/>
           </a:p>
@@ -1019,7 +1020,7 @@
           <a:p>
             <a:fld id="{3A979BF9-124F-4BB9-ADB5-5719B90CB8FD}" type="datetimeFigureOut">
               <a:rPr lang="en-US" smtClean="0"/>
-              <a:t>1/17/2019</a:t>
+              <a:t>1/21/2019</a:t>
             </a:fld>
             <a:endParaRPr lang="en-US"/>
           </a:p>
@@ -1251,7 +1252,7 @@
           <a:p>
             <a:fld id="{3A979BF9-124F-4BB9-ADB5-5719B90CB8FD}" type="datetimeFigureOut">
               <a:rPr lang="en-US" smtClean="0"/>
-              <a:t>1/17/2019</a:t>
+              <a:t>1/21/2019</a:t>
             </a:fld>
             <a:endParaRPr lang="en-US"/>
           </a:p>
@@ -1618,7 +1619,7 @@
           <a:p>
             <a:fld id="{3A979BF9-124F-4BB9-ADB5-5719B90CB8FD}" type="datetimeFigureOut">
               <a:rPr lang="en-US" smtClean="0"/>
-              <a:t>1/17/2019</a:t>
+              <a:t>1/21/2019</a:t>
             </a:fld>
             <a:endParaRPr lang="en-US"/>
           </a:p>
@@ -1736,7 +1737,7 @@
           <a:p>
             <a:fld id="{3A979BF9-124F-4BB9-ADB5-5719B90CB8FD}" type="datetimeFigureOut">
               <a:rPr lang="en-US" smtClean="0"/>
-              <a:t>1/17/2019</a:t>
+              <a:t>1/21/2019</a:t>
             </a:fld>
             <a:endParaRPr lang="en-US"/>
           </a:p>
@@ -1831,7 +1832,7 @@
           <a:p>
             <a:fld id="{3A979BF9-124F-4BB9-ADB5-5719B90CB8FD}" type="datetimeFigureOut">
               <a:rPr lang="en-US" smtClean="0"/>
-              <a:t>1/17/2019</a:t>
+              <a:t>1/21/2019</a:t>
             </a:fld>
             <a:endParaRPr lang="en-US"/>
           </a:p>
@@ -2108,7 +2109,7 @@
           <a:p>
             <a:fld id="{3A979BF9-124F-4BB9-ADB5-5719B90CB8FD}" type="datetimeFigureOut">
               <a:rPr lang="en-US" smtClean="0"/>
-              <a:t>1/17/2019</a:t>
+              <a:t>1/21/2019</a:t>
             </a:fld>
             <a:endParaRPr lang="en-US"/>
           </a:p>
@@ -2365,7 +2366,7 @@
           <a:p>
             <a:fld id="{3A979BF9-124F-4BB9-ADB5-5719B90CB8FD}" type="datetimeFigureOut">
               <a:rPr lang="en-US" smtClean="0"/>
-              <a:t>1/17/2019</a:t>
+              <a:t>1/21/2019</a:t>
             </a:fld>
             <a:endParaRPr lang="en-US"/>
           </a:p>
@@ -2578,7 +2579,7 @@
           <a:p>
             <a:fld id="{3A979BF9-124F-4BB9-ADB5-5719B90CB8FD}" type="datetimeFigureOut">
               <a:rPr lang="en-US" smtClean="0"/>
-              <a:t>1/17/2019</a:t>
+              <a:t>1/21/2019</a:t>
             </a:fld>
             <a:endParaRPr lang="en-US"/>
           </a:p>
@@ -2985,6 +2986,2744 @@
       </p:grpSpPr>
       <p:sp>
         <p:nvSpPr>
+          <p:cNvPr id="84" name="Rectangle 83">
+            <a:extLst>
+              <a:ext uri="{FF2B5EF4-FFF2-40B4-BE49-F238E27FC236}">
+                <a16:creationId xmlns:a16="http://schemas.microsoft.com/office/drawing/2014/main" id="{229BE28C-AFC9-4CF5-AF4A-D3C0DF5573AA}"/>
+              </a:ext>
+            </a:extLst>
+          </p:cNvPr>
+          <p:cNvSpPr/>
+          <p:nvPr/>
+        </p:nvSpPr>
+        <p:spPr>
+          <a:xfrm>
+            <a:off x="4104288" y="2053210"/>
+            <a:ext cx="2656349" cy="1071088"/>
+          </a:xfrm>
+          <a:prstGeom prst="rect">
+            <a:avLst/>
+          </a:prstGeom>
+          <a:ln>
+            <a:solidFill>
+              <a:schemeClr val="accent1"/>
+            </a:solidFill>
+            <a:prstDash val="sysDot"/>
+          </a:ln>
+        </p:spPr>
+        <p:style>
+          <a:lnRef idx="2">
+            <a:schemeClr val="dk1"/>
+          </a:lnRef>
+          <a:fillRef idx="1">
+            <a:schemeClr val="lt1"/>
+          </a:fillRef>
+          <a:effectRef idx="0">
+            <a:schemeClr val="dk1"/>
+          </a:effectRef>
+          <a:fontRef idx="minor">
+            <a:schemeClr val="dk1"/>
+          </a:fontRef>
+        </p:style>
+        <p:txBody>
+          <a:bodyPr rtlCol="0" anchor="t"/>
+          <a:lstStyle/>
+          <a:p>
+            <a:r>
+              <a:rPr lang="en-US" sz="1200" b="1" dirty="0">
+                <a:latin typeface="Arial" panose="020B0604020202020204" pitchFamily="34" charset="0"/>
+                <a:cs typeface="Arial" panose="020B0604020202020204" pitchFamily="34" charset="0"/>
+              </a:rPr>
+              <a:t>Blackboard</a:t>
+            </a:r>
+          </a:p>
+        </p:txBody>
+      </p:sp>
+      <p:sp>
+        <p:nvSpPr>
+          <p:cNvPr id="55" name="Rectangle 54">
+            <a:extLst>
+              <a:ext uri="{FF2B5EF4-FFF2-40B4-BE49-F238E27FC236}">
+                <a16:creationId xmlns:a16="http://schemas.microsoft.com/office/drawing/2014/main" id="{75B4AB05-6CF7-431C-8A81-6B97F26094AE}"/>
+              </a:ext>
+            </a:extLst>
+          </p:cNvPr>
+          <p:cNvSpPr/>
+          <p:nvPr/>
+        </p:nvSpPr>
+        <p:spPr>
+          <a:xfrm>
+            <a:off x="3858061" y="94244"/>
+            <a:ext cx="2902587" cy="1487396"/>
+          </a:xfrm>
+          <a:prstGeom prst="rect">
+            <a:avLst/>
+          </a:prstGeom>
+          <a:ln>
+            <a:solidFill>
+              <a:schemeClr val="accent1"/>
+            </a:solidFill>
+            <a:prstDash val="sysDot"/>
+          </a:ln>
+        </p:spPr>
+        <p:style>
+          <a:lnRef idx="2">
+            <a:schemeClr val="dk1"/>
+          </a:lnRef>
+          <a:fillRef idx="1">
+            <a:schemeClr val="lt1"/>
+          </a:fillRef>
+          <a:effectRef idx="0">
+            <a:schemeClr val="dk1"/>
+          </a:effectRef>
+          <a:fontRef idx="minor">
+            <a:schemeClr val="dk1"/>
+          </a:fontRef>
+        </p:style>
+        <p:txBody>
+          <a:bodyPr rtlCol="0" anchor="t"/>
+          <a:lstStyle/>
+          <a:p>
+            <a:r>
+              <a:rPr lang="en-US" sz="1200" b="1" dirty="0">
+                <a:latin typeface="Arial" panose="020B0604020202020204" pitchFamily="34" charset="0"/>
+                <a:cs typeface="Arial" panose="020B0604020202020204" pitchFamily="34" charset="0"/>
+              </a:rPr>
+              <a:t>Modules</a:t>
+            </a:r>
+          </a:p>
+        </p:txBody>
+      </p:sp>
+      <p:grpSp>
+        <p:nvGrpSpPr>
+          <p:cNvPr id="44" name="Group 43">
+            <a:extLst>
+              <a:ext uri="{FF2B5EF4-FFF2-40B4-BE49-F238E27FC236}">
+                <a16:creationId xmlns:a16="http://schemas.microsoft.com/office/drawing/2014/main" id="{45CFD29B-15CC-4006-AC2E-5D34B6FBEDB2}"/>
+              </a:ext>
+            </a:extLst>
+          </p:cNvPr>
+          <p:cNvGrpSpPr/>
+          <p:nvPr/>
+        </p:nvGrpSpPr>
+        <p:grpSpPr>
+          <a:xfrm>
+            <a:off x="4043386" y="2223242"/>
+            <a:ext cx="952283" cy="868361"/>
+            <a:chOff x="5989395" y="1319933"/>
+            <a:chExt cx="952283" cy="868361"/>
+          </a:xfrm>
+        </p:grpSpPr>
+        <p:sp>
+          <p:nvSpPr>
+            <p:cNvPr id="10" name="TextBox 9">
+              <a:extLst>
+                <a:ext uri="{FF2B5EF4-FFF2-40B4-BE49-F238E27FC236}">
+                  <a16:creationId xmlns:a16="http://schemas.microsoft.com/office/drawing/2014/main" id="{05BAE8A0-4CDE-446D-96A9-69B12C0A6794}"/>
+                </a:ext>
+              </a:extLst>
+            </p:cNvPr>
+            <p:cNvSpPr txBox="1"/>
+            <p:nvPr/>
+          </p:nvSpPr>
+          <p:spPr>
+            <a:xfrm>
+              <a:off x="5989395" y="1911295"/>
+              <a:ext cx="952283" cy="276999"/>
+            </a:xfrm>
+            <a:prstGeom prst="rect">
+              <a:avLst/>
+            </a:prstGeom>
+            <a:noFill/>
+          </p:spPr>
+          <p:txBody>
+            <a:bodyPr wrap="square" rtlCol="0">
+              <a:spAutoFit/>
+            </a:bodyPr>
+            <a:lstStyle/>
+            <a:p>
+              <a:pPr algn="ctr"/>
+              <a:r>
+                <a:rPr lang="en-US" sz="1200" dirty="0">
+                  <a:latin typeface="Arial" panose="020B0604020202020204" pitchFamily="34" charset="0"/>
+                  <a:cs typeface="Arial" panose="020B0604020202020204" pitchFamily="34" charset="0"/>
+                </a:rPr>
+                <a:t>Report</a:t>
+              </a:r>
+            </a:p>
+          </p:txBody>
+        </p:sp>
+        <p:pic>
+          <p:nvPicPr>
+            <p:cNvPr id="13" name="Picture 12" descr="A screen shot of a computer&#10;&#10;Description automatically generated">
+              <a:extLst>
+                <a:ext uri="{FF2B5EF4-FFF2-40B4-BE49-F238E27FC236}">
+                  <a16:creationId xmlns:a16="http://schemas.microsoft.com/office/drawing/2014/main" id="{76FCE0F3-70EB-4737-A01C-0B6995E0308B}"/>
+                </a:ext>
+              </a:extLst>
+            </p:cNvPr>
+            <p:cNvPicPr>
+              <a:picLocks noChangeAspect="1"/>
+            </p:cNvPicPr>
+            <p:nvPr/>
+          </p:nvPicPr>
+          <p:blipFill>
+            <a:blip r:embed="rId2">
+              <a:extLst>
+                <a:ext uri="{28A0092B-C50C-407E-A947-70E740481C1C}">
+                  <a14:useLocalDpi xmlns:a14="http://schemas.microsoft.com/office/drawing/2010/main" val="0"/>
+                </a:ext>
+              </a:extLst>
+            </a:blip>
+            <a:stretch>
+              <a:fillRect/>
+            </a:stretch>
+          </p:blipFill>
+          <p:spPr>
+            <a:xfrm>
+              <a:off x="6160695" y="1319933"/>
+              <a:ext cx="609685" cy="609685"/>
+            </a:xfrm>
+            <a:prstGeom prst="rect">
+              <a:avLst/>
+            </a:prstGeom>
+          </p:spPr>
+        </p:pic>
+      </p:grpSp>
+      <p:grpSp>
+        <p:nvGrpSpPr>
+          <p:cNvPr id="31" name="Group 30">
+            <a:extLst>
+              <a:ext uri="{FF2B5EF4-FFF2-40B4-BE49-F238E27FC236}">
+                <a16:creationId xmlns:a16="http://schemas.microsoft.com/office/drawing/2014/main" id="{9885D116-6E9F-47FB-B456-E3F962E198E6}"/>
+              </a:ext>
+            </a:extLst>
+          </p:cNvPr>
+          <p:cNvGrpSpPr/>
+          <p:nvPr/>
+        </p:nvGrpSpPr>
+        <p:grpSpPr>
+          <a:xfrm>
+            <a:off x="10094" y="1989248"/>
+            <a:ext cx="712054" cy="807709"/>
+            <a:chOff x="5850713" y="2076470"/>
+            <a:chExt cx="712054" cy="807709"/>
+          </a:xfrm>
+        </p:grpSpPr>
+        <p:pic>
+          <p:nvPicPr>
+            <p:cNvPr id="7" name="Picture 6">
+              <a:extLst>
+                <a:ext uri="{FF2B5EF4-FFF2-40B4-BE49-F238E27FC236}">
+                  <a16:creationId xmlns:a16="http://schemas.microsoft.com/office/drawing/2014/main" id="{9DFD62F8-ACF0-41B5-8A91-D2C0A5B08A79}"/>
+                </a:ext>
+              </a:extLst>
+            </p:cNvPr>
+            <p:cNvPicPr>
+              <a:picLocks noChangeAspect="1"/>
+            </p:cNvPicPr>
+            <p:nvPr/>
+          </p:nvPicPr>
+          <p:blipFill>
+            <a:blip r:embed="rId3">
+              <a:extLst>
+                <a:ext uri="{28A0092B-C50C-407E-A947-70E740481C1C}">
+                  <a14:useLocalDpi xmlns:a14="http://schemas.microsoft.com/office/drawing/2010/main" val="0"/>
+                </a:ext>
+              </a:extLst>
+            </a:blip>
+            <a:stretch>
+              <a:fillRect/>
+            </a:stretch>
+          </p:blipFill>
+          <p:spPr>
+            <a:xfrm>
+              <a:off x="5905457" y="2076470"/>
+              <a:ext cx="609685" cy="609685"/>
+            </a:xfrm>
+            <a:prstGeom prst="rect">
+              <a:avLst/>
+            </a:prstGeom>
+          </p:spPr>
+        </p:pic>
+        <p:sp>
+          <p:nvSpPr>
+            <p:cNvPr id="16" name="TextBox 15">
+              <a:extLst>
+                <a:ext uri="{FF2B5EF4-FFF2-40B4-BE49-F238E27FC236}">
+                  <a16:creationId xmlns:a16="http://schemas.microsoft.com/office/drawing/2014/main" id="{70ECCA02-3B87-46DE-8DE0-345E204A0DCF}"/>
+                </a:ext>
+              </a:extLst>
+            </p:cNvPr>
+            <p:cNvSpPr txBox="1"/>
+            <p:nvPr/>
+          </p:nvSpPr>
+          <p:spPr>
+            <a:xfrm>
+              <a:off x="5850713" y="2607180"/>
+              <a:ext cx="712054" cy="276999"/>
+            </a:xfrm>
+            <a:prstGeom prst="rect">
+              <a:avLst/>
+            </a:prstGeom>
+            <a:noFill/>
+          </p:spPr>
+          <p:txBody>
+            <a:bodyPr wrap="none" rtlCol="0">
+              <a:spAutoFit/>
+            </a:bodyPr>
+            <a:lstStyle/>
+            <a:p>
+              <a:r>
+                <a:rPr lang="en-US" sz="1200" dirty="0">
+                  <a:latin typeface="Arial" panose="020B0604020202020204" pitchFamily="34" charset="0"/>
+                  <a:cs typeface="Arial" panose="020B0604020202020204" pitchFamily="34" charset="0"/>
+                </a:rPr>
+                <a:t>Learner</a:t>
+              </a:r>
+            </a:p>
+          </p:txBody>
+        </p:sp>
+      </p:grpSp>
+      <p:pic>
+        <p:nvPicPr>
+          <p:cNvPr id="20" name="Picture 19" descr="A close up of a sign&#10;&#10;Description automatically generated">
+            <a:extLst>
+              <a:ext uri="{FF2B5EF4-FFF2-40B4-BE49-F238E27FC236}">
+                <a16:creationId xmlns:a16="http://schemas.microsoft.com/office/drawing/2014/main" id="{15A3BFB3-9CA8-43A8-9454-A0F42450CE6C}"/>
+              </a:ext>
+            </a:extLst>
+          </p:cNvPr>
+          <p:cNvPicPr>
+            <a:picLocks noChangeAspect="1"/>
+          </p:cNvPicPr>
+          <p:nvPr/>
+        </p:nvPicPr>
+        <p:blipFill>
+          <a:blip r:embed="rId4">
+            <a:extLst>
+              <a:ext uri="{28A0092B-C50C-407E-A947-70E740481C1C}">
+                <a14:useLocalDpi xmlns:a14="http://schemas.microsoft.com/office/drawing/2010/main" val="0"/>
+              </a:ext>
+            </a:extLst>
+          </a:blip>
+          <a:stretch>
+            <a:fillRect/>
+          </a:stretch>
+        </p:blipFill>
+        <p:spPr>
+          <a:xfrm>
+            <a:off x="5704908" y="2295307"/>
+            <a:ext cx="609685" cy="609685"/>
+          </a:xfrm>
+          <a:prstGeom prst="rect">
+            <a:avLst/>
+          </a:prstGeom>
+        </p:spPr>
+      </p:pic>
+      <p:sp>
+        <p:nvSpPr>
+          <p:cNvPr id="21" name="TextBox 20">
+            <a:extLst>
+              <a:ext uri="{FF2B5EF4-FFF2-40B4-BE49-F238E27FC236}">
+                <a16:creationId xmlns:a16="http://schemas.microsoft.com/office/drawing/2014/main" id="{EE1BF865-7AB7-4FA0-8DE1-63716C2E3103}"/>
+              </a:ext>
+            </a:extLst>
+          </p:cNvPr>
+          <p:cNvSpPr txBox="1"/>
+          <p:nvPr/>
+        </p:nvSpPr>
+        <p:spPr>
+          <a:xfrm>
+            <a:off x="5582715" y="2855177"/>
+            <a:ext cx="857927" cy="276999"/>
+          </a:xfrm>
+          <a:prstGeom prst="rect">
+            <a:avLst/>
+          </a:prstGeom>
+          <a:noFill/>
+        </p:spPr>
+        <p:txBody>
+          <a:bodyPr wrap="none" rtlCol="0">
+            <a:spAutoFit/>
+          </a:bodyPr>
+          <a:lstStyle/>
+          <a:p>
+            <a:r>
+              <a:rPr lang="en-US" sz="1200" dirty="0">
+                <a:latin typeface="Arial" panose="020B0604020202020204" pitchFamily="34" charset="0"/>
+                <a:cs typeface="Arial" panose="020B0604020202020204" pitchFamily="34" charset="0"/>
+              </a:rPr>
+              <a:t>Feedback</a:t>
+            </a:r>
+          </a:p>
+        </p:txBody>
+      </p:sp>
+      <p:grpSp>
+        <p:nvGrpSpPr>
+          <p:cNvPr id="30" name="Group 29">
+            <a:extLst>
+              <a:ext uri="{FF2B5EF4-FFF2-40B4-BE49-F238E27FC236}">
+                <a16:creationId xmlns:a16="http://schemas.microsoft.com/office/drawing/2014/main" id="{C427EFF0-63C4-4EA3-B403-4BB9E73363E4}"/>
+              </a:ext>
+            </a:extLst>
+          </p:cNvPr>
+          <p:cNvGrpSpPr/>
+          <p:nvPr/>
+        </p:nvGrpSpPr>
+        <p:grpSpPr>
+          <a:xfrm>
+            <a:off x="-14287" y="540179"/>
+            <a:ext cx="730265" cy="821041"/>
+            <a:chOff x="5677243" y="548071"/>
+            <a:chExt cx="730265" cy="821041"/>
+          </a:xfrm>
+        </p:grpSpPr>
+        <p:pic>
+          <p:nvPicPr>
+            <p:cNvPr id="5" name="Picture 4">
+              <a:extLst>
+                <a:ext uri="{FF2B5EF4-FFF2-40B4-BE49-F238E27FC236}">
+                  <a16:creationId xmlns:a16="http://schemas.microsoft.com/office/drawing/2014/main" id="{007D0D33-24FC-42F6-BBA1-052B57EF9679}"/>
+                </a:ext>
+              </a:extLst>
+            </p:cNvPr>
+            <p:cNvPicPr>
+              <a:picLocks noChangeAspect="1"/>
+            </p:cNvPicPr>
+            <p:nvPr/>
+          </p:nvPicPr>
+          <p:blipFill>
+            <a:blip r:embed="rId5">
+              <a:extLst>
+                <a:ext uri="{28A0092B-C50C-407E-A947-70E740481C1C}">
+                  <a14:useLocalDpi xmlns:a14="http://schemas.microsoft.com/office/drawing/2010/main" val="0"/>
+                </a:ext>
+              </a:extLst>
+            </a:blip>
+            <a:stretch>
+              <a:fillRect/>
+            </a:stretch>
+          </p:blipFill>
+          <p:spPr>
+            <a:xfrm>
+              <a:off x="5779612" y="548071"/>
+              <a:ext cx="609685" cy="609685"/>
+            </a:xfrm>
+            <a:prstGeom prst="rect">
+              <a:avLst/>
+            </a:prstGeom>
+          </p:spPr>
+        </p:pic>
+        <p:sp>
+          <p:nvSpPr>
+            <p:cNvPr id="28" name="TextBox 27">
+              <a:extLst>
+                <a:ext uri="{FF2B5EF4-FFF2-40B4-BE49-F238E27FC236}">
+                  <a16:creationId xmlns:a16="http://schemas.microsoft.com/office/drawing/2014/main" id="{6094A916-EF53-45D6-8F7C-C9FFAFB9615E}"/>
+                </a:ext>
+              </a:extLst>
+            </p:cNvPr>
+            <p:cNvSpPr txBox="1"/>
+            <p:nvPr/>
+          </p:nvSpPr>
+          <p:spPr>
+            <a:xfrm>
+              <a:off x="5677243" y="1092113"/>
+              <a:ext cx="730265" cy="276999"/>
+            </a:xfrm>
+            <a:prstGeom prst="rect">
+              <a:avLst/>
+            </a:prstGeom>
+            <a:noFill/>
+          </p:spPr>
+          <p:txBody>
+            <a:bodyPr wrap="none" rtlCol="0">
+              <a:spAutoFit/>
+            </a:bodyPr>
+            <a:lstStyle/>
+            <a:p>
+              <a:pPr algn="ctr"/>
+              <a:r>
+                <a:rPr lang="en-US" sz="1200" dirty="0">
+                  <a:latin typeface="Arial" panose="020B0604020202020204" pitchFamily="34" charset="0"/>
+                  <a:cs typeface="Arial" panose="020B0604020202020204" pitchFamily="34" charset="0"/>
+                </a:rPr>
+                <a:t>Teacher</a:t>
+              </a:r>
+            </a:p>
+          </p:txBody>
+        </p:sp>
+      </p:grpSp>
+      <p:sp>
+        <p:nvSpPr>
+          <p:cNvPr id="29" name="TextBox 28">
+            <a:extLst>
+              <a:ext uri="{FF2B5EF4-FFF2-40B4-BE49-F238E27FC236}">
+                <a16:creationId xmlns:a16="http://schemas.microsoft.com/office/drawing/2014/main" id="{D2D04369-88EB-4078-B6ED-96591D9E04EF}"/>
+              </a:ext>
+            </a:extLst>
+          </p:cNvPr>
+          <p:cNvSpPr txBox="1"/>
+          <p:nvPr/>
+        </p:nvSpPr>
+        <p:spPr>
+          <a:xfrm>
+            <a:off x="2560274" y="40504"/>
+            <a:ext cx="646331" cy="276999"/>
+          </a:xfrm>
+          <a:prstGeom prst="rect">
+            <a:avLst/>
+          </a:prstGeom>
+          <a:noFill/>
+        </p:spPr>
+        <p:txBody>
+          <a:bodyPr wrap="none" rtlCol="0">
+            <a:spAutoFit/>
+          </a:bodyPr>
+          <a:lstStyle/>
+          <a:p>
+            <a:pPr algn="ctr"/>
+            <a:r>
+              <a:rPr lang="en-US" sz="1200" b="1" dirty="0" err="1">
+                <a:latin typeface="Arial" panose="020B0604020202020204" pitchFamily="34" charset="0"/>
+                <a:cs typeface="Arial" panose="020B0604020202020204" pitchFamily="34" charset="0"/>
+              </a:rPr>
+              <a:t>PedaL</a:t>
+            </a:r>
+            <a:endParaRPr lang="en-US" sz="1200" b="1" dirty="0">
+              <a:latin typeface="Arial" panose="020B0604020202020204" pitchFamily="34" charset="0"/>
+              <a:cs typeface="Arial" panose="020B0604020202020204" pitchFamily="34" charset="0"/>
+            </a:endParaRPr>
+          </a:p>
+        </p:txBody>
+      </p:sp>
+      <p:grpSp>
+        <p:nvGrpSpPr>
+          <p:cNvPr id="52" name="Group 51">
+            <a:extLst>
+              <a:ext uri="{FF2B5EF4-FFF2-40B4-BE49-F238E27FC236}">
+                <a16:creationId xmlns:a16="http://schemas.microsoft.com/office/drawing/2014/main" id="{C665B808-FEDB-4CC4-8E7B-9037193B2D39}"/>
+              </a:ext>
+            </a:extLst>
+          </p:cNvPr>
+          <p:cNvGrpSpPr/>
+          <p:nvPr/>
+        </p:nvGrpSpPr>
+        <p:grpSpPr>
+          <a:xfrm>
+            <a:off x="715978" y="562934"/>
+            <a:ext cx="724782" cy="295304"/>
+            <a:chOff x="1161961" y="995810"/>
+            <a:chExt cx="724782" cy="295304"/>
+          </a:xfrm>
+        </p:grpSpPr>
+        <p:sp>
+          <p:nvSpPr>
+            <p:cNvPr id="32" name="TextBox 31">
+              <a:extLst>
+                <a:ext uri="{FF2B5EF4-FFF2-40B4-BE49-F238E27FC236}">
+                  <a16:creationId xmlns:a16="http://schemas.microsoft.com/office/drawing/2014/main" id="{CF691B24-B6B6-4E8A-BA39-E595947EC9F8}"/>
+                </a:ext>
+              </a:extLst>
+            </p:cNvPr>
+            <p:cNvSpPr txBox="1"/>
+            <p:nvPr/>
+          </p:nvSpPr>
+          <p:spPr>
+            <a:xfrm>
+              <a:off x="1161961" y="995810"/>
+              <a:ext cx="721672" cy="276999"/>
+            </a:xfrm>
+            <a:prstGeom prst="rect">
+              <a:avLst/>
+            </a:prstGeom>
+            <a:noFill/>
+          </p:spPr>
+          <p:txBody>
+            <a:bodyPr wrap="none" rtlCol="0">
+              <a:spAutoFit/>
+            </a:bodyPr>
+            <a:lstStyle>
+              <a:defPPr>
+                <a:defRPr lang="en-US"/>
+              </a:defPPr>
+              <a:lvl1pPr>
+                <a:defRPr sz="1200">
+                  <a:latin typeface="Arial" panose="020B0604020202020204" pitchFamily="34" charset="0"/>
+                  <a:cs typeface="Arial" panose="020B0604020202020204" pitchFamily="34" charset="0"/>
+                </a:defRPr>
+              </a:lvl1pPr>
+            </a:lstStyle>
+            <a:p>
+              <a:r>
+                <a:rPr lang="en-US" i="1" dirty="0"/>
+                <a:t>Creates</a:t>
+              </a:r>
+            </a:p>
+          </p:txBody>
+        </p:sp>
+        <p:cxnSp>
+          <p:nvCxnSpPr>
+            <p:cNvPr id="34" name="Straight Arrow Connector 33">
+              <a:extLst>
+                <a:ext uri="{FF2B5EF4-FFF2-40B4-BE49-F238E27FC236}">
+                  <a16:creationId xmlns:a16="http://schemas.microsoft.com/office/drawing/2014/main" id="{636A2A0F-8B27-4DC4-AEDA-4D30516C1304}"/>
+                </a:ext>
+              </a:extLst>
+            </p:cNvPr>
+            <p:cNvCxnSpPr/>
+            <p:nvPr/>
+          </p:nvCxnSpPr>
+          <p:spPr>
+            <a:xfrm>
+              <a:off x="1200943" y="1291114"/>
+              <a:ext cx="685800" cy="0"/>
+            </a:xfrm>
+            <a:prstGeom prst="straightConnector1">
+              <a:avLst/>
+            </a:prstGeom>
+            <a:ln w="38100">
+              <a:tailEnd type="triangle"/>
+            </a:ln>
+          </p:spPr>
+          <p:style>
+            <a:lnRef idx="3">
+              <a:schemeClr val="dk1"/>
+            </a:lnRef>
+            <a:fillRef idx="0">
+              <a:schemeClr val="dk1"/>
+            </a:fillRef>
+            <a:effectRef idx="2">
+              <a:schemeClr val="dk1"/>
+            </a:effectRef>
+            <a:fontRef idx="minor">
+              <a:schemeClr val="tx1"/>
+            </a:fontRef>
+          </p:style>
+        </p:cxnSp>
+      </p:grpSp>
+      <p:grpSp>
+        <p:nvGrpSpPr>
+          <p:cNvPr id="37" name="Group 36">
+            <a:extLst>
+              <a:ext uri="{FF2B5EF4-FFF2-40B4-BE49-F238E27FC236}">
+                <a16:creationId xmlns:a16="http://schemas.microsoft.com/office/drawing/2014/main" id="{A1A66B36-3D2B-4D2B-B2E3-D1D039A56430}"/>
+              </a:ext>
+            </a:extLst>
+          </p:cNvPr>
+          <p:cNvGrpSpPr/>
+          <p:nvPr/>
+        </p:nvGrpSpPr>
+        <p:grpSpPr>
+          <a:xfrm>
+            <a:off x="1266406" y="540179"/>
+            <a:ext cx="840882" cy="1179764"/>
+            <a:chOff x="2379478" y="582986"/>
+            <a:chExt cx="840882" cy="1179764"/>
+          </a:xfrm>
+        </p:grpSpPr>
+        <p:pic>
+          <p:nvPicPr>
+            <p:cNvPr id="15" name="Picture 14" descr="A close up of a sign&#10;&#10;Description automatically generated">
+              <a:extLst>
+                <a:ext uri="{FF2B5EF4-FFF2-40B4-BE49-F238E27FC236}">
+                  <a16:creationId xmlns:a16="http://schemas.microsoft.com/office/drawing/2014/main" id="{3C71EA82-4235-4E63-8F3E-249AF00E91EB}"/>
+                </a:ext>
+              </a:extLst>
+            </p:cNvPr>
+            <p:cNvPicPr>
+              <a:picLocks noChangeAspect="1"/>
+            </p:cNvPicPr>
+            <p:nvPr/>
+          </p:nvPicPr>
+          <p:blipFill>
+            <a:blip r:embed="rId6">
+              <a:extLst>
+                <a:ext uri="{28A0092B-C50C-407E-A947-70E740481C1C}">
+                  <a14:useLocalDpi xmlns:a14="http://schemas.microsoft.com/office/drawing/2010/main" val="0"/>
+                </a:ext>
+              </a:extLst>
+            </a:blip>
+            <a:stretch>
+              <a:fillRect/>
+            </a:stretch>
+          </p:blipFill>
+          <p:spPr>
+            <a:xfrm>
+              <a:off x="2495077" y="582986"/>
+              <a:ext cx="609685" cy="609685"/>
+            </a:xfrm>
+            <a:prstGeom prst="rect">
+              <a:avLst/>
+            </a:prstGeom>
+          </p:spPr>
+        </p:pic>
+        <p:sp>
+          <p:nvSpPr>
+            <p:cNvPr id="36" name="TextBox 35">
+              <a:extLst>
+                <a:ext uri="{FF2B5EF4-FFF2-40B4-BE49-F238E27FC236}">
+                  <a16:creationId xmlns:a16="http://schemas.microsoft.com/office/drawing/2014/main" id="{C83A6143-8DEF-4D14-BD94-32068BF2B254}"/>
+                </a:ext>
+              </a:extLst>
+            </p:cNvPr>
+            <p:cNvSpPr txBox="1"/>
+            <p:nvPr/>
+          </p:nvSpPr>
+          <p:spPr>
+            <a:xfrm>
+              <a:off x="2379478" y="1116419"/>
+              <a:ext cx="840882" cy="646331"/>
+            </a:xfrm>
+            <a:prstGeom prst="rect">
+              <a:avLst/>
+            </a:prstGeom>
+            <a:noFill/>
+          </p:spPr>
+          <p:txBody>
+            <a:bodyPr wrap="square" rtlCol="0">
+              <a:spAutoFit/>
+            </a:bodyPr>
+            <a:lstStyle>
+              <a:defPPr>
+                <a:defRPr lang="en-US"/>
+              </a:defPPr>
+              <a:lvl1pPr>
+                <a:defRPr sz="1200">
+                  <a:latin typeface="Arial" panose="020B0604020202020204" pitchFamily="34" charset="0"/>
+                  <a:cs typeface="Arial" panose="020B0604020202020204" pitchFamily="34" charset="0"/>
+                </a:defRPr>
+              </a:lvl1pPr>
+            </a:lstStyle>
+            <a:p>
+              <a:pPr algn="ctr"/>
+              <a:r>
+                <a:rPr lang="en-US" dirty="0"/>
+                <a:t>Instructor Control Script</a:t>
+              </a:r>
+            </a:p>
+          </p:txBody>
+        </p:sp>
+      </p:grpSp>
+      <p:sp>
+        <p:nvSpPr>
+          <p:cNvPr id="38" name="TextBox 37">
+            <a:extLst>
+              <a:ext uri="{FF2B5EF4-FFF2-40B4-BE49-F238E27FC236}">
+                <a16:creationId xmlns:a16="http://schemas.microsoft.com/office/drawing/2014/main" id="{D2945EBF-E36B-455E-AC9E-3CCFC6434CE7}"/>
+              </a:ext>
+            </a:extLst>
+          </p:cNvPr>
+          <p:cNvSpPr txBox="1"/>
+          <p:nvPr/>
+        </p:nvSpPr>
+        <p:spPr>
+          <a:xfrm>
+            <a:off x="1962266" y="581239"/>
+            <a:ext cx="575799" cy="276999"/>
+          </a:xfrm>
+          <a:prstGeom prst="rect">
+            <a:avLst/>
+          </a:prstGeom>
+          <a:noFill/>
+        </p:spPr>
+        <p:txBody>
+          <a:bodyPr wrap="none" rtlCol="0">
+            <a:spAutoFit/>
+          </a:bodyPr>
+          <a:lstStyle>
+            <a:defPPr>
+              <a:defRPr lang="en-US"/>
+            </a:defPPr>
+            <a:lvl1pPr>
+              <a:defRPr sz="1200">
+                <a:latin typeface="Arial" panose="020B0604020202020204" pitchFamily="34" charset="0"/>
+                <a:cs typeface="Arial" panose="020B0604020202020204" pitchFamily="34" charset="0"/>
+              </a:defRPr>
+            </a:lvl1pPr>
+          </a:lstStyle>
+          <a:p>
+            <a:r>
+              <a:rPr lang="en-US" i="1" dirty="0"/>
+              <a:t>Using</a:t>
+            </a:r>
+          </a:p>
+        </p:txBody>
+      </p:sp>
+      <p:grpSp>
+        <p:nvGrpSpPr>
+          <p:cNvPr id="53" name="Group 52">
+            <a:extLst>
+              <a:ext uri="{FF2B5EF4-FFF2-40B4-BE49-F238E27FC236}">
+                <a16:creationId xmlns:a16="http://schemas.microsoft.com/office/drawing/2014/main" id="{E26C259E-7EDC-44C1-94B1-C26410F86564}"/>
+              </a:ext>
+            </a:extLst>
+          </p:cNvPr>
+          <p:cNvGrpSpPr/>
+          <p:nvPr/>
+        </p:nvGrpSpPr>
+        <p:grpSpPr>
+          <a:xfrm>
+            <a:off x="2641962" y="540179"/>
+            <a:ext cx="725284" cy="812074"/>
+            <a:chOff x="4452952" y="691056"/>
+            <a:chExt cx="725284" cy="812074"/>
+          </a:xfrm>
+        </p:grpSpPr>
+        <p:pic>
+          <p:nvPicPr>
+            <p:cNvPr id="41" name="Picture 40">
+              <a:extLst>
+                <a:ext uri="{FF2B5EF4-FFF2-40B4-BE49-F238E27FC236}">
+                  <a16:creationId xmlns:a16="http://schemas.microsoft.com/office/drawing/2014/main" id="{3AB7E267-5F00-49A6-A70F-F16DF5FB21B2}"/>
+                </a:ext>
+              </a:extLst>
+            </p:cNvPr>
+            <p:cNvPicPr>
+              <a:picLocks noChangeAspect="1"/>
+            </p:cNvPicPr>
+            <p:nvPr/>
+          </p:nvPicPr>
+          <p:blipFill>
+            <a:blip r:embed="rId7">
+              <a:extLst>
+                <a:ext uri="{28A0092B-C50C-407E-A947-70E740481C1C}">
+                  <a14:useLocalDpi xmlns:a14="http://schemas.microsoft.com/office/drawing/2010/main" val="0"/>
+                </a:ext>
+              </a:extLst>
+            </a:blip>
+            <a:stretch>
+              <a:fillRect/>
+            </a:stretch>
+          </p:blipFill>
+          <p:spPr>
+            <a:xfrm>
+              <a:off x="4520461" y="691056"/>
+              <a:ext cx="609685" cy="609685"/>
+            </a:xfrm>
+            <a:prstGeom prst="rect">
+              <a:avLst/>
+            </a:prstGeom>
+          </p:spPr>
+        </p:pic>
+        <p:sp>
+          <p:nvSpPr>
+            <p:cNvPr id="43" name="TextBox 42">
+              <a:extLst>
+                <a:ext uri="{FF2B5EF4-FFF2-40B4-BE49-F238E27FC236}">
+                  <a16:creationId xmlns:a16="http://schemas.microsoft.com/office/drawing/2014/main" id="{BC9FC9A9-A964-48C9-8EB0-323B0C5AF1A5}"/>
+                </a:ext>
+              </a:extLst>
+            </p:cNvPr>
+            <p:cNvSpPr txBox="1"/>
+            <p:nvPr/>
+          </p:nvSpPr>
+          <p:spPr>
+            <a:xfrm>
+              <a:off x="4452952" y="1226131"/>
+              <a:ext cx="725284" cy="276999"/>
+            </a:xfrm>
+            <a:prstGeom prst="rect">
+              <a:avLst/>
+            </a:prstGeom>
+            <a:noFill/>
+          </p:spPr>
+          <p:txBody>
+            <a:bodyPr wrap="square" rtlCol="0">
+              <a:spAutoFit/>
+            </a:bodyPr>
+            <a:lstStyle>
+              <a:defPPr>
+                <a:defRPr lang="en-US"/>
+              </a:defPPr>
+              <a:lvl1pPr>
+                <a:defRPr sz="1200">
+                  <a:latin typeface="Arial" panose="020B0604020202020204" pitchFamily="34" charset="0"/>
+                  <a:cs typeface="Arial" panose="020B0604020202020204" pitchFamily="34" charset="0"/>
+                </a:defRPr>
+              </a:lvl1pPr>
+            </a:lstStyle>
+            <a:p>
+              <a:pPr algn="ctr"/>
+              <a:r>
+                <a:rPr lang="en-US" dirty="0"/>
+                <a:t>API</a:t>
+              </a:r>
+            </a:p>
+          </p:txBody>
+        </p:sp>
+      </p:grpSp>
+      <p:pic>
+        <p:nvPicPr>
+          <p:cNvPr id="46" name="Picture 45">
+            <a:extLst>
+              <a:ext uri="{FF2B5EF4-FFF2-40B4-BE49-F238E27FC236}">
+                <a16:creationId xmlns:a16="http://schemas.microsoft.com/office/drawing/2014/main" id="{1232482F-20D5-4CFA-93AD-CCA455A01FAB}"/>
+              </a:ext>
+            </a:extLst>
+          </p:cNvPr>
+          <p:cNvPicPr>
+            <a:picLocks noChangeAspect="1"/>
+          </p:cNvPicPr>
+          <p:nvPr/>
+        </p:nvPicPr>
+        <p:blipFill>
+          <a:blip r:embed="rId8">
+            <a:extLst>
+              <a:ext uri="{28A0092B-C50C-407E-A947-70E740481C1C}">
+                <a14:useLocalDpi xmlns:a14="http://schemas.microsoft.com/office/drawing/2010/main" val="0"/>
+              </a:ext>
+            </a:extLst>
+          </a:blip>
+          <a:stretch>
+            <a:fillRect/>
+          </a:stretch>
+        </p:blipFill>
+        <p:spPr>
+          <a:xfrm>
+            <a:off x="2725223" y="2077879"/>
+            <a:ext cx="609685" cy="609685"/>
+          </a:xfrm>
+          <a:prstGeom prst="rect">
+            <a:avLst/>
+          </a:prstGeom>
+        </p:spPr>
+      </p:pic>
+      <p:sp>
+        <p:nvSpPr>
+          <p:cNvPr id="47" name="TextBox 46">
+            <a:extLst>
+              <a:ext uri="{FF2B5EF4-FFF2-40B4-BE49-F238E27FC236}">
+                <a16:creationId xmlns:a16="http://schemas.microsoft.com/office/drawing/2014/main" id="{4DFED15D-EF63-4BF9-B121-D4AF6766E34E}"/>
+              </a:ext>
+            </a:extLst>
+          </p:cNvPr>
+          <p:cNvSpPr txBox="1"/>
+          <p:nvPr/>
+        </p:nvSpPr>
+        <p:spPr>
+          <a:xfrm>
+            <a:off x="2557106" y="2645129"/>
+            <a:ext cx="952283" cy="276999"/>
+          </a:xfrm>
+          <a:prstGeom prst="rect">
+            <a:avLst/>
+          </a:prstGeom>
+          <a:noFill/>
+        </p:spPr>
+        <p:txBody>
+          <a:bodyPr wrap="square" rtlCol="0">
+            <a:spAutoFit/>
+          </a:bodyPr>
+          <a:lstStyle/>
+          <a:p>
+            <a:pPr algn="ctr"/>
+            <a:r>
+              <a:rPr lang="en-US" sz="1200" dirty="0">
+                <a:latin typeface="Arial" panose="020B0604020202020204" pitchFamily="34" charset="0"/>
+                <a:cs typeface="Arial" panose="020B0604020202020204" pitchFamily="34" charset="0"/>
+              </a:rPr>
+              <a:t>Resolver</a:t>
+            </a:r>
+          </a:p>
+        </p:txBody>
+      </p:sp>
+      <p:sp>
+        <p:nvSpPr>
+          <p:cNvPr id="49" name="TextBox 48">
+            <a:extLst>
+              <a:ext uri="{FF2B5EF4-FFF2-40B4-BE49-F238E27FC236}">
+                <a16:creationId xmlns:a16="http://schemas.microsoft.com/office/drawing/2014/main" id="{0C86110F-B7C1-423B-8D77-E3F076B4AD7F}"/>
+              </a:ext>
+            </a:extLst>
+          </p:cNvPr>
+          <p:cNvSpPr txBox="1"/>
+          <p:nvPr/>
+        </p:nvSpPr>
+        <p:spPr>
+          <a:xfrm>
+            <a:off x="1169859" y="2550805"/>
+            <a:ext cx="1019175" cy="461665"/>
+          </a:xfrm>
+          <a:prstGeom prst="rect">
+            <a:avLst/>
+          </a:prstGeom>
+          <a:noFill/>
+        </p:spPr>
+        <p:txBody>
+          <a:bodyPr wrap="square" rtlCol="0">
+            <a:spAutoFit/>
+          </a:bodyPr>
+          <a:lstStyle>
+            <a:defPPr>
+              <a:defRPr lang="en-US"/>
+            </a:defPPr>
+            <a:lvl1pPr>
+              <a:defRPr sz="1200">
+                <a:latin typeface="Arial" panose="020B0604020202020204" pitchFamily="34" charset="0"/>
+                <a:cs typeface="Arial" panose="020B0604020202020204" pitchFamily="34" charset="0"/>
+              </a:defRPr>
+            </a:lvl1pPr>
+          </a:lstStyle>
+          <a:p>
+            <a:pPr algn="ctr"/>
+            <a:r>
+              <a:rPr lang="en-US" dirty="0"/>
+              <a:t>Feedback</a:t>
+            </a:r>
+          </a:p>
+          <a:p>
+            <a:pPr algn="ctr"/>
+            <a:r>
+              <a:rPr lang="en-US" dirty="0"/>
+              <a:t>Message</a:t>
+            </a:r>
+          </a:p>
+        </p:txBody>
+      </p:sp>
+      <p:cxnSp>
+        <p:nvCxnSpPr>
+          <p:cNvPr id="56" name="Straight Arrow Connector 55">
+            <a:extLst>
+              <a:ext uri="{FF2B5EF4-FFF2-40B4-BE49-F238E27FC236}">
+                <a16:creationId xmlns:a16="http://schemas.microsoft.com/office/drawing/2014/main" id="{57547B0C-781D-44A0-A6D6-0CE79C7ABF8B}"/>
+              </a:ext>
+            </a:extLst>
+          </p:cNvPr>
+          <p:cNvCxnSpPr>
+            <a:cxnSpLocks/>
+          </p:cNvCxnSpPr>
+          <p:nvPr/>
+        </p:nvCxnSpPr>
+        <p:spPr>
+          <a:xfrm>
+            <a:off x="1943087" y="861972"/>
+            <a:ext cx="685800" cy="0"/>
+          </a:xfrm>
+          <a:prstGeom prst="straightConnector1">
+            <a:avLst/>
+          </a:prstGeom>
+          <a:ln w="38100">
+            <a:tailEnd type="triangle"/>
+          </a:ln>
+        </p:spPr>
+        <p:style>
+          <a:lnRef idx="3">
+            <a:schemeClr val="dk1"/>
+          </a:lnRef>
+          <a:fillRef idx="0">
+            <a:schemeClr val="dk1"/>
+          </a:fillRef>
+          <a:effectRef idx="2">
+            <a:schemeClr val="dk1"/>
+          </a:effectRef>
+          <a:fontRef idx="minor">
+            <a:schemeClr val="tx1"/>
+          </a:fontRef>
+        </p:style>
+      </p:cxnSp>
+      <p:cxnSp>
+        <p:nvCxnSpPr>
+          <p:cNvPr id="58" name="Straight Arrow Connector 57">
+            <a:extLst>
+              <a:ext uri="{FF2B5EF4-FFF2-40B4-BE49-F238E27FC236}">
+                <a16:creationId xmlns:a16="http://schemas.microsoft.com/office/drawing/2014/main" id="{77D64E32-23E3-4351-B676-5358ACC26898}"/>
+              </a:ext>
+            </a:extLst>
+          </p:cNvPr>
+          <p:cNvCxnSpPr>
+            <a:cxnSpLocks/>
+          </p:cNvCxnSpPr>
+          <p:nvPr/>
+        </p:nvCxnSpPr>
+        <p:spPr>
+          <a:xfrm rot="16200000" flipH="1">
+            <a:off x="3160981" y="1142196"/>
+            <a:ext cx="918148" cy="802197"/>
+          </a:xfrm>
+          <a:prstGeom prst="curvedConnector3">
+            <a:avLst>
+              <a:gd name="adj1" fmla="val 59526"/>
+            </a:avLst>
+          </a:prstGeom>
+          <a:ln w="38100">
+            <a:tailEnd type="triangle"/>
+          </a:ln>
+        </p:spPr>
+        <p:style>
+          <a:lnRef idx="3">
+            <a:schemeClr val="dk1"/>
+          </a:lnRef>
+          <a:fillRef idx="0">
+            <a:schemeClr val="dk1"/>
+          </a:fillRef>
+          <a:effectRef idx="2">
+            <a:schemeClr val="dk1"/>
+          </a:effectRef>
+          <a:fontRef idx="minor">
+            <a:schemeClr val="tx1"/>
+          </a:fontRef>
+        </p:style>
+      </p:cxnSp>
+      <p:sp>
+        <p:nvSpPr>
+          <p:cNvPr id="59" name="TextBox 58">
+            <a:extLst>
+              <a:ext uri="{FF2B5EF4-FFF2-40B4-BE49-F238E27FC236}">
+                <a16:creationId xmlns:a16="http://schemas.microsoft.com/office/drawing/2014/main" id="{CEDF02D1-1A4E-4468-A6F6-A1A50EB9A48C}"/>
+              </a:ext>
+            </a:extLst>
+          </p:cNvPr>
+          <p:cNvSpPr txBox="1"/>
+          <p:nvPr/>
+        </p:nvSpPr>
+        <p:spPr>
+          <a:xfrm>
+            <a:off x="3181378" y="1605425"/>
+            <a:ext cx="705642" cy="276999"/>
+          </a:xfrm>
+          <a:prstGeom prst="rect">
+            <a:avLst/>
+          </a:prstGeom>
+          <a:noFill/>
+        </p:spPr>
+        <p:txBody>
+          <a:bodyPr wrap="none" rtlCol="0">
+            <a:spAutoFit/>
+          </a:bodyPr>
+          <a:lstStyle>
+            <a:defPPr>
+              <a:defRPr lang="en-US"/>
+            </a:defPPr>
+            <a:lvl1pPr>
+              <a:defRPr sz="1200">
+                <a:latin typeface="Arial" panose="020B0604020202020204" pitchFamily="34" charset="0"/>
+                <a:cs typeface="Arial" panose="020B0604020202020204" pitchFamily="34" charset="0"/>
+              </a:defRPr>
+            </a:lvl1pPr>
+          </a:lstStyle>
+          <a:p>
+            <a:r>
+              <a:rPr lang="en-US" i="1" dirty="0"/>
+              <a:t>Sets up</a:t>
+            </a:r>
+          </a:p>
+        </p:txBody>
+      </p:sp>
+      <p:sp>
+        <p:nvSpPr>
+          <p:cNvPr id="60" name="TextBox 59">
+            <a:extLst>
+              <a:ext uri="{FF2B5EF4-FFF2-40B4-BE49-F238E27FC236}">
+                <a16:creationId xmlns:a16="http://schemas.microsoft.com/office/drawing/2014/main" id="{6908CA88-317E-4444-AA9A-6FE1F7CC4F4A}"/>
+              </a:ext>
+            </a:extLst>
+          </p:cNvPr>
+          <p:cNvSpPr txBox="1"/>
+          <p:nvPr/>
+        </p:nvSpPr>
+        <p:spPr>
+          <a:xfrm>
+            <a:off x="3315305" y="514630"/>
+            <a:ext cx="534121" cy="276999"/>
+          </a:xfrm>
+          <a:prstGeom prst="rect">
+            <a:avLst/>
+          </a:prstGeom>
+          <a:noFill/>
+        </p:spPr>
+        <p:txBody>
+          <a:bodyPr wrap="none" rtlCol="0">
+            <a:spAutoFit/>
+          </a:bodyPr>
+          <a:lstStyle>
+            <a:defPPr>
+              <a:defRPr lang="en-US"/>
+            </a:defPPr>
+            <a:lvl1pPr>
+              <a:defRPr sz="1200">
+                <a:latin typeface="Arial" panose="020B0604020202020204" pitchFamily="34" charset="0"/>
+                <a:cs typeface="Arial" panose="020B0604020202020204" pitchFamily="34" charset="0"/>
+              </a:defRPr>
+            </a:lvl1pPr>
+          </a:lstStyle>
+          <a:p>
+            <a:r>
+              <a:rPr lang="en-US" i="1" dirty="0"/>
+              <a:t>Uses</a:t>
+            </a:r>
+          </a:p>
+        </p:txBody>
+      </p:sp>
+      <p:cxnSp>
+        <p:nvCxnSpPr>
+          <p:cNvPr id="62" name="Straight Arrow Connector 61">
+            <a:extLst>
+              <a:ext uri="{FF2B5EF4-FFF2-40B4-BE49-F238E27FC236}">
+                <a16:creationId xmlns:a16="http://schemas.microsoft.com/office/drawing/2014/main" id="{6654FEDC-348D-4656-BE11-EF5E2E22FB50}"/>
+              </a:ext>
+            </a:extLst>
+          </p:cNvPr>
+          <p:cNvCxnSpPr>
+            <a:cxnSpLocks/>
+          </p:cNvCxnSpPr>
+          <p:nvPr/>
+        </p:nvCxnSpPr>
+        <p:spPr>
+          <a:xfrm>
+            <a:off x="4895163" y="2625557"/>
+            <a:ext cx="685800" cy="0"/>
+          </a:xfrm>
+          <a:prstGeom prst="straightConnector1">
+            <a:avLst/>
+          </a:prstGeom>
+          <a:ln w="38100">
+            <a:tailEnd type="triangle"/>
+          </a:ln>
+        </p:spPr>
+        <p:style>
+          <a:lnRef idx="3">
+            <a:schemeClr val="dk1"/>
+          </a:lnRef>
+          <a:fillRef idx="0">
+            <a:schemeClr val="dk1"/>
+          </a:fillRef>
+          <a:effectRef idx="2">
+            <a:schemeClr val="dk1"/>
+          </a:effectRef>
+          <a:fontRef idx="minor">
+            <a:schemeClr val="tx1"/>
+          </a:fontRef>
+        </p:style>
+      </p:cxnSp>
+      <p:sp>
+        <p:nvSpPr>
+          <p:cNvPr id="63" name="TextBox 62">
+            <a:extLst>
+              <a:ext uri="{FF2B5EF4-FFF2-40B4-BE49-F238E27FC236}">
+                <a16:creationId xmlns:a16="http://schemas.microsoft.com/office/drawing/2014/main" id="{DDBEF6DB-746F-4A6A-8884-8FEFAA34FDD3}"/>
+              </a:ext>
+            </a:extLst>
+          </p:cNvPr>
+          <p:cNvSpPr txBox="1"/>
+          <p:nvPr/>
+        </p:nvSpPr>
+        <p:spPr>
+          <a:xfrm>
+            <a:off x="4805655" y="2358100"/>
+            <a:ext cx="788999" cy="276999"/>
+          </a:xfrm>
+          <a:prstGeom prst="rect">
+            <a:avLst/>
+          </a:prstGeom>
+          <a:noFill/>
+        </p:spPr>
+        <p:txBody>
+          <a:bodyPr wrap="none" rtlCol="0">
+            <a:spAutoFit/>
+          </a:bodyPr>
+          <a:lstStyle>
+            <a:defPPr>
+              <a:defRPr lang="en-US"/>
+            </a:defPPr>
+            <a:lvl1pPr>
+              <a:defRPr sz="1200">
+                <a:latin typeface="Arial" panose="020B0604020202020204" pitchFamily="34" charset="0"/>
+                <a:cs typeface="Arial" panose="020B0604020202020204" pitchFamily="34" charset="0"/>
+              </a:defRPr>
+            </a:lvl1pPr>
+          </a:lstStyle>
+          <a:p>
+            <a:r>
+              <a:rPr lang="en-US" i="1" dirty="0"/>
+              <a:t>Contains</a:t>
+            </a:r>
+          </a:p>
+        </p:txBody>
+      </p:sp>
+      <p:grpSp>
+        <p:nvGrpSpPr>
+          <p:cNvPr id="64" name="Group 63">
+            <a:extLst>
+              <a:ext uri="{FF2B5EF4-FFF2-40B4-BE49-F238E27FC236}">
+                <a16:creationId xmlns:a16="http://schemas.microsoft.com/office/drawing/2014/main" id="{2C0419DA-961A-42E1-A720-AAE3BB09A860}"/>
+              </a:ext>
+            </a:extLst>
+          </p:cNvPr>
+          <p:cNvGrpSpPr/>
+          <p:nvPr/>
+        </p:nvGrpSpPr>
+        <p:grpSpPr>
+          <a:xfrm>
+            <a:off x="710681" y="2105723"/>
+            <a:ext cx="633265" cy="295305"/>
+            <a:chOff x="1171779" y="995809"/>
+            <a:chExt cx="714964" cy="295305"/>
+          </a:xfrm>
+        </p:grpSpPr>
+        <p:sp>
+          <p:nvSpPr>
+            <p:cNvPr id="65" name="TextBox 64">
+              <a:extLst>
+                <a:ext uri="{FF2B5EF4-FFF2-40B4-BE49-F238E27FC236}">
+                  <a16:creationId xmlns:a16="http://schemas.microsoft.com/office/drawing/2014/main" id="{8D436ECE-C3EE-4A04-B03F-EF1A7C6AB011}"/>
+                </a:ext>
+              </a:extLst>
+            </p:cNvPr>
+            <p:cNvSpPr txBox="1"/>
+            <p:nvPr/>
+          </p:nvSpPr>
+          <p:spPr>
+            <a:xfrm>
+              <a:off x="1171779" y="995809"/>
+              <a:ext cx="697627" cy="276999"/>
+            </a:xfrm>
+            <a:prstGeom prst="rect">
+              <a:avLst/>
+            </a:prstGeom>
+            <a:noFill/>
+          </p:spPr>
+          <p:txBody>
+            <a:bodyPr wrap="none" rtlCol="0">
+              <a:spAutoFit/>
+            </a:bodyPr>
+            <a:lstStyle>
+              <a:defPPr>
+                <a:defRPr lang="en-US"/>
+              </a:defPPr>
+              <a:lvl1pPr>
+                <a:defRPr sz="1200">
+                  <a:latin typeface="Arial" panose="020B0604020202020204" pitchFamily="34" charset="0"/>
+                  <a:cs typeface="Arial" panose="020B0604020202020204" pitchFamily="34" charset="0"/>
+                </a:defRPr>
+              </a:lvl1pPr>
+            </a:lstStyle>
+            <a:p>
+              <a:r>
+                <a:rPr lang="en-US" i="1" dirty="0"/>
+                <a:t>Informs</a:t>
+              </a:r>
+            </a:p>
+          </p:txBody>
+        </p:sp>
+        <p:cxnSp>
+          <p:nvCxnSpPr>
+            <p:cNvPr id="66" name="Straight Arrow Connector 65">
+              <a:extLst>
+                <a:ext uri="{FF2B5EF4-FFF2-40B4-BE49-F238E27FC236}">
+                  <a16:creationId xmlns:a16="http://schemas.microsoft.com/office/drawing/2014/main" id="{76C7603C-C59E-4A77-BE73-B8BA9901A524}"/>
+                </a:ext>
+              </a:extLst>
+            </p:cNvPr>
+            <p:cNvCxnSpPr>
+              <a:cxnSpLocks/>
+            </p:cNvCxnSpPr>
+            <p:nvPr/>
+          </p:nvCxnSpPr>
+          <p:spPr>
+            <a:xfrm flipH="1">
+              <a:off x="1200943" y="1291114"/>
+              <a:ext cx="685800" cy="0"/>
+            </a:xfrm>
+            <a:prstGeom prst="straightConnector1">
+              <a:avLst/>
+            </a:prstGeom>
+            <a:ln w="38100">
+              <a:tailEnd type="triangle"/>
+            </a:ln>
+          </p:spPr>
+          <p:style>
+            <a:lnRef idx="3">
+              <a:schemeClr val="dk1"/>
+            </a:lnRef>
+            <a:fillRef idx="0">
+              <a:schemeClr val="dk1"/>
+            </a:fillRef>
+            <a:effectRef idx="2">
+              <a:schemeClr val="dk1"/>
+            </a:effectRef>
+            <a:fontRef idx="minor">
+              <a:schemeClr val="tx1"/>
+            </a:fontRef>
+          </p:style>
+        </p:cxnSp>
+      </p:grpSp>
+      <p:sp>
+        <p:nvSpPr>
+          <p:cNvPr id="67" name="TextBox 66">
+            <a:extLst>
+              <a:ext uri="{FF2B5EF4-FFF2-40B4-BE49-F238E27FC236}">
+                <a16:creationId xmlns:a16="http://schemas.microsoft.com/office/drawing/2014/main" id="{95CCBAF4-0486-4905-AED3-A3A9F740F4D6}"/>
+              </a:ext>
+            </a:extLst>
+          </p:cNvPr>
+          <p:cNvSpPr txBox="1"/>
+          <p:nvPr/>
+        </p:nvSpPr>
+        <p:spPr>
+          <a:xfrm>
+            <a:off x="2010493" y="2124029"/>
+            <a:ext cx="688009" cy="276999"/>
+          </a:xfrm>
+          <a:prstGeom prst="rect">
+            <a:avLst/>
+          </a:prstGeom>
+          <a:noFill/>
+        </p:spPr>
+        <p:txBody>
+          <a:bodyPr wrap="none" rtlCol="0">
+            <a:spAutoFit/>
+          </a:bodyPr>
+          <a:lstStyle>
+            <a:defPPr>
+              <a:defRPr lang="en-US"/>
+            </a:defPPr>
+            <a:lvl1pPr>
+              <a:defRPr sz="1200">
+                <a:latin typeface="Arial" panose="020B0604020202020204" pitchFamily="34" charset="0"/>
+                <a:cs typeface="Arial" panose="020B0604020202020204" pitchFamily="34" charset="0"/>
+              </a:defRPr>
+            </a:lvl1pPr>
+          </a:lstStyle>
+          <a:p>
+            <a:r>
+              <a:rPr lang="en-US" i="1" dirty="0"/>
+              <a:t>Selects</a:t>
+            </a:r>
+          </a:p>
+        </p:txBody>
+      </p:sp>
+      <p:cxnSp>
+        <p:nvCxnSpPr>
+          <p:cNvPr id="68" name="Straight Arrow Connector 67">
+            <a:extLst>
+              <a:ext uri="{FF2B5EF4-FFF2-40B4-BE49-F238E27FC236}">
+                <a16:creationId xmlns:a16="http://schemas.microsoft.com/office/drawing/2014/main" id="{58900FCE-0C87-4974-9AB2-C61106D83E22}"/>
+              </a:ext>
+            </a:extLst>
+          </p:cNvPr>
+          <p:cNvCxnSpPr>
+            <a:cxnSpLocks/>
+          </p:cNvCxnSpPr>
+          <p:nvPr/>
+        </p:nvCxnSpPr>
+        <p:spPr>
+          <a:xfrm flipH="1">
+            <a:off x="1991314" y="2404762"/>
+            <a:ext cx="685800" cy="0"/>
+          </a:xfrm>
+          <a:prstGeom prst="straightConnector1">
+            <a:avLst/>
+          </a:prstGeom>
+          <a:ln w="38100">
+            <a:tailEnd type="triangle"/>
+          </a:ln>
+        </p:spPr>
+        <p:style>
+          <a:lnRef idx="3">
+            <a:schemeClr val="dk1"/>
+          </a:lnRef>
+          <a:fillRef idx="0">
+            <a:schemeClr val="dk1"/>
+          </a:fillRef>
+          <a:effectRef idx="2">
+            <a:schemeClr val="dk1"/>
+          </a:effectRef>
+          <a:fontRef idx="minor">
+            <a:schemeClr val="tx1"/>
+          </a:fontRef>
+        </p:style>
+      </p:cxnSp>
+      <p:pic>
+        <p:nvPicPr>
+          <p:cNvPr id="71" name="Picture 70" descr="A close up of a screen&#10;&#10;Description automatically generated">
+            <a:extLst>
+              <a:ext uri="{FF2B5EF4-FFF2-40B4-BE49-F238E27FC236}">
+                <a16:creationId xmlns:a16="http://schemas.microsoft.com/office/drawing/2014/main" id="{BE7AD296-F1CC-4AF9-BB38-BE434F63DAAB}"/>
+              </a:ext>
+            </a:extLst>
+          </p:cNvPr>
+          <p:cNvPicPr>
+            <a:picLocks noChangeAspect="1"/>
+          </p:cNvPicPr>
+          <p:nvPr/>
+        </p:nvPicPr>
+        <p:blipFill>
+          <a:blip r:embed="rId9">
+            <a:extLst>
+              <a:ext uri="{28A0092B-C50C-407E-A947-70E740481C1C}">
+                <a14:useLocalDpi xmlns:a14="http://schemas.microsoft.com/office/drawing/2010/main" val="0"/>
+              </a:ext>
+            </a:extLst>
+          </a:blip>
+          <a:stretch>
+            <a:fillRect/>
+          </a:stretch>
+        </p:blipFill>
+        <p:spPr>
+          <a:xfrm>
+            <a:off x="1375809" y="2027840"/>
+            <a:ext cx="609685" cy="609685"/>
+          </a:xfrm>
+          <a:prstGeom prst="rect">
+            <a:avLst/>
+          </a:prstGeom>
+        </p:spPr>
+      </p:pic>
+      <p:cxnSp>
+        <p:nvCxnSpPr>
+          <p:cNvPr id="72" name="Straight Arrow Connector 71">
+            <a:extLst>
+              <a:ext uri="{FF2B5EF4-FFF2-40B4-BE49-F238E27FC236}">
+                <a16:creationId xmlns:a16="http://schemas.microsoft.com/office/drawing/2014/main" id="{239E9F0A-4EC1-4285-9773-A1D99C07E2AE}"/>
+              </a:ext>
+            </a:extLst>
+          </p:cNvPr>
+          <p:cNvCxnSpPr>
+            <a:cxnSpLocks/>
+          </p:cNvCxnSpPr>
+          <p:nvPr/>
+        </p:nvCxnSpPr>
+        <p:spPr>
+          <a:xfrm>
+            <a:off x="3031602" y="1361220"/>
+            <a:ext cx="0" cy="623174"/>
+          </a:xfrm>
+          <a:prstGeom prst="straightConnector1">
+            <a:avLst/>
+          </a:prstGeom>
+          <a:ln w="38100">
+            <a:tailEnd type="triangle"/>
+          </a:ln>
+        </p:spPr>
+        <p:style>
+          <a:lnRef idx="3">
+            <a:schemeClr val="dk1"/>
+          </a:lnRef>
+          <a:fillRef idx="0">
+            <a:schemeClr val="dk1"/>
+          </a:fillRef>
+          <a:effectRef idx="2">
+            <a:schemeClr val="dk1"/>
+          </a:effectRef>
+          <a:fontRef idx="minor">
+            <a:schemeClr val="tx1"/>
+          </a:fontRef>
+        </p:style>
+      </p:cxnSp>
+      <p:sp>
+        <p:nvSpPr>
+          <p:cNvPr id="74" name="TextBox 73">
+            <a:extLst>
+              <a:ext uri="{FF2B5EF4-FFF2-40B4-BE49-F238E27FC236}">
+                <a16:creationId xmlns:a16="http://schemas.microsoft.com/office/drawing/2014/main" id="{9B15F76A-7A57-470F-BB9B-D7CA5846A398}"/>
+              </a:ext>
+            </a:extLst>
+          </p:cNvPr>
+          <p:cNvSpPr txBox="1"/>
+          <p:nvPr/>
+        </p:nvSpPr>
+        <p:spPr>
+          <a:xfrm>
+            <a:off x="2305217" y="1442563"/>
+            <a:ext cx="741613" cy="276999"/>
+          </a:xfrm>
+          <a:prstGeom prst="rect">
+            <a:avLst/>
+          </a:prstGeom>
+          <a:noFill/>
+        </p:spPr>
+        <p:txBody>
+          <a:bodyPr wrap="none" rtlCol="0">
+            <a:spAutoFit/>
+          </a:bodyPr>
+          <a:lstStyle>
+            <a:defPPr>
+              <a:defRPr lang="en-US"/>
+            </a:defPPr>
+            <a:lvl1pPr>
+              <a:defRPr sz="1200">
+                <a:latin typeface="Arial" panose="020B0604020202020204" pitchFamily="34" charset="0"/>
+                <a:cs typeface="Arial" panose="020B0604020202020204" pitchFamily="34" charset="0"/>
+              </a:defRPr>
+            </a:lvl1pPr>
+          </a:lstStyle>
+          <a:p>
+            <a:r>
+              <a:rPr lang="en-US" i="1" dirty="0"/>
+              <a:t>Triggers</a:t>
+            </a:r>
+          </a:p>
+        </p:txBody>
+      </p:sp>
+      <p:cxnSp>
+        <p:nvCxnSpPr>
+          <p:cNvPr id="75" name="Straight Arrow Connector 74">
+            <a:extLst>
+              <a:ext uri="{FF2B5EF4-FFF2-40B4-BE49-F238E27FC236}">
+                <a16:creationId xmlns:a16="http://schemas.microsoft.com/office/drawing/2014/main" id="{62854E47-17BC-46D1-9972-73E31ABD37BF}"/>
+              </a:ext>
+            </a:extLst>
+          </p:cNvPr>
+          <p:cNvCxnSpPr>
+            <a:cxnSpLocks/>
+          </p:cNvCxnSpPr>
+          <p:nvPr/>
+        </p:nvCxnSpPr>
+        <p:spPr>
+          <a:xfrm>
+            <a:off x="3358369" y="812228"/>
+            <a:ext cx="424887" cy="0"/>
+          </a:xfrm>
+          <a:prstGeom prst="straightConnector1">
+            <a:avLst/>
+          </a:prstGeom>
+          <a:ln w="38100">
+            <a:tailEnd type="triangle"/>
+          </a:ln>
+        </p:spPr>
+        <p:style>
+          <a:lnRef idx="3">
+            <a:schemeClr val="dk1"/>
+          </a:lnRef>
+          <a:fillRef idx="0">
+            <a:schemeClr val="dk1"/>
+          </a:fillRef>
+          <a:effectRef idx="2">
+            <a:schemeClr val="dk1"/>
+          </a:effectRef>
+          <a:fontRef idx="minor">
+            <a:schemeClr val="tx1"/>
+          </a:fontRef>
+        </p:style>
+      </p:cxnSp>
+      <p:cxnSp>
+        <p:nvCxnSpPr>
+          <p:cNvPr id="79" name="Straight Arrow Connector 78">
+            <a:extLst>
+              <a:ext uri="{FF2B5EF4-FFF2-40B4-BE49-F238E27FC236}">
+                <a16:creationId xmlns:a16="http://schemas.microsoft.com/office/drawing/2014/main" id="{1236A67C-E453-4D56-8906-4852BE8429A5}"/>
+              </a:ext>
+            </a:extLst>
+          </p:cNvPr>
+          <p:cNvCxnSpPr>
+            <a:cxnSpLocks/>
+          </p:cNvCxnSpPr>
+          <p:nvPr/>
+        </p:nvCxnSpPr>
+        <p:spPr>
+          <a:xfrm flipV="1">
+            <a:off x="5117487" y="1596940"/>
+            <a:ext cx="0" cy="387454"/>
+          </a:xfrm>
+          <a:prstGeom prst="straightConnector1">
+            <a:avLst/>
+          </a:prstGeom>
+          <a:ln w="38100">
+            <a:headEnd type="triangle" w="med" len="med"/>
+            <a:tailEnd type="triangle" w="med" len="med"/>
+          </a:ln>
+        </p:spPr>
+        <p:style>
+          <a:lnRef idx="3">
+            <a:schemeClr val="dk1"/>
+          </a:lnRef>
+          <a:fillRef idx="0">
+            <a:schemeClr val="dk1"/>
+          </a:fillRef>
+          <a:effectRef idx="2">
+            <a:schemeClr val="dk1"/>
+          </a:effectRef>
+          <a:fontRef idx="minor">
+            <a:schemeClr val="tx1"/>
+          </a:fontRef>
+        </p:style>
+      </p:cxnSp>
+      <p:sp>
+        <p:nvSpPr>
+          <p:cNvPr id="82" name="TextBox 81">
+            <a:extLst>
+              <a:ext uri="{FF2B5EF4-FFF2-40B4-BE49-F238E27FC236}">
+                <a16:creationId xmlns:a16="http://schemas.microsoft.com/office/drawing/2014/main" id="{11B2EB58-2986-4CE7-B0B6-56813BA1A3DE}"/>
+              </a:ext>
+            </a:extLst>
+          </p:cNvPr>
+          <p:cNvSpPr txBox="1"/>
+          <p:nvPr/>
+        </p:nvSpPr>
+        <p:spPr>
+          <a:xfrm>
+            <a:off x="5098611" y="1642504"/>
+            <a:ext cx="1401794" cy="276999"/>
+          </a:xfrm>
+          <a:prstGeom prst="rect">
+            <a:avLst/>
+          </a:prstGeom>
+          <a:noFill/>
+        </p:spPr>
+        <p:txBody>
+          <a:bodyPr wrap="none" rtlCol="0">
+            <a:spAutoFit/>
+          </a:bodyPr>
+          <a:lstStyle>
+            <a:defPPr>
+              <a:defRPr lang="en-US"/>
+            </a:defPPr>
+            <a:lvl1pPr>
+              <a:defRPr sz="1200">
+                <a:latin typeface="Arial" panose="020B0604020202020204" pitchFamily="34" charset="0"/>
+                <a:cs typeface="Arial" panose="020B0604020202020204" pitchFamily="34" charset="0"/>
+              </a:defRPr>
+            </a:lvl1pPr>
+          </a:lstStyle>
+          <a:p>
+            <a:r>
+              <a:rPr lang="en-US" i="1" dirty="0"/>
+              <a:t>Reads and Writes</a:t>
+            </a:r>
+          </a:p>
+        </p:txBody>
+      </p:sp>
+      <p:grpSp>
+        <p:nvGrpSpPr>
+          <p:cNvPr id="111" name="Group 110">
+            <a:extLst>
+              <a:ext uri="{FF2B5EF4-FFF2-40B4-BE49-F238E27FC236}">
+                <a16:creationId xmlns:a16="http://schemas.microsoft.com/office/drawing/2014/main" id="{B64A2E88-E2F4-408D-8FF9-EEE1695DDE53}"/>
+              </a:ext>
+            </a:extLst>
+          </p:cNvPr>
+          <p:cNvGrpSpPr/>
+          <p:nvPr/>
+        </p:nvGrpSpPr>
+        <p:grpSpPr>
+          <a:xfrm>
+            <a:off x="3905514" y="349172"/>
+            <a:ext cx="2802573" cy="1173699"/>
+            <a:chOff x="3813033" y="1784309"/>
+            <a:chExt cx="2802573" cy="1173699"/>
+          </a:xfrm>
+        </p:grpSpPr>
+        <p:sp>
+          <p:nvSpPr>
+            <p:cNvPr id="22" name="Rectangle 21">
+              <a:extLst>
+                <a:ext uri="{FF2B5EF4-FFF2-40B4-BE49-F238E27FC236}">
+                  <a16:creationId xmlns:a16="http://schemas.microsoft.com/office/drawing/2014/main" id="{40E4EDA8-0C53-49CC-A58C-022E51C2727A}"/>
+                </a:ext>
+              </a:extLst>
+            </p:cNvPr>
+            <p:cNvSpPr/>
+            <p:nvPr/>
+          </p:nvSpPr>
+          <p:spPr>
+            <a:xfrm>
+              <a:off x="3813033" y="1784309"/>
+              <a:ext cx="777240" cy="502920"/>
+            </a:xfrm>
+            <a:prstGeom prst="rect">
+              <a:avLst/>
+            </a:prstGeom>
+          </p:spPr>
+          <p:style>
+            <a:lnRef idx="2">
+              <a:schemeClr val="dk1"/>
+            </a:lnRef>
+            <a:fillRef idx="1">
+              <a:schemeClr val="lt1"/>
+            </a:fillRef>
+            <a:effectRef idx="0">
+              <a:schemeClr val="dk1"/>
+            </a:effectRef>
+            <a:fontRef idx="minor">
+              <a:schemeClr val="dk1"/>
+            </a:fontRef>
+          </p:style>
+          <p:txBody>
+            <a:bodyPr rot="0" spcFirstLastPara="0" vertOverflow="overflow" horzOverflow="overflow" vert="horz" wrap="square" lIns="51435" tIns="25718" rIns="51435" bIns="25718" numCol="1" spcCol="0" rtlCol="0" fromWordArt="0" anchor="t" anchorCtr="0" forceAA="0" compatLnSpc="1">
+              <a:prstTxWarp prst="textNoShape">
+                <a:avLst/>
+              </a:prstTxWarp>
+              <a:noAutofit/>
+            </a:bodyPr>
+            <a:lstStyle/>
+            <a:p>
+              <a:r>
+                <a:rPr lang="en-US" sz="1000" b="1" dirty="0">
+                  <a:latin typeface="Arial" panose="020B0604020202020204" pitchFamily="34" charset="0"/>
+                  <a:cs typeface="Arial" panose="020B0604020202020204" pitchFamily="34" charset="0"/>
+                </a:rPr>
+                <a:t>Source</a:t>
+              </a:r>
+            </a:p>
+            <a:p>
+              <a:r>
+                <a:rPr lang="en-US" sz="1000" dirty="0">
+                  <a:latin typeface="Arial" panose="020B0604020202020204" pitchFamily="34" charset="0"/>
+                  <a:cs typeface="Arial" panose="020B0604020202020204" pitchFamily="34" charset="0"/>
+                </a:rPr>
+                <a:t>Syntax checking</a:t>
+              </a:r>
+            </a:p>
+          </p:txBody>
+        </p:sp>
+        <p:sp>
+          <p:nvSpPr>
+            <p:cNvPr id="23" name="Rectangle 22">
+              <a:extLst>
+                <a:ext uri="{FF2B5EF4-FFF2-40B4-BE49-F238E27FC236}">
+                  <a16:creationId xmlns:a16="http://schemas.microsoft.com/office/drawing/2014/main" id="{24CAAC8C-30B8-4C95-A607-923E008E0E05}"/>
+                </a:ext>
+              </a:extLst>
+            </p:cNvPr>
+            <p:cNvSpPr/>
+            <p:nvPr/>
+          </p:nvSpPr>
+          <p:spPr>
+            <a:xfrm>
+              <a:off x="3813033" y="2455088"/>
+              <a:ext cx="777240" cy="502920"/>
+            </a:xfrm>
+            <a:prstGeom prst="rect">
+              <a:avLst/>
+            </a:prstGeom>
+          </p:spPr>
+          <p:style>
+            <a:lnRef idx="2">
+              <a:schemeClr val="dk1"/>
+            </a:lnRef>
+            <a:fillRef idx="1">
+              <a:schemeClr val="lt1"/>
+            </a:fillRef>
+            <a:effectRef idx="0">
+              <a:schemeClr val="dk1"/>
+            </a:effectRef>
+            <a:fontRef idx="minor">
+              <a:schemeClr val="dk1"/>
+            </a:fontRef>
+          </p:style>
+          <p:txBody>
+            <a:bodyPr rot="0" spcFirstLastPara="0" vertOverflow="overflow" horzOverflow="overflow" vert="horz" wrap="square" lIns="51435" tIns="25718" rIns="51435" bIns="25718" numCol="1" spcCol="0" rtlCol="0" fromWordArt="0" anchor="t" anchorCtr="0" forceAA="0" compatLnSpc="1">
+              <a:prstTxWarp prst="textNoShape">
+                <a:avLst/>
+              </a:prstTxWarp>
+              <a:noAutofit/>
+            </a:bodyPr>
+            <a:lstStyle/>
+            <a:p>
+              <a:r>
+                <a:rPr lang="en-US" sz="1000" b="1" dirty="0">
+                  <a:latin typeface="Arial" panose="020B0604020202020204" pitchFamily="34" charset="0"/>
+                  <a:cs typeface="Arial" panose="020B0604020202020204" pitchFamily="34" charset="0"/>
+                </a:rPr>
+                <a:t>TIFA</a:t>
+              </a:r>
+            </a:p>
+            <a:p>
+              <a:r>
+                <a:rPr lang="en-US" sz="1000" dirty="0">
+                  <a:latin typeface="Arial" panose="020B0604020202020204" pitchFamily="34" charset="0"/>
+                  <a:cs typeface="Arial" panose="020B0604020202020204" pitchFamily="34" charset="0"/>
+                </a:rPr>
+                <a:t>Program analysis</a:t>
+              </a:r>
+            </a:p>
+          </p:txBody>
+        </p:sp>
+        <p:sp>
+          <p:nvSpPr>
+            <p:cNvPr id="24" name="Rectangle 23">
+              <a:extLst>
+                <a:ext uri="{FF2B5EF4-FFF2-40B4-BE49-F238E27FC236}">
+                  <a16:creationId xmlns:a16="http://schemas.microsoft.com/office/drawing/2014/main" id="{23E2D58A-A5E8-4471-A68B-F9F47F19EB07}"/>
+                </a:ext>
+              </a:extLst>
+            </p:cNvPr>
+            <p:cNvSpPr/>
+            <p:nvPr/>
+          </p:nvSpPr>
+          <p:spPr>
+            <a:xfrm>
+              <a:off x="4825699" y="2455088"/>
+              <a:ext cx="777240" cy="502920"/>
+            </a:xfrm>
+            <a:prstGeom prst="rect">
+              <a:avLst/>
+            </a:prstGeom>
+          </p:spPr>
+          <p:style>
+            <a:lnRef idx="2">
+              <a:schemeClr val="dk1"/>
+            </a:lnRef>
+            <a:fillRef idx="1">
+              <a:schemeClr val="lt1"/>
+            </a:fillRef>
+            <a:effectRef idx="0">
+              <a:schemeClr val="dk1"/>
+            </a:effectRef>
+            <a:fontRef idx="minor">
+              <a:schemeClr val="dk1"/>
+            </a:fontRef>
+          </p:style>
+          <p:txBody>
+            <a:bodyPr rot="0" spcFirstLastPara="0" vertOverflow="overflow" horzOverflow="overflow" vert="horz" wrap="square" lIns="51435" tIns="25718" rIns="51435" bIns="25718" numCol="1" spcCol="0" rtlCol="0" fromWordArt="0" anchor="t" anchorCtr="0" forceAA="0" compatLnSpc="1">
+              <a:prstTxWarp prst="textNoShape">
+                <a:avLst/>
+              </a:prstTxWarp>
+              <a:noAutofit/>
+            </a:bodyPr>
+            <a:lstStyle/>
+            <a:p>
+              <a:r>
+                <a:rPr lang="en-US" sz="1000" b="1" dirty="0">
+                  <a:latin typeface="Arial" panose="020B0604020202020204" pitchFamily="34" charset="0"/>
+                  <a:cs typeface="Arial" panose="020B0604020202020204" pitchFamily="34" charset="0"/>
+                </a:rPr>
+                <a:t>CAIT</a:t>
+              </a:r>
+            </a:p>
+            <a:p>
+              <a:r>
+                <a:rPr lang="en-US" sz="1000" dirty="0">
+                  <a:latin typeface="Arial" panose="020B0604020202020204" pitchFamily="34" charset="0"/>
+                  <a:cs typeface="Arial" panose="020B0604020202020204" pitchFamily="34" charset="0"/>
+                </a:rPr>
+                <a:t>Code inspection</a:t>
+              </a:r>
+            </a:p>
+          </p:txBody>
+        </p:sp>
+        <p:sp>
+          <p:nvSpPr>
+            <p:cNvPr id="25" name="Rectangle 24">
+              <a:extLst>
+                <a:ext uri="{FF2B5EF4-FFF2-40B4-BE49-F238E27FC236}">
+                  <a16:creationId xmlns:a16="http://schemas.microsoft.com/office/drawing/2014/main" id="{F785FF59-506B-4A0B-8D64-1AF3A34B9555}"/>
+                </a:ext>
+              </a:extLst>
+            </p:cNvPr>
+            <p:cNvSpPr/>
+            <p:nvPr/>
+          </p:nvSpPr>
+          <p:spPr>
+            <a:xfrm>
+              <a:off x="5838366" y="2455088"/>
+              <a:ext cx="777240" cy="502920"/>
+            </a:xfrm>
+            <a:prstGeom prst="rect">
+              <a:avLst/>
+            </a:prstGeom>
+          </p:spPr>
+          <p:style>
+            <a:lnRef idx="2">
+              <a:schemeClr val="dk1"/>
+            </a:lnRef>
+            <a:fillRef idx="1">
+              <a:schemeClr val="lt1"/>
+            </a:fillRef>
+            <a:effectRef idx="0">
+              <a:schemeClr val="dk1"/>
+            </a:effectRef>
+            <a:fontRef idx="minor">
+              <a:schemeClr val="dk1"/>
+            </a:fontRef>
+          </p:style>
+          <p:txBody>
+            <a:bodyPr rot="0" spcFirstLastPara="0" vertOverflow="overflow" horzOverflow="overflow" vert="horz" wrap="square" lIns="51435" tIns="25718" rIns="51435" bIns="25718" numCol="1" spcCol="0" rtlCol="0" fromWordArt="0" anchor="t" anchorCtr="0" forceAA="0" compatLnSpc="1">
+              <a:prstTxWarp prst="textNoShape">
+                <a:avLst/>
+              </a:prstTxWarp>
+              <a:noAutofit/>
+            </a:bodyPr>
+            <a:lstStyle/>
+            <a:p>
+              <a:r>
+                <a:rPr lang="en-US" sz="1000" b="1" dirty="0">
+                  <a:latin typeface="Arial" panose="020B0604020202020204" pitchFamily="34" charset="0"/>
+                  <a:cs typeface="Arial" panose="020B0604020202020204" pitchFamily="34" charset="0"/>
+                </a:rPr>
+                <a:t>Mistakes</a:t>
+              </a:r>
+            </a:p>
+            <a:p>
+              <a:r>
+                <a:rPr lang="en-US" sz="1000" dirty="0">
+                  <a:latin typeface="Arial" panose="020B0604020202020204" pitchFamily="34" charset="0"/>
+                  <a:cs typeface="Arial" panose="020B0604020202020204" pitchFamily="34" charset="0"/>
+                </a:rPr>
+                <a:t>Mistake patterns</a:t>
+              </a:r>
+            </a:p>
+          </p:txBody>
+        </p:sp>
+        <p:sp>
+          <p:nvSpPr>
+            <p:cNvPr id="26" name="Rectangle 25">
+              <a:extLst>
+                <a:ext uri="{FF2B5EF4-FFF2-40B4-BE49-F238E27FC236}">
+                  <a16:creationId xmlns:a16="http://schemas.microsoft.com/office/drawing/2014/main" id="{21D0CCE0-AF1C-4772-B481-159FE7EC3A50}"/>
+                </a:ext>
+              </a:extLst>
+            </p:cNvPr>
+            <p:cNvSpPr/>
+            <p:nvPr/>
+          </p:nvSpPr>
+          <p:spPr>
+            <a:xfrm>
+              <a:off x="4814577" y="1784309"/>
+              <a:ext cx="777240" cy="502920"/>
+            </a:xfrm>
+            <a:prstGeom prst="rect">
+              <a:avLst/>
+            </a:prstGeom>
+          </p:spPr>
+          <p:style>
+            <a:lnRef idx="2">
+              <a:schemeClr val="dk1"/>
+            </a:lnRef>
+            <a:fillRef idx="1">
+              <a:schemeClr val="lt1"/>
+            </a:fillRef>
+            <a:effectRef idx="0">
+              <a:schemeClr val="dk1"/>
+            </a:effectRef>
+            <a:fontRef idx="minor">
+              <a:schemeClr val="dk1"/>
+            </a:fontRef>
+          </p:style>
+          <p:txBody>
+            <a:bodyPr rot="0" spcFirstLastPara="0" vertOverflow="overflow" horzOverflow="overflow" vert="horz" wrap="square" lIns="51435" tIns="25718" rIns="51435" bIns="25718" numCol="1" spcCol="0" rtlCol="0" fromWordArt="0" anchor="t" anchorCtr="0" forceAA="0" compatLnSpc="1">
+              <a:prstTxWarp prst="textNoShape">
+                <a:avLst/>
+              </a:prstTxWarp>
+              <a:noAutofit/>
+            </a:bodyPr>
+            <a:lstStyle/>
+            <a:p>
+              <a:r>
+                <a:rPr lang="en-US" sz="1000" b="1" dirty="0">
+                  <a:latin typeface="Arial" panose="020B0604020202020204" pitchFamily="34" charset="0"/>
+                  <a:cs typeface="Arial" panose="020B0604020202020204" pitchFamily="34" charset="0"/>
+                </a:rPr>
+                <a:t>Sandbox</a:t>
+              </a:r>
+            </a:p>
+            <a:p>
+              <a:r>
+                <a:rPr lang="en-US" sz="1000" dirty="0">
+                  <a:latin typeface="Arial" panose="020B0604020202020204" pitchFamily="34" charset="0"/>
+                  <a:cs typeface="Arial" panose="020B0604020202020204" pitchFamily="34" charset="0"/>
+                </a:rPr>
+                <a:t>Safe execution</a:t>
+              </a:r>
+            </a:p>
+          </p:txBody>
+        </p:sp>
+        <p:sp>
+          <p:nvSpPr>
+            <p:cNvPr id="27" name="Rectangle 26">
+              <a:extLst>
+                <a:ext uri="{FF2B5EF4-FFF2-40B4-BE49-F238E27FC236}">
+                  <a16:creationId xmlns:a16="http://schemas.microsoft.com/office/drawing/2014/main" id="{016598F6-3C15-46A4-A2A6-FFE50666475C}"/>
+                </a:ext>
+              </a:extLst>
+            </p:cNvPr>
+            <p:cNvSpPr/>
+            <p:nvPr/>
+          </p:nvSpPr>
+          <p:spPr>
+            <a:xfrm>
+              <a:off x="5816122" y="1784309"/>
+              <a:ext cx="777240" cy="502920"/>
+            </a:xfrm>
+            <a:prstGeom prst="rect">
+              <a:avLst/>
+            </a:prstGeom>
+          </p:spPr>
+          <p:style>
+            <a:lnRef idx="2">
+              <a:schemeClr val="dk1"/>
+            </a:lnRef>
+            <a:fillRef idx="1">
+              <a:schemeClr val="lt1"/>
+            </a:fillRef>
+            <a:effectRef idx="0">
+              <a:schemeClr val="dk1"/>
+            </a:effectRef>
+            <a:fontRef idx="minor">
+              <a:schemeClr val="dk1"/>
+            </a:fontRef>
+          </p:style>
+          <p:txBody>
+            <a:bodyPr rot="0" spcFirstLastPara="0" vertOverflow="overflow" horzOverflow="overflow" vert="horz" wrap="square" lIns="51435" tIns="25718" rIns="51435" bIns="25718" numCol="1" spcCol="0" rtlCol="0" fromWordArt="0" anchor="t" anchorCtr="0" forceAA="0" compatLnSpc="1">
+              <a:prstTxWarp prst="textNoShape">
+                <a:avLst/>
+              </a:prstTxWarp>
+              <a:noAutofit/>
+            </a:bodyPr>
+            <a:lstStyle/>
+            <a:p>
+              <a:r>
+                <a:rPr lang="en-US" sz="1000" b="1" dirty="0">
+                  <a:latin typeface="Arial" panose="020B0604020202020204" pitchFamily="34" charset="0"/>
+                  <a:cs typeface="Arial" panose="020B0604020202020204" pitchFamily="34" charset="0"/>
+                </a:rPr>
+                <a:t>Assertions</a:t>
+              </a:r>
+            </a:p>
+            <a:p>
+              <a:r>
+                <a:rPr lang="en-US" sz="1000" dirty="0">
+                  <a:latin typeface="Arial" panose="020B0604020202020204" pitchFamily="34" charset="0"/>
+                  <a:cs typeface="Arial" panose="020B0604020202020204" pitchFamily="34" charset="0"/>
+                </a:rPr>
+                <a:t>Unit testing</a:t>
+              </a:r>
+            </a:p>
+          </p:txBody>
+        </p:sp>
+        <p:cxnSp>
+          <p:nvCxnSpPr>
+            <p:cNvPr id="90" name="Straight Arrow Connector 89">
+              <a:extLst>
+                <a:ext uri="{FF2B5EF4-FFF2-40B4-BE49-F238E27FC236}">
+                  <a16:creationId xmlns:a16="http://schemas.microsoft.com/office/drawing/2014/main" id="{578DEF67-F854-45FD-B330-31D5237CA699}"/>
+                </a:ext>
+              </a:extLst>
+            </p:cNvPr>
+            <p:cNvCxnSpPr>
+              <a:cxnSpLocks/>
+              <a:stCxn id="22" idx="3"/>
+              <a:endCxn id="26" idx="1"/>
+            </p:cNvCxnSpPr>
+            <p:nvPr/>
+          </p:nvCxnSpPr>
+          <p:spPr>
+            <a:xfrm>
+              <a:off x="4590273" y="2035769"/>
+              <a:ext cx="224304" cy="0"/>
+            </a:xfrm>
+            <a:prstGeom prst="straightConnector1">
+              <a:avLst/>
+            </a:prstGeom>
+            <a:ln w="12700">
+              <a:prstDash val="sysDash"/>
+              <a:tailEnd type="triangle"/>
+            </a:ln>
+          </p:spPr>
+          <p:style>
+            <a:lnRef idx="3">
+              <a:schemeClr val="dk1"/>
+            </a:lnRef>
+            <a:fillRef idx="0">
+              <a:schemeClr val="dk1"/>
+            </a:fillRef>
+            <a:effectRef idx="2">
+              <a:schemeClr val="dk1"/>
+            </a:effectRef>
+            <a:fontRef idx="minor">
+              <a:schemeClr val="tx1"/>
+            </a:fontRef>
+          </p:style>
+        </p:cxnSp>
+        <p:cxnSp>
+          <p:nvCxnSpPr>
+            <p:cNvPr id="91" name="Straight Arrow Connector 90">
+              <a:extLst>
+                <a:ext uri="{FF2B5EF4-FFF2-40B4-BE49-F238E27FC236}">
+                  <a16:creationId xmlns:a16="http://schemas.microsoft.com/office/drawing/2014/main" id="{ACEE67C7-6049-4EF3-B235-010B914BF714}"/>
+                </a:ext>
+              </a:extLst>
+            </p:cNvPr>
+            <p:cNvCxnSpPr>
+              <a:cxnSpLocks/>
+              <a:stCxn id="22" idx="2"/>
+              <a:endCxn id="23" idx="0"/>
+            </p:cNvCxnSpPr>
+            <p:nvPr/>
+          </p:nvCxnSpPr>
+          <p:spPr>
+            <a:xfrm>
+              <a:off x="4201653" y="2287229"/>
+              <a:ext cx="0" cy="167859"/>
+            </a:xfrm>
+            <a:prstGeom prst="straightConnector1">
+              <a:avLst/>
+            </a:prstGeom>
+            <a:ln w="12700">
+              <a:prstDash val="sysDash"/>
+              <a:tailEnd type="triangle"/>
+            </a:ln>
+          </p:spPr>
+          <p:style>
+            <a:lnRef idx="3">
+              <a:schemeClr val="dk1"/>
+            </a:lnRef>
+            <a:fillRef idx="0">
+              <a:schemeClr val="dk1"/>
+            </a:fillRef>
+            <a:effectRef idx="2">
+              <a:schemeClr val="dk1"/>
+            </a:effectRef>
+            <a:fontRef idx="minor">
+              <a:schemeClr val="tx1"/>
+            </a:fontRef>
+          </p:style>
+        </p:cxnSp>
+        <p:cxnSp>
+          <p:nvCxnSpPr>
+            <p:cNvPr id="95" name="Straight Arrow Connector 94">
+              <a:extLst>
+                <a:ext uri="{FF2B5EF4-FFF2-40B4-BE49-F238E27FC236}">
+                  <a16:creationId xmlns:a16="http://schemas.microsoft.com/office/drawing/2014/main" id="{5B74FD45-1412-477C-AFEE-3D1AF27F968F}"/>
+                </a:ext>
+              </a:extLst>
+            </p:cNvPr>
+            <p:cNvCxnSpPr>
+              <a:cxnSpLocks/>
+            </p:cNvCxnSpPr>
+            <p:nvPr/>
+          </p:nvCxnSpPr>
+          <p:spPr>
+            <a:xfrm>
+              <a:off x="4577377" y="2284579"/>
+              <a:ext cx="248322" cy="180058"/>
+            </a:xfrm>
+            <a:prstGeom prst="straightConnector1">
+              <a:avLst/>
+            </a:prstGeom>
+            <a:ln w="12700">
+              <a:prstDash val="sysDash"/>
+              <a:tailEnd type="triangle"/>
+            </a:ln>
+          </p:spPr>
+          <p:style>
+            <a:lnRef idx="3">
+              <a:schemeClr val="dk1"/>
+            </a:lnRef>
+            <a:fillRef idx="0">
+              <a:schemeClr val="dk1"/>
+            </a:fillRef>
+            <a:effectRef idx="2">
+              <a:schemeClr val="dk1"/>
+            </a:effectRef>
+            <a:fontRef idx="minor">
+              <a:schemeClr val="tx1"/>
+            </a:fontRef>
+          </p:style>
+        </p:cxnSp>
+        <p:cxnSp>
+          <p:nvCxnSpPr>
+            <p:cNvPr id="98" name="Straight Arrow Connector 97">
+              <a:extLst>
+                <a:ext uri="{FF2B5EF4-FFF2-40B4-BE49-F238E27FC236}">
+                  <a16:creationId xmlns:a16="http://schemas.microsoft.com/office/drawing/2014/main" id="{98DBFF9B-F344-4455-9077-9B8D74E8793E}"/>
+                </a:ext>
+              </a:extLst>
+            </p:cNvPr>
+            <p:cNvCxnSpPr>
+              <a:cxnSpLocks/>
+              <a:stCxn id="24" idx="3"/>
+              <a:endCxn id="25" idx="1"/>
+            </p:cNvCxnSpPr>
+            <p:nvPr/>
+          </p:nvCxnSpPr>
+          <p:spPr>
+            <a:xfrm>
+              <a:off x="5602939" y="2706548"/>
+              <a:ext cx="235427" cy="0"/>
+            </a:xfrm>
+            <a:prstGeom prst="straightConnector1">
+              <a:avLst/>
+            </a:prstGeom>
+            <a:ln w="12700">
+              <a:prstDash val="sysDash"/>
+              <a:tailEnd type="triangle"/>
+            </a:ln>
+          </p:spPr>
+          <p:style>
+            <a:lnRef idx="3">
+              <a:schemeClr val="dk1"/>
+            </a:lnRef>
+            <a:fillRef idx="0">
+              <a:schemeClr val="dk1"/>
+            </a:fillRef>
+            <a:effectRef idx="2">
+              <a:schemeClr val="dk1"/>
+            </a:effectRef>
+            <a:fontRef idx="minor">
+              <a:schemeClr val="tx1"/>
+            </a:fontRef>
+          </p:style>
+        </p:cxnSp>
+        <p:cxnSp>
+          <p:nvCxnSpPr>
+            <p:cNvPr id="101" name="Straight Arrow Connector 100">
+              <a:extLst>
+                <a:ext uri="{FF2B5EF4-FFF2-40B4-BE49-F238E27FC236}">
+                  <a16:creationId xmlns:a16="http://schemas.microsoft.com/office/drawing/2014/main" id="{3A549FC6-B39F-4B9F-AE12-EF7682D28B32}"/>
+                </a:ext>
+              </a:extLst>
+            </p:cNvPr>
+            <p:cNvCxnSpPr>
+              <a:cxnSpLocks/>
+              <a:stCxn id="26" idx="3"/>
+              <a:endCxn id="27" idx="1"/>
+            </p:cNvCxnSpPr>
+            <p:nvPr/>
+          </p:nvCxnSpPr>
+          <p:spPr>
+            <a:xfrm>
+              <a:off x="5591817" y="2035769"/>
+              <a:ext cx="224305" cy="0"/>
+            </a:xfrm>
+            <a:prstGeom prst="straightConnector1">
+              <a:avLst/>
+            </a:prstGeom>
+            <a:ln w="12700">
+              <a:prstDash val="sysDash"/>
+              <a:tailEnd type="triangle"/>
+            </a:ln>
+          </p:spPr>
+          <p:style>
+            <a:lnRef idx="3">
+              <a:schemeClr val="dk1"/>
+            </a:lnRef>
+            <a:fillRef idx="0">
+              <a:schemeClr val="dk1"/>
+            </a:fillRef>
+            <a:effectRef idx="2">
+              <a:schemeClr val="dk1"/>
+            </a:effectRef>
+            <a:fontRef idx="minor">
+              <a:schemeClr val="tx1"/>
+            </a:fontRef>
+          </p:style>
+        </p:cxnSp>
+        <p:cxnSp>
+          <p:nvCxnSpPr>
+            <p:cNvPr id="106" name="Straight Arrow Connector 105">
+              <a:extLst>
+                <a:ext uri="{FF2B5EF4-FFF2-40B4-BE49-F238E27FC236}">
+                  <a16:creationId xmlns:a16="http://schemas.microsoft.com/office/drawing/2014/main" id="{F341323C-1471-4FCF-8685-B3503F7DAF45}"/>
+                </a:ext>
+              </a:extLst>
+            </p:cNvPr>
+            <p:cNvCxnSpPr>
+              <a:cxnSpLocks/>
+              <a:stCxn id="23" idx="3"/>
+              <a:endCxn id="24" idx="1"/>
+            </p:cNvCxnSpPr>
+            <p:nvPr/>
+          </p:nvCxnSpPr>
+          <p:spPr>
+            <a:xfrm>
+              <a:off x="4590273" y="2706548"/>
+              <a:ext cx="235426" cy="0"/>
+            </a:xfrm>
+            <a:prstGeom prst="straightConnector1">
+              <a:avLst/>
+            </a:prstGeom>
+            <a:ln w="12700">
+              <a:prstDash val="sysDash"/>
+              <a:tailEnd type="triangle"/>
+            </a:ln>
+          </p:spPr>
+          <p:style>
+            <a:lnRef idx="3">
+              <a:schemeClr val="dk1"/>
+            </a:lnRef>
+            <a:fillRef idx="0">
+              <a:schemeClr val="dk1"/>
+            </a:fillRef>
+            <a:effectRef idx="2">
+              <a:schemeClr val="dk1"/>
+            </a:effectRef>
+            <a:fontRef idx="minor">
+              <a:schemeClr val="tx1"/>
+            </a:fontRef>
+          </p:style>
+        </p:cxnSp>
+      </p:grpSp>
+      <p:cxnSp>
+        <p:nvCxnSpPr>
+          <p:cNvPr id="118" name="Straight Arrow Connector 117">
+            <a:extLst>
+              <a:ext uri="{FF2B5EF4-FFF2-40B4-BE49-F238E27FC236}">
+                <a16:creationId xmlns:a16="http://schemas.microsoft.com/office/drawing/2014/main" id="{2948367A-AAC5-4957-B705-3388B91A74EB}"/>
+              </a:ext>
+            </a:extLst>
+          </p:cNvPr>
+          <p:cNvCxnSpPr>
+            <a:cxnSpLocks/>
+          </p:cNvCxnSpPr>
+          <p:nvPr/>
+        </p:nvCxnSpPr>
+        <p:spPr>
+          <a:xfrm flipH="1">
+            <a:off x="3306069" y="2401028"/>
+            <a:ext cx="737317" cy="0"/>
+          </a:xfrm>
+          <a:prstGeom prst="straightConnector1">
+            <a:avLst/>
+          </a:prstGeom>
+          <a:ln w="38100">
+            <a:tailEnd type="triangle"/>
+          </a:ln>
+        </p:spPr>
+        <p:style>
+          <a:lnRef idx="3">
+            <a:schemeClr val="dk1"/>
+          </a:lnRef>
+          <a:fillRef idx="0">
+            <a:schemeClr val="dk1"/>
+          </a:fillRef>
+          <a:effectRef idx="2">
+            <a:schemeClr val="dk1"/>
+          </a:effectRef>
+          <a:fontRef idx="minor">
+            <a:schemeClr val="tx1"/>
+          </a:fontRef>
+        </p:style>
+      </p:cxnSp>
+      <p:sp>
+        <p:nvSpPr>
+          <p:cNvPr id="124" name="TextBox 123">
+            <a:extLst>
+              <a:ext uri="{FF2B5EF4-FFF2-40B4-BE49-F238E27FC236}">
+                <a16:creationId xmlns:a16="http://schemas.microsoft.com/office/drawing/2014/main" id="{D2EC20AC-4138-4FD2-A3EF-8F8395C85E8E}"/>
+              </a:ext>
+            </a:extLst>
+          </p:cNvPr>
+          <p:cNvSpPr txBox="1"/>
+          <p:nvPr/>
+        </p:nvSpPr>
+        <p:spPr>
+          <a:xfrm>
+            <a:off x="3315305" y="2095997"/>
+            <a:ext cx="737702" cy="276999"/>
+          </a:xfrm>
+          <a:prstGeom prst="rect">
+            <a:avLst/>
+          </a:prstGeom>
+          <a:noFill/>
+        </p:spPr>
+        <p:txBody>
+          <a:bodyPr wrap="none" rtlCol="0">
+            <a:spAutoFit/>
+          </a:bodyPr>
+          <a:lstStyle>
+            <a:defPPr>
+              <a:defRPr lang="en-US"/>
+            </a:defPPr>
+            <a:lvl1pPr>
+              <a:defRPr sz="1200">
+                <a:latin typeface="Arial" panose="020B0604020202020204" pitchFamily="34" charset="0"/>
+                <a:cs typeface="Arial" panose="020B0604020202020204" pitchFamily="34" charset="0"/>
+              </a:defRPr>
+            </a:lvl1pPr>
+          </a:lstStyle>
+          <a:p>
+            <a:r>
+              <a:rPr lang="en-US" i="1" dirty="0"/>
+              <a:t>Collates</a:t>
+            </a:r>
+          </a:p>
+        </p:txBody>
+      </p:sp>
+      <p:cxnSp>
+        <p:nvCxnSpPr>
+          <p:cNvPr id="126" name="Straight Connector 125">
+            <a:extLst>
+              <a:ext uri="{FF2B5EF4-FFF2-40B4-BE49-F238E27FC236}">
+                <a16:creationId xmlns:a16="http://schemas.microsoft.com/office/drawing/2014/main" id="{3B0C6270-DF29-4B77-919E-731C61C06BB2}"/>
+              </a:ext>
+            </a:extLst>
+          </p:cNvPr>
+          <p:cNvCxnSpPr>
+            <a:cxnSpLocks/>
+          </p:cNvCxnSpPr>
+          <p:nvPr/>
+        </p:nvCxnSpPr>
+        <p:spPr>
+          <a:xfrm>
+            <a:off x="2660691" y="3124298"/>
+            <a:ext cx="4099946" cy="0"/>
+          </a:xfrm>
+          <a:prstGeom prst="line">
+            <a:avLst/>
+          </a:prstGeom>
+          <a:noFill/>
+          <a:ln>
+            <a:prstDash val="lgDash"/>
+          </a:ln>
+        </p:spPr>
+        <p:style>
+          <a:lnRef idx="2">
+            <a:schemeClr val="accent1">
+              <a:shade val="50000"/>
+            </a:schemeClr>
+          </a:lnRef>
+          <a:fillRef idx="1">
+            <a:schemeClr val="accent1"/>
+          </a:fillRef>
+          <a:effectRef idx="0">
+            <a:schemeClr val="accent1"/>
+          </a:effectRef>
+          <a:fontRef idx="minor">
+            <a:schemeClr val="lt1"/>
+          </a:fontRef>
+        </p:style>
+      </p:cxnSp>
+      <p:cxnSp>
+        <p:nvCxnSpPr>
+          <p:cNvPr id="127" name="Straight Connector 126">
+            <a:extLst>
+              <a:ext uri="{FF2B5EF4-FFF2-40B4-BE49-F238E27FC236}">
+                <a16:creationId xmlns:a16="http://schemas.microsoft.com/office/drawing/2014/main" id="{FF2C7145-777F-4FC4-B544-3E4A8BB38B2F}"/>
+              </a:ext>
+            </a:extLst>
+          </p:cNvPr>
+          <p:cNvCxnSpPr>
+            <a:cxnSpLocks/>
+          </p:cNvCxnSpPr>
+          <p:nvPr/>
+        </p:nvCxnSpPr>
+        <p:spPr>
+          <a:xfrm flipV="1">
+            <a:off x="2641962" y="94244"/>
+            <a:ext cx="4118675" cy="582"/>
+          </a:xfrm>
+          <a:prstGeom prst="line">
+            <a:avLst/>
+          </a:prstGeom>
+          <a:noFill/>
+          <a:ln>
+            <a:prstDash val="lgDash"/>
+          </a:ln>
+        </p:spPr>
+        <p:style>
+          <a:lnRef idx="2">
+            <a:schemeClr val="accent1">
+              <a:shade val="50000"/>
+            </a:schemeClr>
+          </a:lnRef>
+          <a:fillRef idx="1">
+            <a:schemeClr val="accent1"/>
+          </a:fillRef>
+          <a:effectRef idx="0">
+            <a:schemeClr val="accent1"/>
+          </a:effectRef>
+          <a:fontRef idx="minor">
+            <a:schemeClr val="lt1"/>
+          </a:fontRef>
+        </p:style>
+      </p:cxnSp>
+      <p:sp>
+        <p:nvSpPr>
+          <p:cNvPr id="131" name="Freeform: Shape 130">
+            <a:extLst>
+              <a:ext uri="{FF2B5EF4-FFF2-40B4-BE49-F238E27FC236}">
+                <a16:creationId xmlns:a16="http://schemas.microsoft.com/office/drawing/2014/main" id="{C642EA96-88BB-4939-9AA1-9F360918730B}"/>
+              </a:ext>
+            </a:extLst>
+          </p:cNvPr>
+          <p:cNvSpPr/>
+          <p:nvPr/>
+        </p:nvSpPr>
+        <p:spPr>
+          <a:xfrm>
+            <a:off x="2353251" y="95416"/>
+            <a:ext cx="402078" cy="3021495"/>
+          </a:xfrm>
+          <a:custGeom>
+            <a:avLst/>
+            <a:gdLst>
+              <a:gd name="connsiteX0" fmla="*/ 286582 w 402078"/>
+              <a:gd name="connsiteY0" fmla="*/ 0 h 3021495"/>
+              <a:gd name="connsiteX1" fmla="*/ 167312 w 402078"/>
+              <a:gd name="connsiteY1" fmla="*/ 294198 h 3021495"/>
+              <a:gd name="connsiteX2" fmla="*/ 326339 w 402078"/>
+              <a:gd name="connsiteY2" fmla="*/ 771276 h 3021495"/>
+              <a:gd name="connsiteX3" fmla="*/ 335 w 402078"/>
+              <a:gd name="connsiteY3" fmla="*/ 1518699 h 3021495"/>
+              <a:gd name="connsiteX4" fmla="*/ 397900 w 402078"/>
+              <a:gd name="connsiteY4" fmla="*/ 2210462 h 3021495"/>
+              <a:gd name="connsiteX5" fmla="*/ 215020 w 402078"/>
+              <a:gd name="connsiteY5" fmla="*/ 2711394 h 3021495"/>
+              <a:gd name="connsiteX6" fmla="*/ 318387 w 402078"/>
+              <a:gd name="connsiteY6" fmla="*/ 3021495 h 3021495"/>
+            </a:gdLst>
+            <a:ahLst/>
+            <a:cxnLst>
+              <a:cxn ang="0">
+                <a:pos x="connsiteX0" y="connsiteY0"/>
+              </a:cxn>
+              <a:cxn ang="0">
+                <a:pos x="connsiteX1" y="connsiteY1"/>
+              </a:cxn>
+              <a:cxn ang="0">
+                <a:pos x="connsiteX2" y="connsiteY2"/>
+              </a:cxn>
+              <a:cxn ang="0">
+                <a:pos x="connsiteX3" y="connsiteY3"/>
+              </a:cxn>
+              <a:cxn ang="0">
+                <a:pos x="connsiteX4" y="connsiteY4"/>
+              </a:cxn>
+              <a:cxn ang="0">
+                <a:pos x="connsiteX5" y="connsiteY5"/>
+              </a:cxn>
+              <a:cxn ang="0">
+                <a:pos x="connsiteX6" y="connsiteY6"/>
+              </a:cxn>
+            </a:cxnLst>
+            <a:rect l="l" t="t" r="r" b="b"/>
+            <a:pathLst>
+              <a:path w="402078" h="3021495">
+                <a:moveTo>
+                  <a:pt x="286582" y="0"/>
+                </a:moveTo>
+                <a:cubicBezTo>
+                  <a:pt x="223634" y="82826"/>
+                  <a:pt x="160686" y="165652"/>
+                  <a:pt x="167312" y="294198"/>
+                </a:cubicBezTo>
+                <a:cubicBezTo>
+                  <a:pt x="173938" y="422744"/>
+                  <a:pt x="354169" y="567193"/>
+                  <a:pt x="326339" y="771276"/>
+                </a:cubicBezTo>
+                <a:cubicBezTo>
+                  <a:pt x="298510" y="975360"/>
+                  <a:pt x="-11592" y="1278835"/>
+                  <a:pt x="335" y="1518699"/>
+                </a:cubicBezTo>
+                <a:cubicBezTo>
+                  <a:pt x="12262" y="1758563"/>
+                  <a:pt x="362119" y="2011680"/>
+                  <a:pt x="397900" y="2210462"/>
+                </a:cubicBezTo>
+                <a:cubicBezTo>
+                  <a:pt x="433681" y="2409244"/>
+                  <a:pt x="228272" y="2576222"/>
+                  <a:pt x="215020" y="2711394"/>
+                </a:cubicBezTo>
+                <a:cubicBezTo>
+                  <a:pt x="201768" y="2846566"/>
+                  <a:pt x="260077" y="2934030"/>
+                  <a:pt x="318387" y="3021495"/>
+                </a:cubicBezTo>
+              </a:path>
+            </a:pathLst>
+          </a:custGeom>
+          <a:noFill/>
+          <a:ln>
+            <a:prstDash val="lgDash"/>
+          </a:ln>
+        </p:spPr>
+        <p:style>
+          <a:lnRef idx="2">
+            <a:schemeClr val="accent1">
+              <a:shade val="50000"/>
+            </a:schemeClr>
+          </a:lnRef>
+          <a:fillRef idx="1">
+            <a:schemeClr val="accent1"/>
+          </a:fillRef>
+          <a:effectRef idx="0">
+            <a:schemeClr val="accent1"/>
+          </a:effectRef>
+          <a:fontRef idx="minor">
+            <a:schemeClr val="lt1"/>
+          </a:fontRef>
+        </p:style>
+        <p:txBody>
+          <a:bodyPr rtlCol="0" anchor="ctr"/>
+          <a:lstStyle/>
+          <a:p>
+            <a:pPr algn="ctr"/>
+            <a:endParaRPr lang="en-US"/>
+          </a:p>
+        </p:txBody>
+      </p:sp>
+      <p:cxnSp>
+        <p:nvCxnSpPr>
+          <p:cNvPr id="134" name="Straight Connector 133">
+            <a:extLst>
+              <a:ext uri="{FF2B5EF4-FFF2-40B4-BE49-F238E27FC236}">
+                <a16:creationId xmlns:a16="http://schemas.microsoft.com/office/drawing/2014/main" id="{7DCD85EC-9FE1-43BC-999D-B01B21928153}"/>
+              </a:ext>
+            </a:extLst>
+          </p:cNvPr>
+          <p:cNvCxnSpPr>
+            <a:cxnSpLocks/>
+          </p:cNvCxnSpPr>
+          <p:nvPr/>
+        </p:nvCxnSpPr>
+        <p:spPr>
+          <a:xfrm>
+            <a:off x="6760637" y="94244"/>
+            <a:ext cx="0" cy="3037932"/>
+          </a:xfrm>
+          <a:prstGeom prst="line">
+            <a:avLst/>
+          </a:prstGeom>
+          <a:noFill/>
+          <a:ln>
+            <a:prstDash val="lgDash"/>
+          </a:ln>
+        </p:spPr>
+        <p:style>
+          <a:lnRef idx="2">
+            <a:schemeClr val="accent1">
+              <a:shade val="50000"/>
+            </a:schemeClr>
+          </a:lnRef>
+          <a:fillRef idx="1">
+            <a:schemeClr val="accent1"/>
+          </a:fillRef>
+          <a:effectRef idx="0">
+            <a:schemeClr val="accent1"/>
+          </a:effectRef>
+          <a:fontRef idx="minor">
+            <a:schemeClr val="lt1"/>
+          </a:fontRef>
+        </p:style>
+      </p:cxnSp>
+    </p:spTree>
+    <p:extLst>
+      <p:ext uri="{BB962C8B-B14F-4D97-AF65-F5344CB8AC3E}">
+        <p14:creationId xmlns:p14="http://schemas.microsoft.com/office/powerpoint/2010/main" val="2095290232"/>
+      </p:ext>
+    </p:extLst>
+  </p:cSld>
+  <p:clrMapOvr>
+    <a:masterClrMapping/>
+  </p:clrMapOvr>
+</p:sld>
+</file>
+
+<file path=ppt/slides/slide2.xml><?xml version="1.0" encoding="utf-8"?>
+<p:sld xmlns:a="http://schemas.openxmlformats.org/drawingml/2006/main" xmlns:r="http://schemas.openxmlformats.org/officeDocument/2006/relationships" xmlns:p="http://schemas.openxmlformats.org/presentationml/2006/main">
+  <p:cSld>
+    <p:spTree>
+      <p:nvGrpSpPr>
+        <p:cNvPr id="1" name=""/>
+        <p:cNvGrpSpPr/>
+        <p:nvPr/>
+      </p:nvGrpSpPr>
+      <p:grpSpPr>
+        <a:xfrm>
+          <a:off x="0" y="0"/>
+          <a:ext cx="0" cy="0"/>
+          <a:chOff x="0" y="0"/>
+          <a:chExt cx="0" cy="0"/>
+        </a:xfrm>
+      </p:grpSpPr>
+      <p:sp>
+        <p:nvSpPr>
           <p:cNvPr id="74" name="Rectangle 73">
             <a:extLst>
               <a:ext uri="{FF2B5EF4-FFF2-40B4-BE49-F238E27FC236}">
@@ -4544,7 +7283,7 @@
 </p:sld>
 </file>
 
-<file path=ppt/slides/slide2.xml><?xml version="1.0" encoding="utf-8"?>
+<file path=ppt/slides/slide3.xml><?xml version="1.0" encoding="utf-8"?>
 <p:sld xmlns:a="http://schemas.openxmlformats.org/drawingml/2006/main" xmlns:r="http://schemas.openxmlformats.org/officeDocument/2006/relationships" xmlns:p="http://schemas.openxmlformats.org/presentationml/2006/main">
   <p:cSld>
     <p:spTree>
@@ -6424,6 +9163,19 @@
         </a:fontRef>
       </a:style>
     </a:lnDef>
+    <a:txDef>
+      <a:spPr>
+        <a:noFill/>
+      </a:spPr>
+      <a:bodyPr wrap="square" rtlCol="0">
+        <a:spAutoFit/>
+      </a:bodyPr>
+      <a:lstStyle>
+        <a:defPPr algn="ctr">
+          <a:defRPr dirty="0" smtClean="0"/>
+        </a:defPPr>
+      </a:lstStyle>
+    </a:txDef>
   </a:objectDefaults>
   <a:extraClrSchemeLst/>
   <a:extLst>

--- a/docs/_static/pedal-overview.pptx
+++ b/docs/_static/pedal-overview.pptx
@@ -256,7 +256,7 @@
           <a:p>
             <a:fld id="{3A979BF9-124F-4BB9-ADB5-5719B90CB8FD}" type="datetimeFigureOut">
               <a:rPr lang="en-US" smtClean="0"/>
-              <a:t>1/21/2019</a:t>
+              <a:t>3/10/2020</a:t>
             </a:fld>
             <a:endParaRPr lang="en-US"/>
           </a:p>
@@ -426,7 +426,7 @@
           <a:p>
             <a:fld id="{3A979BF9-124F-4BB9-ADB5-5719B90CB8FD}" type="datetimeFigureOut">
               <a:rPr lang="en-US" smtClean="0"/>
-              <a:t>1/21/2019</a:t>
+              <a:t>3/10/2020</a:t>
             </a:fld>
             <a:endParaRPr lang="en-US"/>
           </a:p>
@@ -606,7 +606,7 @@
           <a:p>
             <a:fld id="{3A979BF9-124F-4BB9-ADB5-5719B90CB8FD}" type="datetimeFigureOut">
               <a:rPr lang="en-US" smtClean="0"/>
-              <a:t>1/21/2019</a:t>
+              <a:t>3/10/2020</a:t>
             </a:fld>
             <a:endParaRPr lang="en-US"/>
           </a:p>
@@ -776,7 +776,7 @@
           <a:p>
             <a:fld id="{3A979BF9-124F-4BB9-ADB5-5719B90CB8FD}" type="datetimeFigureOut">
               <a:rPr lang="en-US" smtClean="0"/>
-              <a:t>1/21/2019</a:t>
+              <a:t>3/10/2020</a:t>
             </a:fld>
             <a:endParaRPr lang="en-US"/>
           </a:p>
@@ -1020,7 +1020,7 @@
           <a:p>
             <a:fld id="{3A979BF9-124F-4BB9-ADB5-5719B90CB8FD}" type="datetimeFigureOut">
               <a:rPr lang="en-US" smtClean="0"/>
-              <a:t>1/21/2019</a:t>
+              <a:t>3/10/2020</a:t>
             </a:fld>
             <a:endParaRPr lang="en-US"/>
           </a:p>
@@ -1252,7 +1252,7 @@
           <a:p>
             <a:fld id="{3A979BF9-124F-4BB9-ADB5-5719B90CB8FD}" type="datetimeFigureOut">
               <a:rPr lang="en-US" smtClean="0"/>
-              <a:t>1/21/2019</a:t>
+              <a:t>3/10/2020</a:t>
             </a:fld>
             <a:endParaRPr lang="en-US"/>
           </a:p>
@@ -1619,7 +1619,7 @@
           <a:p>
             <a:fld id="{3A979BF9-124F-4BB9-ADB5-5719B90CB8FD}" type="datetimeFigureOut">
               <a:rPr lang="en-US" smtClean="0"/>
-              <a:t>1/21/2019</a:t>
+              <a:t>3/10/2020</a:t>
             </a:fld>
             <a:endParaRPr lang="en-US"/>
           </a:p>
@@ -1737,7 +1737,7 @@
           <a:p>
             <a:fld id="{3A979BF9-124F-4BB9-ADB5-5719B90CB8FD}" type="datetimeFigureOut">
               <a:rPr lang="en-US" smtClean="0"/>
-              <a:t>1/21/2019</a:t>
+              <a:t>3/10/2020</a:t>
             </a:fld>
             <a:endParaRPr lang="en-US"/>
           </a:p>
@@ -1832,7 +1832,7 @@
           <a:p>
             <a:fld id="{3A979BF9-124F-4BB9-ADB5-5719B90CB8FD}" type="datetimeFigureOut">
               <a:rPr lang="en-US" smtClean="0"/>
-              <a:t>1/21/2019</a:t>
+              <a:t>3/10/2020</a:t>
             </a:fld>
             <a:endParaRPr lang="en-US"/>
           </a:p>
@@ -2109,7 +2109,7 @@
           <a:p>
             <a:fld id="{3A979BF9-124F-4BB9-ADB5-5719B90CB8FD}" type="datetimeFigureOut">
               <a:rPr lang="en-US" smtClean="0"/>
-              <a:t>1/21/2019</a:t>
+              <a:t>3/10/2020</a:t>
             </a:fld>
             <a:endParaRPr lang="en-US"/>
           </a:p>
@@ -2366,7 +2366,7 @@
           <a:p>
             <a:fld id="{3A979BF9-124F-4BB9-ADB5-5719B90CB8FD}" type="datetimeFigureOut">
               <a:rPr lang="en-US" smtClean="0"/>
-              <a:t>1/21/2019</a:t>
+              <a:t>3/10/2020</a:t>
             </a:fld>
             <a:endParaRPr lang="en-US"/>
           </a:p>
@@ -2579,7 +2579,7 @@
           <a:p>
             <a:fld id="{3A979BF9-124F-4BB9-ADB5-5719B90CB8FD}" type="datetimeFigureOut">
               <a:rPr lang="en-US" smtClean="0"/>
-              <a:t>1/21/2019</a:t>
+              <a:t>3/10/2020</a:t>
             </a:fld>
             <a:endParaRPr lang="en-US"/>
           </a:p>
